--- a/Reports/HD172_17KS _SLIDE_TaAnhTu.pptx
+++ b/Reports/HD172_17KS _SLIDE_TaAnhTu.pptx
@@ -5,51 +5,53 @@
     <p:sldMasterId id="2147484335" r:id="rId1"/>
   </p:sldMasterIdLst>
   <p:notesMasterIdLst>
-    <p:notesMasterId r:id="rId44"/>
+    <p:notesMasterId r:id="rId46"/>
   </p:notesMasterIdLst>
   <p:sldIdLst>
     <p:sldId id="256" r:id="rId2"/>
     <p:sldId id="257" r:id="rId3"/>
     <p:sldId id="259" r:id="rId4"/>
-    <p:sldId id="258" r:id="rId5"/>
-    <p:sldId id="277" r:id="rId6"/>
-    <p:sldId id="260" r:id="rId7"/>
-    <p:sldId id="261" r:id="rId8"/>
-    <p:sldId id="279" r:id="rId9"/>
-    <p:sldId id="262" r:id="rId10"/>
-    <p:sldId id="278" r:id="rId11"/>
-    <p:sldId id="263" r:id="rId12"/>
-    <p:sldId id="265" r:id="rId13"/>
-    <p:sldId id="266" r:id="rId14"/>
-    <p:sldId id="281" r:id="rId15"/>
-    <p:sldId id="280" r:id="rId16"/>
-    <p:sldId id="282" r:id="rId17"/>
-    <p:sldId id="283" r:id="rId18"/>
-    <p:sldId id="267" r:id="rId19"/>
-    <p:sldId id="293" r:id="rId20"/>
-    <p:sldId id="291" r:id="rId21"/>
-    <p:sldId id="292" r:id="rId22"/>
-    <p:sldId id="294" r:id="rId23"/>
-    <p:sldId id="268" r:id="rId24"/>
-    <p:sldId id="295" r:id="rId25"/>
-    <p:sldId id="296" r:id="rId26"/>
-    <p:sldId id="297" r:id="rId27"/>
-    <p:sldId id="298" r:id="rId28"/>
-    <p:sldId id="299" r:id="rId29"/>
-    <p:sldId id="300" r:id="rId30"/>
-    <p:sldId id="301" r:id="rId31"/>
-    <p:sldId id="302" r:id="rId32"/>
-    <p:sldId id="303" r:id="rId33"/>
-    <p:sldId id="304" r:id="rId34"/>
-    <p:sldId id="305" r:id="rId35"/>
-    <p:sldId id="269" r:id="rId36"/>
-    <p:sldId id="270" r:id="rId37"/>
-    <p:sldId id="285" r:id="rId38"/>
-    <p:sldId id="286" r:id="rId39"/>
-    <p:sldId id="288" r:id="rId40"/>
-    <p:sldId id="289" r:id="rId41"/>
-    <p:sldId id="287" r:id="rId42"/>
-    <p:sldId id="290" r:id="rId43"/>
+    <p:sldId id="306" r:id="rId5"/>
+    <p:sldId id="258" r:id="rId6"/>
+    <p:sldId id="277" r:id="rId7"/>
+    <p:sldId id="260" r:id="rId8"/>
+    <p:sldId id="261" r:id="rId9"/>
+    <p:sldId id="279" r:id="rId10"/>
+    <p:sldId id="262" r:id="rId11"/>
+    <p:sldId id="278" r:id="rId12"/>
+    <p:sldId id="263" r:id="rId13"/>
+    <p:sldId id="265" r:id="rId14"/>
+    <p:sldId id="266" r:id="rId15"/>
+    <p:sldId id="281" r:id="rId16"/>
+    <p:sldId id="280" r:id="rId17"/>
+    <p:sldId id="282" r:id="rId18"/>
+    <p:sldId id="283" r:id="rId19"/>
+    <p:sldId id="267" r:id="rId20"/>
+    <p:sldId id="293" r:id="rId21"/>
+    <p:sldId id="291" r:id="rId22"/>
+    <p:sldId id="292" r:id="rId23"/>
+    <p:sldId id="294" r:id="rId24"/>
+    <p:sldId id="268" r:id="rId25"/>
+    <p:sldId id="295" r:id="rId26"/>
+    <p:sldId id="296" r:id="rId27"/>
+    <p:sldId id="297" r:id="rId28"/>
+    <p:sldId id="298" r:id="rId29"/>
+    <p:sldId id="299" r:id="rId30"/>
+    <p:sldId id="300" r:id="rId31"/>
+    <p:sldId id="301" r:id="rId32"/>
+    <p:sldId id="302" r:id="rId33"/>
+    <p:sldId id="303" r:id="rId34"/>
+    <p:sldId id="304" r:id="rId35"/>
+    <p:sldId id="305" r:id="rId36"/>
+    <p:sldId id="269" r:id="rId37"/>
+    <p:sldId id="270" r:id="rId38"/>
+    <p:sldId id="285" r:id="rId39"/>
+    <p:sldId id="286" r:id="rId40"/>
+    <p:sldId id="288" r:id="rId41"/>
+    <p:sldId id="289" r:id="rId42"/>
+    <p:sldId id="287" r:id="rId43"/>
+    <p:sldId id="307" r:id="rId44"/>
+    <p:sldId id="290" r:id="rId45"/>
   </p:sldIdLst>
   <p:sldSz cx="12192000" cy="6858000"/>
   <p:notesSz cx="6858000" cy="9144000"/>
@@ -238,7 +240,7 @@
           <a:p>
             <a:fld id="{74EF7265-E55B-4F40-8EC6-DA093A1E74F9}" type="datetimeFigureOut">
               <a:rPr lang="vi-VN" smtClean="0"/>
-              <a:t>18/06/2018</a:t>
+              <a:t>20/06/2018</a:t>
             </a:fld>
             <a:endParaRPr lang="vi-VN"/>
           </a:p>
@@ -1236,7 +1238,7 @@
           <a:p>
             <a:fld id="{F3351190-88CB-4676-8763-940D3F006758}" type="datetime1">
               <a:rPr lang="vi-VN" smtClean="0"/>
-              <a:t>18/06/2018</a:t>
+              <a:t>20/06/2018</a:t>
             </a:fld>
             <a:endParaRPr lang="vi-VN"/>
           </a:p>
@@ -2356,7 +2358,7 @@
           <a:p>
             <a:fld id="{7B890436-96C3-4D24-9965-E3809F458BCA}" type="datetime1">
               <a:rPr lang="vi-VN" smtClean="0"/>
-              <a:t>18/06/2018</a:t>
+              <a:t>20/06/2018</a:t>
             </a:fld>
             <a:endParaRPr lang="vi-VN"/>
           </a:p>
@@ -3367,7 +3369,7 @@
           <a:p>
             <a:fld id="{447F4C94-BB56-424C-8161-7246F67EB6E5}" type="datetime1">
               <a:rPr lang="vi-VN" smtClean="0"/>
-              <a:t>18/06/2018</a:t>
+              <a:t>20/06/2018</a:t>
             </a:fld>
             <a:endParaRPr lang="vi-VN"/>
           </a:p>
@@ -4537,7 +4539,7 @@
           <a:p>
             <a:fld id="{CC5BD9ED-F67F-4106-B096-6A53F3FC63CD}" type="datetime1">
               <a:rPr lang="vi-VN" smtClean="0"/>
-              <a:t>18/06/2018</a:t>
+              <a:t>20/06/2018</a:t>
             </a:fld>
             <a:endParaRPr lang="vi-VN"/>
           </a:p>
@@ -5598,7 +5600,7 @@
           <a:p>
             <a:fld id="{A89D9910-EFAF-40B0-AC47-7F866B2E92A5}" type="datetime1">
               <a:rPr lang="vi-VN" smtClean="0"/>
-              <a:t>18/06/2018</a:t>
+              <a:t>20/06/2018</a:t>
             </a:fld>
             <a:endParaRPr lang="vi-VN"/>
           </a:p>
@@ -6244,7 +6246,7 @@
           <a:p>
             <a:fld id="{A161675C-7B05-4D2C-925D-1DF0EA609F5C}" type="datetime1">
               <a:rPr lang="vi-VN" smtClean="0"/>
-              <a:t>18/06/2018</a:t>
+              <a:t>20/06/2018</a:t>
             </a:fld>
             <a:endParaRPr lang="vi-VN"/>
           </a:p>
@@ -7091,7 +7093,7 @@
           <a:p>
             <a:fld id="{D8FF7535-5CFF-4A50-90AF-CD1E3D46FD65}" type="datetime1">
               <a:rPr lang="vi-VN" smtClean="0"/>
-              <a:t>18/06/2018</a:t>
+              <a:t>20/06/2018</a:t>
             </a:fld>
             <a:endParaRPr lang="vi-VN"/>
           </a:p>
@@ -7266,7 +7268,7 @@
           <a:p>
             <a:fld id="{65FA6236-4B27-4D4C-BA6A-39937E748B6C}" type="datetime1">
               <a:rPr lang="vi-VN" smtClean="0"/>
-              <a:t>18/06/2018</a:t>
+              <a:t>20/06/2018</a:t>
             </a:fld>
             <a:endParaRPr lang="vi-VN"/>
           </a:p>
@@ -8264,7 +8266,7 @@
           <a:p>
             <a:fld id="{3884FFBF-A3E5-48EB-BB69-8572E653F54A}" type="datetime1">
               <a:rPr lang="vi-VN" smtClean="0"/>
-              <a:t>18/06/2018</a:t>
+              <a:t>20/06/2018</a:t>
             </a:fld>
             <a:endParaRPr lang="vi-VN"/>
           </a:p>
@@ -8470,7 +8472,7 @@
           <a:p>
             <a:fld id="{CB191239-6907-428B-B6B4-34EAB671FABC}" type="datetime1">
               <a:rPr lang="vi-VN" smtClean="0"/>
-              <a:t>18/06/2018</a:t>
+              <a:t>20/06/2018</a:t>
             </a:fld>
             <a:endParaRPr lang="vi-VN"/>
           </a:p>
@@ -9532,7 +9534,7 @@
           <a:p>
             <a:fld id="{19D44AB8-8952-4520-9A56-71B0F5D57A46}" type="datetime1">
               <a:rPr lang="vi-VN" smtClean="0"/>
-              <a:t>18/06/2018</a:t>
+              <a:t>20/06/2018</a:t>
             </a:fld>
             <a:endParaRPr lang="vi-VN"/>
           </a:p>
@@ -9804,7 +9806,7 @@
           <a:p>
             <a:fld id="{3D0E79C9-14B5-41E8-91E0-DCF61EA86B3D}" type="datetime1">
               <a:rPr lang="vi-VN" smtClean="0"/>
-              <a:t>18/06/2018</a:t>
+              <a:t>20/06/2018</a:t>
             </a:fld>
             <a:endParaRPr lang="vi-VN"/>
           </a:p>
@@ -10191,7 +10193,7 @@
           <a:p>
             <a:fld id="{B5A69FAC-7946-44D2-83B4-0514436ABC3E}" type="datetime1">
               <a:rPr lang="vi-VN" smtClean="0"/>
-              <a:t>18/06/2018</a:t>
+              <a:t>20/06/2018</a:t>
             </a:fld>
             <a:endParaRPr lang="vi-VN"/>
           </a:p>
@@ -10314,7 +10316,7 @@
           <a:p>
             <a:fld id="{061F8AE6-DCF3-4D67-94D2-B182163028A3}" type="datetime1">
               <a:rPr lang="vi-VN" smtClean="0"/>
-              <a:t>18/06/2018</a:t>
+              <a:t>20/06/2018</a:t>
             </a:fld>
             <a:endParaRPr lang="vi-VN"/>
           </a:p>
@@ -10409,7 +10411,7 @@
           <a:p>
             <a:fld id="{A61ABA64-2225-41C0-B597-28FC09C91C56}" type="datetime1">
               <a:rPr lang="vi-VN" smtClean="0"/>
-              <a:t>18/06/2018</a:t>
+              <a:t>20/06/2018</a:t>
             </a:fld>
             <a:endParaRPr lang="vi-VN"/>
           </a:p>
@@ -11518,7 +11520,7 @@
           <a:p>
             <a:fld id="{E0572784-C3BC-42A2-B2B8-1B975A9FF8F5}" type="datetime1">
               <a:rPr lang="vi-VN" smtClean="0"/>
-              <a:t>18/06/2018</a:t>
+              <a:t>20/06/2018</a:t>
             </a:fld>
             <a:endParaRPr lang="vi-VN"/>
           </a:p>
@@ -12656,7 +12658,7 @@
           <a:p>
             <a:fld id="{3EEA4BDF-16CC-46BF-83B8-CCAEF18CAECB}" type="datetime1">
               <a:rPr lang="vi-VN" smtClean="0"/>
-              <a:t>18/06/2018</a:t>
+              <a:t>20/06/2018</a:t>
             </a:fld>
             <a:endParaRPr lang="vi-VN"/>
           </a:p>
@@ -13684,7 +13686,7 @@
           <a:p>
             <a:fld id="{7EA1C908-415C-4C14-B46C-65D62F9FC82A}" type="datetime1">
               <a:rPr lang="vi-VN" smtClean="0"/>
-              <a:t>18/06/2018</a:t>
+              <a:t>20/06/2018</a:t>
             </a:fld>
             <a:endParaRPr lang="vi-VN"/>
           </a:p>
@@ -14308,27 +14310,7 @@
                 <a:latin typeface="Calibri" panose="020F0502020204030204" pitchFamily="34" charset="0"/>
                 <a:cs typeface="Calibri" panose="020F0502020204030204" pitchFamily="34" charset="0"/>
               </a:rPr>
-              <a:t>Đề tài: </a:t>
-            </a:r>
-            <a:r>
-              <a:rPr lang="en-US" sz="4000" b="1" smtClean="0">
-                <a:solidFill>
-                  <a:srgbClr val="FFFF00"/>
-                </a:solidFill>
-                <a:latin typeface="Calibri" panose="020F0502020204030204" pitchFamily="34" charset="0"/>
-                <a:cs typeface="Calibri" panose="020F0502020204030204" pitchFamily="34" charset="0"/>
-              </a:rPr>
-              <a:t>Thiết kế hệ </a:t>
-            </a:r>
-            <a:r>
-              <a:rPr lang="en-US" sz="4000" b="1" smtClean="0">
-                <a:solidFill>
-                  <a:srgbClr val="FFFF00"/>
-                </a:solidFill>
-                <a:latin typeface="Calibri" panose="020F0502020204030204" pitchFamily="34" charset="0"/>
-                <a:cs typeface="Calibri" panose="020F0502020204030204" pitchFamily="34" charset="0"/>
-              </a:rPr>
-              <a:t>thống tìm khách sạn, nhà trọ</a:t>
+              <a:t>Đề tài: Thiết kế hệ thống tìm khách sạn, nhà trọ</a:t>
             </a:r>
             <a:endParaRPr lang="vi-VN" b="1">
               <a:solidFill>
@@ -14529,6 +14511,215 @@
                 <a:latin typeface="Calibri" panose="020F0502020204030204" pitchFamily="34" charset="0"/>
                 <a:cs typeface="Calibri" panose="020F0502020204030204" pitchFamily="34" charset="0"/>
               </a:rPr>
+              <a:t>3.2. </a:t>
+            </a:r>
+            <a:r>
+              <a:rPr lang="en-US">
+                <a:latin typeface="Calibri" panose="020F0502020204030204" pitchFamily="34" charset="0"/>
+                <a:cs typeface="Calibri" panose="020F0502020204030204" pitchFamily="34" charset="0"/>
+              </a:rPr>
+              <a:t>Yêu cầu </a:t>
+            </a:r>
+            <a:r>
+              <a:rPr lang="en-US" smtClean="0">
+                <a:latin typeface="Calibri" panose="020F0502020204030204" pitchFamily="34" charset="0"/>
+                <a:cs typeface="Calibri" panose="020F0502020204030204" pitchFamily="34" charset="0"/>
+              </a:rPr>
+              <a:t>phi chức </a:t>
+            </a:r>
+            <a:r>
+              <a:rPr lang="en-US">
+                <a:latin typeface="Calibri" panose="020F0502020204030204" pitchFamily="34" charset="0"/>
+                <a:cs typeface="Calibri" panose="020F0502020204030204" pitchFamily="34" charset="0"/>
+              </a:rPr>
+              <a:t>năng</a:t>
+            </a:r>
+            <a:endParaRPr lang="vi-VN">
+              <a:latin typeface="Calibri" panose="020F0502020204030204" pitchFamily="34" charset="0"/>
+              <a:cs typeface="Calibri" panose="020F0502020204030204" pitchFamily="34" charset="0"/>
+            </a:endParaRPr>
+          </a:p>
+        </p:txBody>
+      </p:sp>
+      <p:sp>
+        <p:nvSpPr>
+          <p:cNvPr id="3" name="Content Placeholder 2"/>
+          <p:cNvSpPr>
+            <a:spLocks noGrp="1"/>
+          </p:cNvSpPr>
+          <p:nvPr>
+            <p:ph idx="1"/>
+          </p:nvPr>
+        </p:nvSpPr>
+        <p:spPr>
+          <a:xfrm>
+            <a:off x="1154955" y="2331076"/>
+            <a:ext cx="10035784" cy="3688724"/>
+          </a:xfrm>
+        </p:spPr>
+        <p:txBody>
+          <a:bodyPr>
+            <a:normAutofit/>
+          </a:bodyPr>
+          <a:lstStyle/>
+          <a:p>
+            <a:pPr lvl="0">
+              <a:buFont typeface="Wingdings" panose="05000000000000000000" pitchFamily="2" charset="2"/>
+              <a:buChar char="q"/>
+            </a:pPr>
+            <a:r>
+              <a:rPr lang="en-US" sz="2400" smtClean="0">
+                <a:latin typeface="Calibri" panose="020F0502020204030204" pitchFamily="34" charset="0"/>
+                <a:cs typeface="Calibri" panose="020F0502020204030204" pitchFamily="34" charset="0"/>
+              </a:rPr>
+              <a:t>Hệ thống có giao diện thân thiện, dễ sử dụng, đảm bảo phục vụ được số lượng lớn người dùng truy cập đồng thời.</a:t>
+            </a:r>
+            <a:endParaRPr lang="vi-VN" sz="2400" smtClean="0">
+              <a:latin typeface="Calibri" panose="020F0502020204030204" pitchFamily="34" charset="0"/>
+              <a:cs typeface="Calibri" panose="020F0502020204030204" pitchFamily="34" charset="0"/>
+            </a:endParaRPr>
+          </a:p>
+          <a:p>
+            <a:pPr lvl="0">
+              <a:buFont typeface="Wingdings" panose="05000000000000000000" pitchFamily="2" charset="2"/>
+              <a:buChar char="q"/>
+            </a:pPr>
+            <a:r>
+              <a:rPr lang="en-US" sz="2400" smtClean="0">
+                <a:latin typeface="Calibri" panose="020F0502020204030204" pitchFamily="34" charset="0"/>
+                <a:cs typeface="Calibri" panose="020F0502020204030204" pitchFamily="34" charset="0"/>
+              </a:rPr>
+              <a:t>Có thể chạy trên nhiều nền tảng khác nhau (ứng dụng Android hoặc trên web)</a:t>
+            </a:r>
+            <a:endParaRPr lang="vi-VN" sz="2400" smtClean="0">
+              <a:latin typeface="Calibri" panose="020F0502020204030204" pitchFamily="34" charset="0"/>
+              <a:cs typeface="Calibri" panose="020F0502020204030204" pitchFamily="34" charset="0"/>
+            </a:endParaRPr>
+          </a:p>
+          <a:p>
+            <a:pPr lvl="0">
+              <a:buFont typeface="Wingdings" panose="05000000000000000000" pitchFamily="2" charset="2"/>
+              <a:buChar char="q"/>
+            </a:pPr>
+            <a:r>
+              <a:rPr lang="en-US" sz="2400" smtClean="0">
+                <a:latin typeface="Calibri" panose="020F0502020204030204" pitchFamily="34" charset="0"/>
+                <a:cs typeface="Calibri" panose="020F0502020204030204" pitchFamily="34" charset="0"/>
+              </a:rPr>
+              <a:t>Không xung đột với các ứng dụng khác</a:t>
+            </a:r>
+            <a:endParaRPr lang="vi-VN" sz="2400" smtClean="0">
+              <a:latin typeface="Calibri" panose="020F0502020204030204" pitchFamily="34" charset="0"/>
+              <a:cs typeface="Calibri" panose="020F0502020204030204" pitchFamily="34" charset="0"/>
+            </a:endParaRPr>
+          </a:p>
+          <a:p>
+            <a:pPr lvl="0">
+              <a:buFont typeface="Wingdings" panose="05000000000000000000" pitchFamily="2" charset="2"/>
+              <a:buChar char="q"/>
+            </a:pPr>
+            <a:r>
+              <a:rPr lang="en-US" sz="2400" smtClean="0">
+                <a:latin typeface="Calibri" panose="020F0502020204030204" pitchFamily="34" charset="0"/>
+                <a:cs typeface="Calibri" panose="020F0502020204030204" pitchFamily="34" charset="0"/>
+              </a:rPr>
+              <a:t>Dễ dàng bảo trì, cập nhật</a:t>
+            </a:r>
+            <a:endParaRPr lang="vi-VN" sz="2400" smtClean="0">
+              <a:latin typeface="Calibri" panose="020F0502020204030204" pitchFamily="34" charset="0"/>
+              <a:cs typeface="Calibri" panose="020F0502020204030204" pitchFamily="34" charset="0"/>
+            </a:endParaRPr>
+          </a:p>
+          <a:p>
+            <a:pPr marL="0" indent="0">
+              <a:buNone/>
+            </a:pPr>
+            <a:endParaRPr lang="en-US" sz="2800" smtClean="0">
+              <a:cs typeface="Segoe UI" panose="020B0502040204020203" pitchFamily="34" charset="0"/>
+            </a:endParaRPr>
+          </a:p>
+        </p:txBody>
+      </p:sp>
+      <p:sp>
+        <p:nvSpPr>
+          <p:cNvPr id="4" name="Slide Number Placeholder 3"/>
+          <p:cNvSpPr>
+            <a:spLocks noGrp="1"/>
+          </p:cNvSpPr>
+          <p:nvPr>
+            <p:ph type="sldNum" sz="quarter" idx="12"/>
+          </p:nvPr>
+        </p:nvSpPr>
+        <p:spPr/>
+        <p:txBody>
+          <a:bodyPr/>
+          <a:lstStyle/>
+          <a:p>
+            <a:fld id="{C324A925-7661-4EF3-817D-D476B64924D2}" type="slidenum">
+              <a:rPr lang="vi-VN" smtClean="0"/>
+              <a:t>10</a:t>
+            </a:fld>
+            <a:endParaRPr lang="vi-VN"/>
+          </a:p>
+        </p:txBody>
+      </p:sp>
+    </p:spTree>
+    <p:extLst>
+      <p:ext uri="{BB962C8B-B14F-4D97-AF65-F5344CB8AC3E}">
+        <p14:creationId xmlns:p14="http://schemas.microsoft.com/office/powerpoint/2010/main" val="1852136768"/>
+      </p:ext>
+    </p:extLst>
+  </p:cSld>
+  <p:clrMapOvr>
+    <a:masterClrMapping/>
+  </p:clrMapOvr>
+  <p:timing>
+    <p:tnLst>
+      <p:par>
+        <p:cTn id="1" dur="indefinite" restart="never" nodeType="tmRoot"/>
+      </p:par>
+    </p:tnLst>
+  </p:timing>
+</p:sld>
+</file>
+
+<file path=ppt/slides/slide11.xml><?xml version="1.0" encoding="utf-8"?>
+<p:sld xmlns:a="http://schemas.openxmlformats.org/drawingml/2006/main" xmlns:r="http://schemas.openxmlformats.org/officeDocument/2006/relationships" xmlns:p="http://schemas.openxmlformats.org/presentationml/2006/main">
+  <p:cSld>
+    <p:spTree>
+      <p:nvGrpSpPr>
+        <p:cNvPr id="1" name=""/>
+        <p:cNvGrpSpPr/>
+        <p:nvPr/>
+      </p:nvGrpSpPr>
+      <p:grpSpPr>
+        <a:xfrm>
+          <a:off x="0" y="0"/>
+          <a:ext cx="0" cy="0"/>
+          <a:chOff x="0" y="0"/>
+          <a:chExt cx="0" cy="0"/>
+        </a:xfrm>
+      </p:grpSpPr>
+      <p:sp>
+        <p:nvSpPr>
+          <p:cNvPr id="2" name="Title 1"/>
+          <p:cNvSpPr>
+            <a:spLocks noGrp="1"/>
+          </p:cNvSpPr>
+          <p:nvPr>
+            <p:ph type="title"/>
+          </p:nvPr>
+        </p:nvSpPr>
+        <p:spPr/>
+        <p:txBody>
+          <a:bodyPr/>
+          <a:lstStyle/>
+          <a:p>
+            <a:r>
+              <a:rPr lang="en-US" smtClean="0">
+                <a:latin typeface="Calibri" panose="020F0502020204030204" pitchFamily="34" charset="0"/>
+                <a:cs typeface="Calibri" panose="020F0502020204030204" pitchFamily="34" charset="0"/>
+              </a:rPr>
               <a:t>3.3. Sơ đồ khối của hệ thống</a:t>
             </a:r>
             <a:endParaRPr lang="vi-VN">
@@ -14704,7 +14895,7 @@
           <a:p>
             <a:fld id="{C324A925-7661-4EF3-817D-D476B64924D2}" type="slidenum">
               <a:rPr lang="vi-VN" smtClean="0"/>
-              <a:t>10</a:t>
+              <a:t>11</a:t>
             </a:fld>
             <a:endParaRPr lang="vi-VN"/>
           </a:p>
@@ -15187,117 +15378,6 @@
 </p:sld>
 </file>
 
-<file path=ppt/slides/slide11.xml><?xml version="1.0" encoding="utf-8"?>
-<p:sld xmlns:a="http://schemas.openxmlformats.org/drawingml/2006/main" xmlns:r="http://schemas.openxmlformats.org/officeDocument/2006/relationships" xmlns:p="http://schemas.openxmlformats.org/presentationml/2006/main">
-  <p:cSld>
-    <p:spTree>
-      <p:nvGrpSpPr>
-        <p:cNvPr id="1" name=""/>
-        <p:cNvGrpSpPr/>
-        <p:nvPr/>
-      </p:nvGrpSpPr>
-      <p:grpSpPr>
-        <a:xfrm>
-          <a:off x="0" y="0"/>
-          <a:ext cx="0" cy="0"/>
-          <a:chOff x="0" y="0"/>
-          <a:chExt cx="0" cy="0"/>
-        </a:xfrm>
-      </p:grpSpPr>
-      <p:sp>
-        <p:nvSpPr>
-          <p:cNvPr id="2" name="Title 1"/>
-          <p:cNvSpPr>
-            <a:spLocks noGrp="1"/>
-          </p:cNvSpPr>
-          <p:nvPr>
-            <p:ph type="title"/>
-          </p:nvPr>
-        </p:nvSpPr>
-        <p:spPr/>
-        <p:txBody>
-          <a:bodyPr/>
-          <a:lstStyle/>
-          <a:p>
-            <a:r>
-              <a:rPr lang="en-US" smtClean="0">
-                <a:latin typeface="Calibri" panose="020F0502020204030204" pitchFamily="34" charset="0"/>
-                <a:cs typeface="Calibri" panose="020F0502020204030204" pitchFamily="34" charset="0"/>
-              </a:rPr>
-              <a:t>3.4. Sơ đồ use case</a:t>
-            </a:r>
-            <a:endParaRPr lang="vi-VN">
-              <a:latin typeface="Calibri" panose="020F0502020204030204" pitchFamily="34" charset="0"/>
-              <a:cs typeface="Calibri" panose="020F0502020204030204" pitchFamily="34" charset="0"/>
-            </a:endParaRPr>
-          </a:p>
-        </p:txBody>
-      </p:sp>
-      <p:sp>
-        <p:nvSpPr>
-          <p:cNvPr id="4" name="Slide Number Placeholder 3"/>
-          <p:cNvSpPr>
-            <a:spLocks noGrp="1"/>
-          </p:cNvSpPr>
-          <p:nvPr>
-            <p:ph type="sldNum" sz="quarter" idx="12"/>
-          </p:nvPr>
-        </p:nvSpPr>
-        <p:spPr/>
-        <p:txBody>
-          <a:bodyPr/>
-          <a:lstStyle/>
-          <a:p>
-            <a:fld id="{C324A925-7661-4EF3-817D-D476B64924D2}" type="slidenum">
-              <a:rPr lang="vi-VN" smtClean="0"/>
-              <a:t>11</a:t>
-            </a:fld>
-            <a:endParaRPr lang="vi-VN"/>
-          </a:p>
-        </p:txBody>
-      </p:sp>
-      <p:pic>
-        <p:nvPicPr>
-          <p:cNvPr id="6" name="Picture 5"/>
-          <p:cNvPicPr/>
-          <p:nvPr/>
-        </p:nvPicPr>
-        <p:blipFill>
-          <a:blip r:embed="rId2"/>
-          <a:stretch>
-            <a:fillRect/>
-          </a:stretch>
-        </p:blipFill>
-        <p:spPr>
-          <a:xfrm>
-            <a:off x="3515405" y="1562100"/>
-            <a:ext cx="5553075" cy="5295900"/>
-          </a:xfrm>
-          <a:prstGeom prst="rect">
-            <a:avLst/>
-          </a:prstGeom>
-        </p:spPr>
-      </p:pic>
-    </p:spTree>
-    <p:extLst>
-      <p:ext uri="{BB962C8B-B14F-4D97-AF65-F5344CB8AC3E}">
-        <p14:creationId xmlns:p14="http://schemas.microsoft.com/office/powerpoint/2010/main" val="4265730392"/>
-      </p:ext>
-    </p:extLst>
-  </p:cSld>
-  <p:clrMapOvr>
-    <a:masterClrMapping/>
-  </p:clrMapOvr>
-  <p:timing>
-    <p:tnLst>
-      <p:par>
-        <p:cTn id="1" dur="indefinite" restart="never" nodeType="tmRoot"/>
-      </p:par>
-    </p:tnLst>
-  </p:timing>
-</p:sld>
-</file>
-
 <file path=ppt/slides/slide12.xml><?xml version="1.0" encoding="utf-8"?>
 <p:sld xmlns:a="http://schemas.openxmlformats.org/drawingml/2006/main" xmlns:r="http://schemas.openxmlformats.org/officeDocument/2006/relationships" xmlns:p="http://schemas.openxmlformats.org/presentationml/2006/main">
   <p:cSld>
@@ -15335,7 +15415,7 @@
                 <a:latin typeface="Calibri" panose="020F0502020204030204" pitchFamily="34" charset="0"/>
                 <a:cs typeface="Calibri" panose="020F0502020204030204" pitchFamily="34" charset="0"/>
               </a:rPr>
-              <a:t>3.5. Biểu đồ lớp</a:t>
+              <a:t>3.4. Sơ đồ use case</a:t>
             </a:r>
             <a:endParaRPr lang="vi-VN">
               <a:latin typeface="Calibri" panose="020F0502020204030204" pitchFamily="34" charset="0"/>
@@ -15381,8 +15461,8 @@
         </p:blipFill>
         <p:spPr>
           <a:xfrm>
-            <a:off x="2620327" y="1680632"/>
-            <a:ext cx="7296039" cy="4924640"/>
+            <a:off x="3515405" y="1562100"/>
+            <a:ext cx="5553075" cy="5295900"/>
           </a:xfrm>
           <a:prstGeom prst="rect">
             <a:avLst/>
@@ -15392,7 +15472,7 @@
     </p:spTree>
     <p:extLst>
       <p:ext uri="{BB962C8B-B14F-4D97-AF65-F5344CB8AC3E}">
-        <p14:creationId xmlns:p14="http://schemas.microsoft.com/office/powerpoint/2010/main" val="2066426469"/>
+        <p14:creationId xmlns:p14="http://schemas.microsoft.com/office/powerpoint/2010/main" val="4265730392"/>
       </p:ext>
     </p:extLst>
   </p:cSld>
@@ -15446,48 +15526,9 @@
                 <a:latin typeface="Calibri" panose="020F0502020204030204" pitchFamily="34" charset="0"/>
                 <a:cs typeface="Calibri" panose="020F0502020204030204" pitchFamily="34" charset="0"/>
               </a:rPr>
-              <a:t>3.6. Biểu đồ hoạt động</a:t>
+              <a:t>3.5. Biểu đồ lớp</a:t>
             </a:r>
             <a:endParaRPr lang="vi-VN">
-              <a:latin typeface="Calibri" panose="020F0502020204030204" pitchFamily="34" charset="0"/>
-              <a:cs typeface="Calibri" panose="020F0502020204030204" pitchFamily="34" charset="0"/>
-            </a:endParaRPr>
-          </a:p>
-        </p:txBody>
-      </p:sp>
-      <p:sp>
-        <p:nvSpPr>
-          <p:cNvPr id="3" name="Content Placeholder 2"/>
-          <p:cNvSpPr>
-            <a:spLocks noGrp="1"/>
-          </p:cNvSpPr>
-          <p:nvPr>
-            <p:ph idx="1"/>
-          </p:nvPr>
-        </p:nvSpPr>
-        <p:spPr>
-          <a:xfrm>
-            <a:off x="1154955" y="2331076"/>
-            <a:ext cx="8761412" cy="3688724"/>
-          </a:xfrm>
-        </p:spPr>
-        <p:txBody>
-          <a:bodyPr>
-            <a:normAutofit/>
-          </a:bodyPr>
-          <a:lstStyle/>
-          <a:p>
-            <a:pPr marL="0" indent="0">
-              <a:buNone/>
-            </a:pPr>
-            <a:r>
-              <a:rPr lang="en-US" sz="2400" smtClean="0">
-                <a:latin typeface="Calibri" panose="020F0502020204030204" pitchFamily="34" charset="0"/>
-                <a:cs typeface="Calibri" panose="020F0502020204030204" pitchFamily="34" charset="0"/>
-              </a:rPr>
-              <a:t>3.6.1. Chức năng đăng nhập</a:t>
-            </a:r>
-            <a:endParaRPr lang="vi-VN" sz="2400">
               <a:latin typeface="Calibri" panose="020F0502020204030204" pitchFamily="34" charset="0"/>
               <a:cs typeface="Calibri" panose="020F0502020204030204" pitchFamily="34" charset="0"/>
             </a:endParaRPr>
@@ -15519,7 +15560,7 @@
       </p:sp>
       <p:pic>
         <p:nvPicPr>
-          <p:cNvPr id="5" name="Picture 4"/>
+          <p:cNvPr id="6" name="Picture 5"/>
           <p:cNvPicPr/>
           <p:nvPr/>
         </p:nvPicPr>
@@ -15531,8 +15572,8 @@
         </p:blipFill>
         <p:spPr>
           <a:xfrm>
-            <a:off x="5434464" y="2331076"/>
-            <a:ext cx="6060850" cy="4281995"/>
+            <a:off x="2620327" y="1680632"/>
+            <a:ext cx="7296039" cy="4924640"/>
           </a:xfrm>
           <a:prstGeom prst="rect">
             <a:avLst/>
@@ -15542,7 +15583,7 @@
     </p:spTree>
     <p:extLst>
       <p:ext uri="{BB962C8B-B14F-4D97-AF65-F5344CB8AC3E}">
-        <p14:creationId xmlns:p14="http://schemas.microsoft.com/office/powerpoint/2010/main" val="1443337655"/>
+        <p14:creationId xmlns:p14="http://schemas.microsoft.com/office/powerpoint/2010/main" val="2066426469"/>
       </p:ext>
     </p:extLst>
   </p:cSld>
@@ -15635,7 +15676,7 @@
                 <a:latin typeface="Calibri" panose="020F0502020204030204" pitchFamily="34" charset="0"/>
                 <a:cs typeface="Calibri" panose="020F0502020204030204" pitchFamily="34" charset="0"/>
               </a:rPr>
-              <a:t>3.6.2. Chức năng đăng ký</a:t>
+              <a:t>3.6.1. Chức năng đăng nhập</a:t>
             </a:r>
             <a:endParaRPr lang="vi-VN" sz="2400">
               <a:latin typeface="Calibri" panose="020F0502020204030204" pitchFamily="34" charset="0"/>
@@ -15669,7 +15710,7 @@
       </p:sp>
       <p:pic>
         <p:nvPicPr>
-          <p:cNvPr id="6" name="Picture 5"/>
+          <p:cNvPr id="5" name="Picture 4"/>
           <p:cNvPicPr/>
           <p:nvPr/>
         </p:nvPicPr>
@@ -15681,8 +15722,8 @@
         </p:blipFill>
         <p:spPr>
           <a:xfrm>
-            <a:off x="5026159" y="2331076"/>
-            <a:ext cx="6844711" cy="4314653"/>
+            <a:off x="5434464" y="2331076"/>
+            <a:ext cx="6060850" cy="4281995"/>
           </a:xfrm>
           <a:prstGeom prst="rect">
             <a:avLst/>
@@ -15692,7 +15733,7 @@
     </p:spTree>
     <p:extLst>
       <p:ext uri="{BB962C8B-B14F-4D97-AF65-F5344CB8AC3E}">
-        <p14:creationId xmlns:p14="http://schemas.microsoft.com/office/powerpoint/2010/main" val="1684841564"/>
+        <p14:creationId xmlns:p14="http://schemas.microsoft.com/office/powerpoint/2010/main" val="1443337655"/>
       </p:ext>
     </p:extLst>
   </p:cSld>
@@ -15768,7 +15809,7 @@
         <p:spPr>
           <a:xfrm>
             <a:off x="1154955" y="2331076"/>
-            <a:ext cx="3155788" cy="3688724"/>
+            <a:ext cx="8761412" cy="3688724"/>
           </a:xfrm>
         </p:spPr>
         <p:txBody>
@@ -15785,7 +15826,7 @@
                 <a:latin typeface="Calibri" panose="020F0502020204030204" pitchFamily="34" charset="0"/>
                 <a:cs typeface="Calibri" panose="020F0502020204030204" pitchFamily="34" charset="0"/>
               </a:rPr>
-              <a:t>3.6.3. Chức năng tìm kiếm nhà trọ</a:t>
+              <a:t>3.6.2. Chức năng đăng ký</a:t>
             </a:r>
             <a:endParaRPr lang="vi-VN" sz="2400">
               <a:latin typeface="Calibri" panose="020F0502020204030204" pitchFamily="34" charset="0"/>
@@ -15819,7 +15860,7 @@
       </p:sp>
       <p:pic>
         <p:nvPicPr>
-          <p:cNvPr id="7" name="Picture 6"/>
+          <p:cNvPr id="6" name="Picture 5"/>
           <p:cNvPicPr/>
           <p:nvPr/>
         </p:nvPicPr>
@@ -15831,8 +15872,8 @@
         </p:blipFill>
         <p:spPr>
           <a:xfrm>
-            <a:off x="5788071" y="1057973"/>
-            <a:ext cx="5579745" cy="5664200"/>
+            <a:off x="5026159" y="2331076"/>
+            <a:ext cx="6844711" cy="4314653"/>
           </a:xfrm>
           <a:prstGeom prst="rect">
             <a:avLst/>
@@ -15842,7 +15883,7 @@
     </p:spTree>
     <p:extLst>
       <p:ext uri="{BB962C8B-B14F-4D97-AF65-F5344CB8AC3E}">
-        <p14:creationId xmlns:p14="http://schemas.microsoft.com/office/powerpoint/2010/main" val="2364356180"/>
+        <p14:creationId xmlns:p14="http://schemas.microsoft.com/office/powerpoint/2010/main" val="1684841564"/>
       </p:ext>
     </p:extLst>
   </p:cSld>
@@ -15935,14 +15976,7 @@
                 <a:latin typeface="Calibri" panose="020F0502020204030204" pitchFamily="34" charset="0"/>
                 <a:cs typeface="Calibri" panose="020F0502020204030204" pitchFamily="34" charset="0"/>
               </a:rPr>
-              <a:t>3.6.4. </a:t>
-            </a:r>
-            <a:r>
-              <a:rPr lang="en-US" sz="2400">
-                <a:latin typeface="Calibri" panose="020F0502020204030204" pitchFamily="34" charset="0"/>
-                <a:cs typeface="Calibri" panose="020F0502020204030204" pitchFamily="34" charset="0"/>
-              </a:rPr>
-              <a:t>Chức năng xem thông tin nhà trọ</a:t>
+              <a:t>3.6.3. Chức năng tìm kiếm nhà trọ</a:t>
             </a:r>
             <a:endParaRPr lang="vi-VN" sz="2400">
               <a:latin typeface="Calibri" panose="020F0502020204030204" pitchFamily="34" charset="0"/>
@@ -15976,7 +16010,7 @@
       </p:sp>
       <p:pic>
         <p:nvPicPr>
-          <p:cNvPr id="6" name="Picture 5"/>
+          <p:cNvPr id="7" name="Picture 6"/>
           <p:cNvPicPr/>
           <p:nvPr/>
         </p:nvPicPr>
@@ -15988,8 +16022,8 @@
         </p:blipFill>
         <p:spPr>
           <a:xfrm>
-            <a:off x="4772795" y="1863403"/>
-            <a:ext cx="5857105" cy="4798654"/>
+            <a:off x="5788071" y="1057973"/>
+            <a:ext cx="5579745" cy="5664200"/>
           </a:xfrm>
           <a:prstGeom prst="rect">
             <a:avLst/>
@@ -15999,7 +16033,7 @@
     </p:spTree>
     <p:extLst>
       <p:ext uri="{BB962C8B-B14F-4D97-AF65-F5344CB8AC3E}">
-        <p14:creationId xmlns:p14="http://schemas.microsoft.com/office/powerpoint/2010/main" val="939207896"/>
+        <p14:creationId xmlns:p14="http://schemas.microsoft.com/office/powerpoint/2010/main" val="2364356180"/>
       </p:ext>
     </p:extLst>
   </p:cSld>
@@ -16092,21 +16126,14 @@
                 <a:latin typeface="Calibri" panose="020F0502020204030204" pitchFamily="34" charset="0"/>
                 <a:cs typeface="Calibri" panose="020F0502020204030204" pitchFamily="34" charset="0"/>
               </a:rPr>
-              <a:t>3.6.5. </a:t>
+              <a:t>3.6.4. </a:t>
             </a:r>
             <a:r>
               <a:rPr lang="en-US" sz="2400">
                 <a:latin typeface="Calibri" panose="020F0502020204030204" pitchFamily="34" charset="0"/>
                 <a:cs typeface="Calibri" panose="020F0502020204030204" pitchFamily="34" charset="0"/>
               </a:rPr>
-              <a:t>Chức năng đăng tin thuê </a:t>
-            </a:r>
-            <a:r>
-              <a:rPr lang="en-US" sz="2400" smtClean="0">
-                <a:latin typeface="Calibri" panose="020F0502020204030204" pitchFamily="34" charset="0"/>
-                <a:cs typeface="Calibri" panose="020F0502020204030204" pitchFamily="34" charset="0"/>
-              </a:rPr>
-              <a:t>nhà</a:t>
+              <a:t>Chức năng xem thông tin nhà trọ</a:t>
             </a:r>
             <a:endParaRPr lang="vi-VN" sz="2400">
               <a:latin typeface="Calibri" panose="020F0502020204030204" pitchFamily="34" charset="0"/>
@@ -16140,7 +16167,7 @@
       </p:sp>
       <p:pic>
         <p:nvPicPr>
-          <p:cNvPr id="7" name="Picture 6"/>
+          <p:cNvPr id="6" name="Picture 5"/>
           <p:cNvPicPr/>
           <p:nvPr/>
         </p:nvPicPr>
@@ -16152,8 +16179,8 @@
         </p:blipFill>
         <p:spPr>
           <a:xfrm>
-            <a:off x="5820727" y="1032510"/>
-            <a:ext cx="5579745" cy="5825490"/>
+            <a:off x="4772795" y="1863403"/>
+            <a:ext cx="5857105" cy="4798654"/>
           </a:xfrm>
           <a:prstGeom prst="rect">
             <a:avLst/>
@@ -16163,7 +16190,7 @@
     </p:spTree>
     <p:extLst>
       <p:ext uri="{BB962C8B-B14F-4D97-AF65-F5344CB8AC3E}">
-        <p14:creationId xmlns:p14="http://schemas.microsoft.com/office/powerpoint/2010/main" val="2360103029"/>
+        <p14:creationId xmlns:p14="http://schemas.microsoft.com/office/powerpoint/2010/main" val="939207896"/>
       </p:ext>
     </p:extLst>
   </p:cSld>
@@ -16217,7 +16244,7 @@
                 <a:latin typeface="Calibri" panose="020F0502020204030204" pitchFamily="34" charset="0"/>
                 <a:cs typeface="Calibri" panose="020F0502020204030204" pitchFamily="34" charset="0"/>
               </a:rPr>
-              <a:t>3.7. Biểu đồ tuần tự</a:t>
+              <a:t>3.6. Biểu đồ hoạt động</a:t>
             </a:r>
             <a:endParaRPr lang="vi-VN">
               <a:latin typeface="Calibri" panose="020F0502020204030204" pitchFamily="34" charset="0"/>
@@ -16238,8 +16265,8 @@
         </p:nvSpPr>
         <p:spPr>
           <a:xfrm>
-            <a:off x="1154955" y="2369713"/>
-            <a:ext cx="3297390" cy="3650087"/>
+            <a:off x="1154955" y="2331076"/>
+            <a:ext cx="3155788" cy="3688724"/>
           </a:xfrm>
         </p:spPr>
         <p:txBody>
@@ -16248,16 +16275,29 @@
           </a:bodyPr>
           <a:lstStyle/>
           <a:p>
-            <a:pPr>
-              <a:buFont typeface="Wingdings" panose="05000000000000000000" pitchFamily="2" charset="2"/>
-              <a:buChar char="q"/>
+            <a:pPr marL="0" indent="0">
+              <a:buNone/>
             </a:pPr>
             <a:r>
               <a:rPr lang="en-US" sz="2400" smtClean="0">
                 <a:latin typeface="Calibri" panose="020F0502020204030204" pitchFamily="34" charset="0"/>
                 <a:cs typeface="Calibri" panose="020F0502020204030204" pitchFamily="34" charset="0"/>
               </a:rPr>
-              <a:t>Chức năng đăng nhập</a:t>
+              <a:t>3.6.5. </a:t>
+            </a:r>
+            <a:r>
+              <a:rPr lang="en-US" sz="2400">
+                <a:latin typeface="Calibri" panose="020F0502020204030204" pitchFamily="34" charset="0"/>
+                <a:cs typeface="Calibri" panose="020F0502020204030204" pitchFamily="34" charset="0"/>
+              </a:rPr>
+              <a:t>Chức năng đăng tin thuê </a:t>
+            </a:r>
+            <a:r>
+              <a:rPr lang="en-US" sz="2400" smtClean="0">
+                <a:latin typeface="Calibri" panose="020F0502020204030204" pitchFamily="34" charset="0"/>
+                <a:cs typeface="Calibri" panose="020F0502020204030204" pitchFamily="34" charset="0"/>
+              </a:rPr>
+              <a:t>nhà</a:t>
             </a:r>
             <a:endParaRPr lang="vi-VN" sz="2400">
               <a:latin typeface="Calibri" panose="020F0502020204030204" pitchFamily="34" charset="0"/>
@@ -16291,7 +16331,7 @@
       </p:sp>
       <p:pic>
         <p:nvPicPr>
-          <p:cNvPr id="6" name="Picture 5"/>
+          <p:cNvPr id="7" name="Picture 6"/>
           <p:cNvPicPr/>
           <p:nvPr/>
         </p:nvPicPr>
@@ -16303,8 +16343,8 @@
         </p:blipFill>
         <p:spPr>
           <a:xfrm>
-            <a:off x="4452345" y="2369712"/>
-            <a:ext cx="7241671" cy="4115728"/>
+            <a:off x="5820727" y="1032510"/>
+            <a:ext cx="5579745" cy="5825490"/>
           </a:xfrm>
           <a:prstGeom prst="rect">
             <a:avLst/>
@@ -16314,7 +16354,7 @@
     </p:spTree>
     <p:extLst>
       <p:ext uri="{BB962C8B-B14F-4D97-AF65-F5344CB8AC3E}">
-        <p14:creationId xmlns:p14="http://schemas.microsoft.com/office/powerpoint/2010/main" val="1890445417"/>
+        <p14:creationId xmlns:p14="http://schemas.microsoft.com/office/powerpoint/2010/main" val="2360103029"/>
       </p:ext>
     </p:extLst>
   </p:cSld>
@@ -16408,7 +16448,7 @@
                 <a:latin typeface="Calibri" panose="020F0502020204030204" pitchFamily="34" charset="0"/>
                 <a:cs typeface="Calibri" panose="020F0502020204030204" pitchFamily="34" charset="0"/>
               </a:rPr>
-              <a:t>Chức năng đăng ký</a:t>
+              <a:t>Chức năng đăng nhập</a:t>
             </a:r>
             <a:endParaRPr lang="vi-VN" sz="2400">
               <a:latin typeface="Calibri" panose="020F0502020204030204" pitchFamily="34" charset="0"/>
@@ -16442,10 +16482,8 @@
       </p:sp>
       <p:pic>
         <p:nvPicPr>
-          <p:cNvPr id="5" name="Picture 4"/>
-          <p:cNvPicPr>
-            <a:picLocks noChangeAspect="1"/>
-          </p:cNvPicPr>
+          <p:cNvPr id="6" name="Picture 5"/>
+          <p:cNvPicPr/>
           <p:nvPr/>
         </p:nvPicPr>
         <p:blipFill>
@@ -16456,8 +16494,8 @@
         </p:blipFill>
         <p:spPr>
           <a:xfrm>
-            <a:off x="4247469" y="2199594"/>
-            <a:ext cx="7191375" cy="4352925"/>
+            <a:off x="4452345" y="2369712"/>
+            <a:ext cx="7241671" cy="4115728"/>
           </a:xfrm>
           <a:prstGeom prst="rect">
             <a:avLst/>
@@ -16467,7 +16505,7 @@
     </p:spTree>
     <p:extLst>
       <p:ext uri="{BB962C8B-B14F-4D97-AF65-F5344CB8AC3E}">
-        <p14:creationId xmlns:p14="http://schemas.microsoft.com/office/powerpoint/2010/main" val="2213884588"/>
+        <p14:creationId xmlns:p14="http://schemas.microsoft.com/office/powerpoint/2010/main" val="1890445417"/>
       </p:ext>
     </p:extLst>
   </p:cSld>
@@ -16737,7 +16775,7 @@
                 <a:latin typeface="Calibri" panose="020F0502020204030204" pitchFamily="34" charset="0"/>
                 <a:cs typeface="Calibri" panose="020F0502020204030204" pitchFamily="34" charset="0"/>
               </a:rPr>
-              <a:t>Chức năng tìm nhà trọ</a:t>
+              <a:t>Chức năng đăng ký</a:t>
             </a:r>
             <a:endParaRPr lang="vi-VN" sz="2400">
               <a:latin typeface="Calibri" panose="020F0502020204030204" pitchFamily="34" charset="0"/>
@@ -16785,8 +16823,8 @@
         </p:blipFill>
         <p:spPr>
           <a:xfrm>
-            <a:off x="4452345" y="2521404"/>
-            <a:ext cx="7324725" cy="3905250"/>
+            <a:off x="4247469" y="2199594"/>
+            <a:ext cx="7191375" cy="4352925"/>
           </a:xfrm>
           <a:prstGeom prst="rect">
             <a:avLst/>
@@ -16796,7 +16834,7 @@
     </p:spTree>
     <p:extLst>
       <p:ext uri="{BB962C8B-B14F-4D97-AF65-F5344CB8AC3E}">
-        <p14:creationId xmlns:p14="http://schemas.microsoft.com/office/powerpoint/2010/main" val="3323549906"/>
+        <p14:creationId xmlns:p14="http://schemas.microsoft.com/office/powerpoint/2010/main" val="2213884588"/>
       </p:ext>
     </p:extLst>
   </p:cSld>
@@ -16890,7 +16928,7 @@
                 <a:latin typeface="Calibri" panose="020F0502020204030204" pitchFamily="34" charset="0"/>
                 <a:cs typeface="Calibri" panose="020F0502020204030204" pitchFamily="34" charset="0"/>
               </a:rPr>
-              <a:t>Chức năng xem thông tin khách sạn</a:t>
+              <a:t>Chức năng tìm nhà trọ</a:t>
             </a:r>
             <a:endParaRPr lang="vi-VN" sz="2400">
               <a:latin typeface="Calibri" panose="020F0502020204030204" pitchFamily="34" charset="0"/>
@@ -16924,7 +16962,7 @@
       </p:sp>
       <p:pic>
         <p:nvPicPr>
-          <p:cNvPr id="6" name="Picture 5"/>
+          <p:cNvPr id="5" name="Picture 4"/>
           <p:cNvPicPr>
             <a:picLocks noChangeAspect="1"/>
           </p:cNvPicPr>
@@ -16938,8 +16976,8 @@
         </p:blipFill>
         <p:spPr>
           <a:xfrm>
-            <a:off x="5082268" y="1594431"/>
-            <a:ext cx="6534150" cy="5200650"/>
+            <a:off x="4452345" y="2521404"/>
+            <a:ext cx="7324725" cy="3905250"/>
           </a:xfrm>
           <a:prstGeom prst="rect">
             <a:avLst/>
@@ -16949,7 +16987,7 @@
     </p:spTree>
     <p:extLst>
       <p:ext uri="{BB962C8B-B14F-4D97-AF65-F5344CB8AC3E}">
-        <p14:creationId xmlns:p14="http://schemas.microsoft.com/office/powerpoint/2010/main" val="3850307326"/>
+        <p14:creationId xmlns:p14="http://schemas.microsoft.com/office/powerpoint/2010/main" val="3323549906"/>
       </p:ext>
     </p:extLst>
   </p:cSld>
@@ -17025,7 +17063,7 @@
         <p:spPr>
           <a:xfrm>
             <a:off x="1154955" y="2369713"/>
-            <a:ext cx="2296583" cy="3650087"/>
+            <a:ext cx="3297390" cy="3650087"/>
           </a:xfrm>
         </p:spPr>
         <p:txBody>
@@ -17043,7 +17081,7 @@
                 <a:latin typeface="Calibri" panose="020F0502020204030204" pitchFamily="34" charset="0"/>
                 <a:cs typeface="Calibri" panose="020F0502020204030204" pitchFamily="34" charset="0"/>
               </a:rPr>
-              <a:t>Chức năng đăng tin thuê nhà</a:t>
+              <a:t>Chức năng xem thông tin khách sạn</a:t>
             </a:r>
             <a:endParaRPr lang="vi-VN" sz="2400">
               <a:latin typeface="Calibri" panose="020F0502020204030204" pitchFamily="34" charset="0"/>
@@ -17077,7 +17115,7 @@
       </p:sp>
       <p:pic>
         <p:nvPicPr>
-          <p:cNvPr id="5" name="Picture 4"/>
+          <p:cNvPr id="6" name="Picture 5"/>
           <p:cNvPicPr>
             <a:picLocks noChangeAspect="1"/>
           </p:cNvPicPr>
@@ -17091,8 +17129,8 @@
         </p:blipFill>
         <p:spPr>
           <a:xfrm>
-            <a:off x="3613353" y="2112134"/>
-            <a:ext cx="8305722" cy="4426247"/>
+            <a:off x="5082268" y="1594431"/>
+            <a:ext cx="6534150" cy="5200650"/>
           </a:xfrm>
           <a:prstGeom prst="rect">
             <a:avLst/>
@@ -17102,7 +17140,7 @@
     </p:spTree>
     <p:extLst>
       <p:ext uri="{BB962C8B-B14F-4D97-AF65-F5344CB8AC3E}">
-        <p14:creationId xmlns:p14="http://schemas.microsoft.com/office/powerpoint/2010/main" val="780998394"/>
+        <p14:creationId xmlns:p14="http://schemas.microsoft.com/office/powerpoint/2010/main" val="3850307326"/>
       </p:ext>
     </p:extLst>
   </p:cSld>
@@ -17156,7 +17194,7 @@
                 <a:latin typeface="Calibri" panose="020F0502020204030204" pitchFamily="34" charset="0"/>
                 <a:cs typeface="Calibri" panose="020F0502020204030204" pitchFamily="34" charset="0"/>
               </a:rPr>
-              <a:t>4. Thiết kế hệ thống</a:t>
+              <a:t>3.7. Biểu đồ tuần tự</a:t>
             </a:r>
             <a:endParaRPr lang="vi-VN">
               <a:latin typeface="Calibri" panose="020F0502020204030204" pitchFamily="34" charset="0"/>
@@ -17177,8 +17215,8 @@
         </p:nvSpPr>
         <p:spPr>
           <a:xfrm>
-            <a:off x="1154955" y="2331076"/>
-            <a:ext cx="10035784" cy="3688724"/>
+            <a:off x="1154955" y="2369713"/>
+            <a:ext cx="2296583" cy="3650087"/>
           </a:xfrm>
         </p:spPr>
         <p:txBody>
@@ -17187,54 +17225,20 @@
           </a:bodyPr>
           <a:lstStyle/>
           <a:p>
-            <a:pPr marL="57150" indent="0">
-              <a:buNone/>
+            <a:pPr>
+              <a:buFont typeface="Wingdings" panose="05000000000000000000" pitchFamily="2" charset="2"/>
+              <a:buChar char="q"/>
             </a:pPr>
             <a:r>
-              <a:rPr lang="en-US" sz="2600" smtClean="0">
+              <a:rPr lang="en-US" sz="2400" smtClean="0">
                 <a:latin typeface="Calibri" panose="020F0502020204030204" pitchFamily="34" charset="0"/>
                 <a:cs typeface="Calibri" panose="020F0502020204030204" pitchFamily="34" charset="0"/>
               </a:rPr>
-              <a:t>4.1. Sơ đồ thực thể liên kết</a:t>
-            </a:r>
-          </a:p>
-          <a:p>
-            <a:pPr marL="57150" indent="0">
-              <a:buNone/>
-            </a:pPr>
-            <a:r>
-              <a:rPr lang="en-US" sz="2600" smtClean="0">
-                <a:latin typeface="Calibri" panose="020F0502020204030204" pitchFamily="34" charset="0"/>
-                <a:cs typeface="Calibri" panose="020F0502020204030204" pitchFamily="34" charset="0"/>
-              </a:rPr>
-              <a:t>4.2. Thiết kế cơ sở dữ liệu</a:t>
-            </a:r>
-          </a:p>
-          <a:p>
-            <a:pPr marL="57150" indent="0">
-              <a:buNone/>
-            </a:pPr>
-            <a:r>
-              <a:rPr lang="en-US" sz="2600" smtClean="0">
-                <a:latin typeface="Calibri" panose="020F0502020204030204" pitchFamily="34" charset="0"/>
-                <a:cs typeface="Calibri" panose="020F0502020204030204" pitchFamily="34" charset="0"/>
-              </a:rPr>
-              <a:t>4.3. Thiết kế giao diện người dùng</a:t>
-            </a:r>
-            <a:endParaRPr lang="vi-VN" sz="2600" smtClean="0">
+              <a:t>Chức năng đăng tin thuê nhà</a:t>
+            </a:r>
+            <a:endParaRPr lang="vi-VN" sz="2400">
               <a:latin typeface="Calibri" panose="020F0502020204030204" pitchFamily="34" charset="0"/>
               <a:cs typeface="Calibri" panose="020F0502020204030204" pitchFamily="34" charset="0"/>
-            </a:endParaRPr>
-          </a:p>
-          <a:p>
-            <a:endParaRPr lang="en-US" sz="2800" smtClean="0">
-              <a:cs typeface="Segoe UI" panose="020B0502040204020203" pitchFamily="34" charset="0"/>
-            </a:endParaRPr>
-          </a:p>
-          <a:p>
-            <a:endParaRPr lang="vi-VN" sz="2800">
-              <a:latin typeface="Segoe UI" panose="020B0502040204020203" pitchFamily="34" charset="0"/>
-              <a:cs typeface="Segoe UI" panose="020B0502040204020203" pitchFamily="34" charset="0"/>
             </a:endParaRPr>
           </a:p>
         </p:txBody>
@@ -17262,10 +17266,34 @@
           </a:p>
         </p:txBody>
       </p:sp>
+      <p:pic>
+        <p:nvPicPr>
+          <p:cNvPr id="5" name="Picture 4"/>
+          <p:cNvPicPr>
+            <a:picLocks noChangeAspect="1"/>
+          </p:cNvPicPr>
+          <p:nvPr/>
+        </p:nvPicPr>
+        <p:blipFill>
+          <a:blip r:embed="rId2"/>
+          <a:stretch>
+            <a:fillRect/>
+          </a:stretch>
+        </p:blipFill>
+        <p:spPr>
+          <a:xfrm>
+            <a:off x="3613353" y="2112134"/>
+            <a:ext cx="8305722" cy="4426247"/>
+          </a:xfrm>
+          <a:prstGeom prst="rect">
+            <a:avLst/>
+          </a:prstGeom>
+        </p:spPr>
+      </p:pic>
     </p:spTree>
     <p:extLst>
       <p:ext uri="{BB962C8B-B14F-4D97-AF65-F5344CB8AC3E}">
-        <p14:creationId xmlns:p14="http://schemas.microsoft.com/office/powerpoint/2010/main" val="251200199"/>
+        <p14:creationId xmlns:p14="http://schemas.microsoft.com/office/powerpoint/2010/main" val="780998394"/>
       </p:ext>
     </p:extLst>
   </p:cSld>
@@ -17319,18 +17347,85 @@
                 <a:latin typeface="Calibri" panose="020F0502020204030204" pitchFamily="34" charset="0"/>
                 <a:cs typeface="Calibri" panose="020F0502020204030204" pitchFamily="34" charset="0"/>
               </a:rPr>
-              <a:t>4.1. </a:t>
-            </a:r>
-            <a:r>
-              <a:rPr lang="en-US">
+              <a:t>4. Thiết kế hệ thống</a:t>
+            </a:r>
+            <a:endParaRPr lang="vi-VN">
+              <a:latin typeface="Calibri" panose="020F0502020204030204" pitchFamily="34" charset="0"/>
+              <a:cs typeface="Calibri" panose="020F0502020204030204" pitchFamily="34" charset="0"/>
+            </a:endParaRPr>
+          </a:p>
+        </p:txBody>
+      </p:sp>
+      <p:sp>
+        <p:nvSpPr>
+          <p:cNvPr id="3" name="Content Placeholder 2"/>
+          <p:cNvSpPr>
+            <a:spLocks noGrp="1"/>
+          </p:cNvSpPr>
+          <p:nvPr>
+            <p:ph idx="1"/>
+          </p:nvPr>
+        </p:nvSpPr>
+        <p:spPr>
+          <a:xfrm>
+            <a:off x="1154955" y="2331076"/>
+            <a:ext cx="10035784" cy="3688724"/>
+          </a:xfrm>
+        </p:spPr>
+        <p:txBody>
+          <a:bodyPr>
+            <a:normAutofit/>
+          </a:bodyPr>
+          <a:lstStyle/>
+          <a:p>
+            <a:pPr marL="57150" indent="0">
+              <a:buNone/>
+            </a:pPr>
+            <a:r>
+              <a:rPr lang="en-US" sz="2600" smtClean="0">
                 <a:latin typeface="Calibri" panose="020F0502020204030204" pitchFamily="34" charset="0"/>
                 <a:cs typeface="Calibri" panose="020F0502020204030204" pitchFamily="34" charset="0"/>
               </a:rPr>
-              <a:t>Sơ đồ thực thể liên kết</a:t>
-            </a:r>
-            <a:endParaRPr lang="vi-VN">
+              <a:t>4.1. Sơ đồ thực thể liên kết</a:t>
+            </a:r>
+          </a:p>
+          <a:p>
+            <a:pPr marL="57150" indent="0">
+              <a:buNone/>
+            </a:pPr>
+            <a:r>
+              <a:rPr lang="en-US" sz="2600" smtClean="0">
+                <a:latin typeface="Calibri" panose="020F0502020204030204" pitchFamily="34" charset="0"/>
+                <a:cs typeface="Calibri" panose="020F0502020204030204" pitchFamily="34" charset="0"/>
+              </a:rPr>
+              <a:t>4.2. Thiết kế cơ sở dữ liệu</a:t>
+            </a:r>
+          </a:p>
+          <a:p>
+            <a:pPr marL="57150" indent="0">
+              <a:buNone/>
+            </a:pPr>
+            <a:r>
+              <a:rPr lang="en-US" sz="2600" smtClean="0">
+                <a:latin typeface="Calibri" panose="020F0502020204030204" pitchFamily="34" charset="0"/>
+                <a:cs typeface="Calibri" panose="020F0502020204030204" pitchFamily="34" charset="0"/>
+              </a:rPr>
+              <a:t>4.3. Thiết kế giao diện người dùng</a:t>
+            </a:r>
+            <a:endParaRPr lang="vi-VN" sz="2600" smtClean="0">
               <a:latin typeface="Calibri" panose="020F0502020204030204" pitchFamily="34" charset="0"/>
               <a:cs typeface="Calibri" panose="020F0502020204030204" pitchFamily="34" charset="0"/>
+            </a:endParaRPr>
+          </a:p>
+          <a:p>
+            <a:endParaRPr lang="en-US" sz="2800" smtClean="0">
+              <a:cs typeface="Segoe UI" panose="020B0502040204020203" pitchFamily="34" charset="0"/>
+            </a:endParaRPr>
+          </a:p>
+          <a:p>
+            <a:endParaRPr lang="vi-VN" sz="2800">
+              <a:latin typeface="Segoe UI" panose="020B0502040204020203" pitchFamily="34" charset="0"/>
+              <a:cs typeface="Segoe UI" panose="020B0502040204020203" pitchFamily="34" charset="0"/>
             </a:endParaRPr>
           </a:p>
         </p:txBody>
@@ -17358,32 +17453,10 @@
           </a:p>
         </p:txBody>
       </p:sp>
-      <p:pic>
-        <p:nvPicPr>
-          <p:cNvPr id="5" name="Picture 4"/>
-          <p:cNvPicPr/>
-          <p:nvPr/>
-        </p:nvPicPr>
-        <p:blipFill>
-          <a:blip r:embed="rId2"/>
-          <a:stretch>
-            <a:fillRect/>
-          </a:stretch>
-        </p:blipFill>
-        <p:spPr>
-          <a:xfrm>
-            <a:off x="1917416" y="1841678"/>
-            <a:ext cx="8828606" cy="4675032"/>
-          </a:xfrm>
-          <a:prstGeom prst="rect">
-            <a:avLst/>
-          </a:prstGeom>
-        </p:spPr>
-      </p:pic>
     </p:spTree>
     <p:extLst>
       <p:ext uri="{BB962C8B-B14F-4D97-AF65-F5344CB8AC3E}">
-        <p14:creationId xmlns:p14="http://schemas.microsoft.com/office/powerpoint/2010/main" val="1567088593"/>
+        <p14:creationId xmlns:p14="http://schemas.microsoft.com/office/powerpoint/2010/main" val="251200199"/>
       </p:ext>
     </p:extLst>
   </p:cSld>
@@ -17432,20 +17505,19 @@
           <a:bodyPr/>
           <a:lstStyle/>
           <a:p>
-            <a:pPr marL="57150"/>
             <a:r>
               <a:rPr lang="en-US" smtClean="0">
                 <a:latin typeface="Calibri" panose="020F0502020204030204" pitchFamily="34" charset="0"/>
                 <a:cs typeface="Calibri" panose="020F0502020204030204" pitchFamily="34" charset="0"/>
               </a:rPr>
-              <a:t>4.2. Thiết </a:t>
+              <a:t>4.1. </a:t>
             </a:r>
             <a:r>
               <a:rPr lang="en-US">
                 <a:latin typeface="Calibri" panose="020F0502020204030204" pitchFamily="34" charset="0"/>
                 <a:cs typeface="Calibri" panose="020F0502020204030204" pitchFamily="34" charset="0"/>
               </a:rPr>
-              <a:t>kế cơ sở dữ liệu</a:t>
+              <a:t>Sơ đồ thực thể liên kết</a:t>
             </a:r>
             <a:endParaRPr lang="vi-VN">
               <a:latin typeface="Calibri" panose="020F0502020204030204" pitchFamily="34" charset="0"/>
@@ -17479,8 +17551,10 @@
       </p:sp>
       <p:pic>
         <p:nvPicPr>
-          <p:cNvPr id="6" name="Picture 5"/>
-          <p:cNvPicPr/>
+          <p:cNvPr id="3" name="Picture 2"/>
+          <p:cNvPicPr>
+            <a:picLocks noChangeAspect="1"/>
+          </p:cNvPicPr>
           <p:nvPr/>
         </p:nvPicPr>
         <p:blipFill>
@@ -17491,8 +17565,8 @@
         </p:blipFill>
         <p:spPr>
           <a:xfrm>
-            <a:off x="2696088" y="1953501"/>
-            <a:ext cx="6731247" cy="4550329"/>
+            <a:off x="2043404" y="1680632"/>
+            <a:ext cx="8839243" cy="4862130"/>
           </a:xfrm>
           <a:prstGeom prst="rect">
             <a:avLst/>
@@ -17502,7 +17576,7 @@
     </p:spTree>
     <p:extLst>
       <p:ext uri="{BB962C8B-B14F-4D97-AF65-F5344CB8AC3E}">
-        <p14:creationId xmlns:p14="http://schemas.microsoft.com/office/powerpoint/2010/main" val="1222636417"/>
+        <p14:creationId xmlns:p14="http://schemas.microsoft.com/office/powerpoint/2010/main" val="1567088593"/>
       </p:ext>
     </p:extLst>
   </p:cSld>
@@ -17557,63 +17631,16 @@
                 <a:latin typeface="Calibri" panose="020F0502020204030204" pitchFamily="34" charset="0"/>
                 <a:cs typeface="Calibri" panose="020F0502020204030204" pitchFamily="34" charset="0"/>
               </a:rPr>
-              <a:t>4.3. Thiết </a:t>
+              <a:t>4.2. Thiết </a:t>
             </a:r>
             <a:r>
               <a:rPr lang="en-US">
                 <a:latin typeface="Calibri" panose="020F0502020204030204" pitchFamily="34" charset="0"/>
                 <a:cs typeface="Calibri" panose="020F0502020204030204" pitchFamily="34" charset="0"/>
               </a:rPr>
-              <a:t>kế </a:t>
-            </a:r>
-            <a:r>
-              <a:rPr lang="en-US" smtClean="0">
-                <a:latin typeface="Calibri" panose="020F0502020204030204" pitchFamily="34" charset="0"/>
-                <a:cs typeface="Calibri" panose="020F0502020204030204" pitchFamily="34" charset="0"/>
-              </a:rPr>
-              <a:t>giao diện người dùng</a:t>
+              <a:t>kế cơ sở dữ liệu</a:t>
             </a:r>
             <a:endParaRPr lang="vi-VN">
-              <a:latin typeface="Calibri" panose="020F0502020204030204" pitchFamily="34" charset="0"/>
-              <a:cs typeface="Calibri" panose="020F0502020204030204" pitchFamily="34" charset="0"/>
-            </a:endParaRPr>
-          </a:p>
-        </p:txBody>
-      </p:sp>
-      <p:sp>
-        <p:nvSpPr>
-          <p:cNvPr id="3" name="Content Placeholder 2"/>
-          <p:cNvSpPr>
-            <a:spLocks noGrp="1"/>
-          </p:cNvSpPr>
-          <p:nvPr>
-            <p:ph idx="1"/>
-          </p:nvPr>
-        </p:nvSpPr>
-        <p:spPr>
-          <a:xfrm>
-            <a:off x="1154954" y="2356834"/>
-            <a:ext cx="3150613" cy="3662966"/>
-          </a:xfrm>
-        </p:spPr>
-        <p:txBody>
-          <a:bodyPr>
-            <a:normAutofit/>
-          </a:bodyPr>
-          <a:lstStyle/>
-          <a:p>
-            <a:pPr>
-              <a:buFont typeface="Wingdings" panose="05000000000000000000" pitchFamily="2" charset="2"/>
-              <a:buChar char="q"/>
-            </a:pPr>
-            <a:r>
-              <a:rPr lang="en-US" sz="2400" smtClean="0">
-                <a:latin typeface="Calibri" panose="020F0502020204030204" pitchFamily="34" charset="0"/>
-                <a:cs typeface="Calibri" panose="020F0502020204030204" pitchFamily="34" charset="0"/>
-              </a:rPr>
-              <a:t>Giao diện đăng nhập</a:t>
-            </a:r>
-            <a:endParaRPr lang="vi-VN" sz="2400">
               <a:latin typeface="Calibri" panose="020F0502020204030204" pitchFamily="34" charset="0"/>
               <a:cs typeface="Calibri" panose="020F0502020204030204" pitchFamily="34" charset="0"/>
             </a:endParaRPr>
@@ -17645,7 +17672,7 @@
       </p:sp>
       <p:pic>
         <p:nvPicPr>
-          <p:cNvPr id="7" name="Picture 6"/>
+          <p:cNvPr id="6" name="Picture 5"/>
           <p:cNvPicPr/>
           <p:nvPr/>
         </p:nvPicPr>
@@ -17657,8 +17684,8 @@
         </p:blipFill>
         <p:spPr>
           <a:xfrm>
-            <a:off x="4305568" y="2356834"/>
-            <a:ext cx="3833879" cy="4339663"/>
+            <a:off x="2696088" y="1953501"/>
+            <a:ext cx="6731247" cy="4550329"/>
           </a:xfrm>
           <a:prstGeom prst="rect">
             <a:avLst/>
@@ -17668,7 +17695,7 @@
     </p:spTree>
     <p:extLst>
       <p:ext uri="{BB962C8B-B14F-4D97-AF65-F5344CB8AC3E}">
-        <p14:creationId xmlns:p14="http://schemas.microsoft.com/office/powerpoint/2010/main" val="1625273796"/>
+        <p14:creationId xmlns:p14="http://schemas.microsoft.com/office/powerpoint/2010/main" val="1222636417"/>
       </p:ext>
     </p:extLst>
   </p:cSld>
@@ -17777,7 +17804,7 @@
                 <a:latin typeface="Calibri" panose="020F0502020204030204" pitchFamily="34" charset="0"/>
                 <a:cs typeface="Calibri" panose="020F0502020204030204" pitchFamily="34" charset="0"/>
               </a:rPr>
-              <a:t>Giao diện đăng ký</a:t>
+              <a:t>Giao diện đăng nhập</a:t>
             </a:r>
             <a:endParaRPr lang="vi-VN" sz="2400">
               <a:latin typeface="Calibri" panose="020F0502020204030204" pitchFamily="34" charset="0"/>
@@ -17811,7 +17838,7 @@
       </p:sp>
       <p:pic>
         <p:nvPicPr>
-          <p:cNvPr id="6" name="Picture 5"/>
+          <p:cNvPr id="7" name="Picture 6"/>
           <p:cNvPicPr/>
           <p:nvPr/>
         </p:nvPicPr>
@@ -17823,8 +17850,8 @@
         </p:blipFill>
         <p:spPr>
           <a:xfrm>
-            <a:off x="4305567" y="2356834"/>
-            <a:ext cx="4801069" cy="4379728"/>
+            <a:off x="4305568" y="2356834"/>
+            <a:ext cx="3833879" cy="4339663"/>
           </a:xfrm>
           <a:prstGeom prst="rect">
             <a:avLst/>
@@ -17834,7 +17861,7 @@
     </p:spTree>
     <p:extLst>
       <p:ext uri="{BB962C8B-B14F-4D97-AF65-F5344CB8AC3E}">
-        <p14:creationId xmlns:p14="http://schemas.microsoft.com/office/powerpoint/2010/main" val="1046831883"/>
+        <p14:creationId xmlns:p14="http://schemas.microsoft.com/office/powerpoint/2010/main" val="1625273796"/>
       </p:ext>
     </p:extLst>
   </p:cSld>
@@ -17943,7 +17970,7 @@
                 <a:latin typeface="Calibri" panose="020F0502020204030204" pitchFamily="34" charset="0"/>
                 <a:cs typeface="Calibri" panose="020F0502020204030204" pitchFamily="34" charset="0"/>
               </a:rPr>
-              <a:t>Giao diện tìm kiếm khách sạn</a:t>
+              <a:t>Giao diện đăng ký</a:t>
             </a:r>
             <a:endParaRPr lang="vi-VN" sz="2400">
               <a:latin typeface="Calibri" panose="020F0502020204030204" pitchFamily="34" charset="0"/>
@@ -17977,7 +18004,7 @@
       </p:sp>
       <p:pic>
         <p:nvPicPr>
-          <p:cNvPr id="7" name="Picture 6"/>
+          <p:cNvPr id="6" name="Picture 5"/>
           <p:cNvPicPr/>
           <p:nvPr/>
         </p:nvPicPr>
@@ -17990,7 +18017,7 @@
         <p:spPr>
           <a:xfrm>
             <a:off x="4305567" y="2356834"/>
-            <a:ext cx="7715337" cy="3953814"/>
+            <a:ext cx="4801069" cy="4379728"/>
           </a:xfrm>
           <a:prstGeom prst="rect">
             <a:avLst/>
@@ -18000,7 +18027,7 @@
     </p:spTree>
     <p:extLst>
       <p:ext uri="{BB962C8B-B14F-4D97-AF65-F5344CB8AC3E}">
-        <p14:creationId xmlns:p14="http://schemas.microsoft.com/office/powerpoint/2010/main" val="1938951927"/>
+        <p14:creationId xmlns:p14="http://schemas.microsoft.com/office/powerpoint/2010/main" val="1046831883"/>
       </p:ext>
     </p:extLst>
   </p:cSld>
@@ -18069,20 +18096,7 @@
                 <a:latin typeface="Calibri" panose="020F0502020204030204" pitchFamily="34" charset="0"/>
                 <a:cs typeface="Calibri" panose="020F0502020204030204" pitchFamily="34" charset="0"/>
               </a:rPr>
-              <a:t>giao diện </a:t>
-            </a:r>
-            <a:br>
-              <a:rPr lang="en-US" smtClean="0">
-                <a:latin typeface="Calibri" panose="020F0502020204030204" pitchFamily="34" charset="0"/>
-                <a:cs typeface="Calibri" panose="020F0502020204030204" pitchFamily="34" charset="0"/>
-              </a:rPr>
-            </a:br>
-            <a:r>
-              <a:rPr lang="en-US" smtClean="0">
-                <a:latin typeface="Calibri" panose="020F0502020204030204" pitchFamily="34" charset="0"/>
-                <a:cs typeface="Calibri" panose="020F0502020204030204" pitchFamily="34" charset="0"/>
-              </a:rPr>
-              <a:t>người dùng</a:t>
+              <a:t>giao diện người dùng</a:t>
             </a:r>
             <a:endParaRPr lang="vi-VN">
               <a:latin typeface="Calibri" panose="020F0502020204030204" pitchFamily="34" charset="0"/>
@@ -18122,7 +18136,7 @@
                 <a:latin typeface="Calibri" panose="020F0502020204030204" pitchFamily="34" charset="0"/>
                 <a:cs typeface="Calibri" panose="020F0502020204030204" pitchFamily="34" charset="0"/>
               </a:rPr>
-              <a:t>Giao diện đăng tin thuê nhà</a:t>
+              <a:t>Giao diện tìm kiếm khách sạn</a:t>
             </a:r>
             <a:endParaRPr lang="vi-VN" sz="2400">
               <a:latin typeface="Calibri" panose="020F0502020204030204" pitchFamily="34" charset="0"/>
@@ -18156,7 +18170,7 @@
       </p:sp>
       <p:pic>
         <p:nvPicPr>
-          <p:cNvPr id="8" name="Picture 7"/>
+          <p:cNvPr id="7" name="Picture 6"/>
           <p:cNvPicPr/>
           <p:nvPr/>
         </p:nvPicPr>
@@ -18168,8 +18182,8 @@
         </p:blipFill>
         <p:spPr>
           <a:xfrm>
-            <a:off x="5936154" y="295728"/>
-            <a:ext cx="3980212" cy="6333147"/>
+            <a:off x="4305567" y="2356834"/>
+            <a:ext cx="7715337" cy="3953814"/>
           </a:xfrm>
           <a:prstGeom prst="rect">
             <a:avLst/>
@@ -18179,7 +18193,7 @@
     </p:spTree>
     <p:extLst>
       <p:ext uri="{BB962C8B-B14F-4D97-AF65-F5344CB8AC3E}">
-        <p14:creationId xmlns:p14="http://schemas.microsoft.com/office/powerpoint/2010/main" val="2735114255"/>
+        <p14:creationId xmlns:p14="http://schemas.microsoft.com/office/powerpoint/2010/main" val="1938951927"/>
       </p:ext>
     </p:extLst>
   </p:cSld>
@@ -18426,7 +18440,7 @@
                             </p:stCondLst>
                             <p:childTnLst>
                               <p:par>
-                                <p:cTn id="5" presetID="10" presetClass="entr" presetSubtype="0" fill="hold" nodeType="clickEffect">
+                                <p:cTn id="5" presetID="2" presetClass="entr" presetSubtype="4" fill="hold" nodeType="clickEffect">
                                   <p:stCondLst>
                                     <p:cond delay="0"/>
                                   </p:stCondLst>
@@ -18453,9 +18467,9 @@
                                         <p:strVal val="visible"/>
                                       </p:to>
                                     </p:set>
-                                    <p:animEffect transition="in" filter="fade">
-                                      <p:cBhvr>
-                                        <p:cTn id="7" dur="500"/>
+                                    <p:anim calcmode="lin" valueType="num">
+                                      <p:cBhvr additive="base">
+                                        <p:cTn id="7" dur="500" fill="hold"/>
                                         <p:tgtEl>
                                           <p:spTgt spid="3">
                                             <p:txEl>
@@ -18463,8 +18477,50 @@
                                             </p:txEl>
                                           </p:spTgt>
                                         </p:tgtEl>
+                                        <p:attrNameLst>
+                                          <p:attrName>ppt_x</p:attrName>
+                                        </p:attrNameLst>
                                       </p:cBhvr>
-                                    </p:animEffect>
+                                      <p:tavLst>
+                                        <p:tav tm="0">
+                                          <p:val>
+                                            <p:strVal val="#ppt_x"/>
+                                          </p:val>
+                                        </p:tav>
+                                        <p:tav tm="100000">
+                                          <p:val>
+                                            <p:strVal val="#ppt_x"/>
+                                          </p:val>
+                                        </p:tav>
+                                      </p:tavLst>
+                                    </p:anim>
+                                    <p:anim calcmode="lin" valueType="num">
+                                      <p:cBhvr additive="base">
+                                        <p:cTn id="8" dur="500" fill="hold"/>
+                                        <p:tgtEl>
+                                          <p:spTgt spid="3">
+                                            <p:txEl>
+                                              <p:pRg st="1" end="1"/>
+                                            </p:txEl>
+                                          </p:spTgt>
+                                        </p:tgtEl>
+                                        <p:attrNameLst>
+                                          <p:attrName>ppt_y</p:attrName>
+                                        </p:attrNameLst>
+                                      </p:cBhvr>
+                                      <p:tavLst>
+                                        <p:tav tm="0">
+                                          <p:val>
+                                            <p:strVal val="1+#ppt_h/2"/>
+                                          </p:val>
+                                        </p:tav>
+                                        <p:tav tm="100000">
+                                          <p:val>
+                                            <p:strVal val="#ppt_y"/>
+                                          </p:val>
+                                        </p:tav>
+                                      </p:tavLst>
+                                    </p:anim>
                                   </p:childTnLst>
                                 </p:cTn>
                               </p:par>
@@ -18475,26 +18531,26 @@
                     </p:cTn>
                   </p:par>
                   <p:par>
-                    <p:cTn id="8" fill="hold">
+                    <p:cTn id="9" fill="hold">
                       <p:stCondLst>
                         <p:cond delay="indefinite"/>
                       </p:stCondLst>
                       <p:childTnLst>
                         <p:par>
-                          <p:cTn id="9" fill="hold">
+                          <p:cTn id="10" fill="hold">
                             <p:stCondLst>
                               <p:cond delay="0"/>
                             </p:stCondLst>
                             <p:childTnLst>
                               <p:par>
-                                <p:cTn id="10" presetID="2" presetClass="entr" presetSubtype="4" fill="hold" nodeType="clickEffect">
+                                <p:cTn id="11" presetID="2" presetClass="entr" presetSubtype="4" fill="hold" nodeType="clickEffect">
                                   <p:stCondLst>
                                     <p:cond delay="0"/>
                                   </p:stCondLst>
                                   <p:childTnLst>
                                     <p:set>
                                       <p:cBhvr>
-                                        <p:cTn id="11" dur="1" fill="hold">
+                                        <p:cTn id="12" dur="1" fill="hold">
                                           <p:stCondLst>
                                             <p:cond delay="0"/>
                                           </p:stCondLst>
@@ -18516,7 +18572,7 @@
                                     </p:set>
                                     <p:anim calcmode="lin" valueType="num">
                                       <p:cBhvr additive="base">
-                                        <p:cTn id="12" dur="500" fill="hold"/>
+                                        <p:cTn id="13" dur="500" fill="hold"/>
                                         <p:tgtEl>
                                           <p:spTgt spid="3">
                                             <p:txEl>
@@ -18543,7 +18599,7 @@
                                     </p:anim>
                                     <p:anim calcmode="lin" valueType="num">
                                       <p:cBhvr additive="base">
-                                        <p:cTn id="13" dur="500" fill="hold"/>
+                                        <p:cTn id="14" dur="500" fill="hold"/>
                                         <p:tgtEl>
                                           <p:spTgt spid="3">
                                             <p:txEl>
@@ -18578,26 +18634,26 @@
                     </p:cTn>
                   </p:par>
                   <p:par>
-                    <p:cTn id="14" fill="hold">
+                    <p:cTn id="15" fill="hold">
                       <p:stCondLst>
                         <p:cond delay="indefinite"/>
                       </p:stCondLst>
                       <p:childTnLst>
                         <p:par>
-                          <p:cTn id="15" fill="hold">
+                          <p:cTn id="16" fill="hold">
                             <p:stCondLst>
                               <p:cond delay="0"/>
                             </p:stCondLst>
                             <p:childTnLst>
                               <p:par>
-                                <p:cTn id="16" presetID="16" presetClass="entr" presetSubtype="21" fill="hold" nodeType="clickEffect">
+                                <p:cTn id="17" presetID="2" presetClass="entr" presetSubtype="4" fill="hold" nodeType="clickEffect">
                                   <p:stCondLst>
                                     <p:cond delay="0"/>
                                   </p:stCondLst>
                                   <p:childTnLst>
                                     <p:set>
                                       <p:cBhvr>
-                                        <p:cTn id="17" dur="1" fill="hold">
+                                        <p:cTn id="18" dur="1" fill="hold">
                                           <p:stCondLst>
                                             <p:cond delay="0"/>
                                           </p:stCondLst>
@@ -18617,9 +18673,9 @@
                                         <p:strVal val="visible"/>
                                       </p:to>
                                     </p:set>
-                                    <p:animEffect transition="in" filter="barn(inVertical)">
-                                      <p:cBhvr>
-                                        <p:cTn id="18" dur="500"/>
+                                    <p:anim calcmode="lin" valueType="num">
+                                      <p:cBhvr additive="base">
+                                        <p:cTn id="19" dur="500" fill="hold"/>
                                         <p:tgtEl>
                                           <p:spTgt spid="3">
                                             <p:txEl>
@@ -18627,8 +18683,50 @@
                                             </p:txEl>
                                           </p:spTgt>
                                         </p:tgtEl>
+                                        <p:attrNameLst>
+                                          <p:attrName>ppt_x</p:attrName>
+                                        </p:attrNameLst>
                                       </p:cBhvr>
-                                    </p:animEffect>
+                                      <p:tavLst>
+                                        <p:tav tm="0">
+                                          <p:val>
+                                            <p:strVal val="#ppt_x"/>
+                                          </p:val>
+                                        </p:tav>
+                                        <p:tav tm="100000">
+                                          <p:val>
+                                            <p:strVal val="#ppt_x"/>
+                                          </p:val>
+                                        </p:tav>
+                                      </p:tavLst>
+                                    </p:anim>
+                                    <p:anim calcmode="lin" valueType="num">
+                                      <p:cBhvr additive="base">
+                                        <p:cTn id="20" dur="500" fill="hold"/>
+                                        <p:tgtEl>
+                                          <p:spTgt spid="3">
+                                            <p:txEl>
+                                              <p:pRg st="3" end="3"/>
+                                            </p:txEl>
+                                          </p:spTgt>
+                                        </p:tgtEl>
+                                        <p:attrNameLst>
+                                          <p:attrName>ppt_y</p:attrName>
+                                        </p:attrNameLst>
+                                      </p:cBhvr>
+                                      <p:tavLst>
+                                        <p:tav tm="0">
+                                          <p:val>
+                                            <p:strVal val="1+#ppt_h/2"/>
+                                          </p:val>
+                                        </p:tav>
+                                        <p:tav tm="100000">
+                                          <p:val>
+                                            <p:strVal val="#ppt_y"/>
+                                          </p:val>
+                                        </p:tav>
+                                      </p:tavLst>
+                                    </p:anim>
                                   </p:childTnLst>
                                 </p:cTn>
                               </p:par>
@@ -18639,26 +18737,26 @@
                     </p:cTn>
                   </p:par>
                   <p:par>
-                    <p:cTn id="19" fill="hold">
+                    <p:cTn id="21" fill="hold">
                       <p:stCondLst>
                         <p:cond delay="indefinite"/>
                       </p:stCondLst>
                       <p:childTnLst>
                         <p:par>
-                          <p:cTn id="20" fill="hold">
+                          <p:cTn id="22" fill="hold">
                             <p:stCondLst>
                               <p:cond delay="0"/>
                             </p:stCondLst>
                             <p:childTnLst>
                               <p:par>
-                                <p:cTn id="21" presetID="26" presetClass="entr" presetSubtype="0" fill="hold" nodeType="clickEffect">
+                                <p:cTn id="23" presetID="2" presetClass="entr" presetSubtype="4" fill="hold" nodeType="clickEffect">
                                   <p:stCondLst>
                                     <p:cond delay="0"/>
                                   </p:stCondLst>
                                   <p:childTnLst>
                                     <p:set>
                                       <p:cBhvr>
-                                        <p:cTn id="22" dur="1" fill="hold">
+                                        <p:cTn id="24" dur="1" fill="hold">
                                           <p:stCondLst>
                                             <p:cond delay="0"/>
                                           </p:stCondLst>
@@ -18678,29 +18776,9 @@
                                         <p:strVal val="visible"/>
                                       </p:to>
                                     </p:set>
-                                    <p:animEffect transition="in" filter="wipe(down)">
-                                      <p:cBhvr>
-                                        <p:cTn id="23" dur="580">
-                                          <p:stCondLst>
-                                            <p:cond delay="0"/>
-                                          </p:stCondLst>
-                                        </p:cTn>
-                                        <p:tgtEl>
-                                          <p:spTgt spid="3">
-                                            <p:txEl>
-                                              <p:pRg st="4" end="4"/>
-                                            </p:txEl>
-                                          </p:spTgt>
-                                        </p:tgtEl>
-                                      </p:cBhvr>
-                                    </p:animEffect>
                                     <p:anim calcmode="lin" valueType="num">
-                                      <p:cBhvr>
-                                        <p:cTn id="24" dur="1822" tmFilter="0,0; 0.14,0.36; 0.43,0.73; 0.71,0.91; 1.0,1.0">
-                                          <p:stCondLst>
-                                            <p:cond delay="0"/>
-                                          </p:stCondLst>
-                                        </p:cTn>
+                                      <p:cBhvr additive="base">
+                                        <p:cTn id="25" dur="500" fill="hold"/>
                                         <p:tgtEl>
                                           <p:spTgt spid="3">
                                             <p:txEl>
@@ -18715,7 +18793,7 @@
                                       <p:tavLst>
                                         <p:tav tm="0">
                                           <p:val>
-                                            <p:strVal val="#ppt_x-0.25"/>
+                                            <p:strVal val="#ppt_x"/>
                                           </p:val>
                                         </p:tav>
                                         <p:tav tm="100000">
@@ -18726,12 +18804,8 @@
                                       </p:tavLst>
                                     </p:anim>
                                     <p:anim calcmode="lin" valueType="num">
-                                      <p:cBhvr>
-                                        <p:cTn id="25" dur="664" tmFilter="0.0,0.0; 0.25,0.07; 0.50,0.2; 0.75,0.467; 1.0,1.0">
-                                          <p:stCondLst>
-                                            <p:cond delay="0"/>
-                                          </p:stCondLst>
-                                        </p:cTn>
+                                      <p:cBhvr additive="base">
+                                        <p:cTn id="26" dur="500" fill="hold"/>
                                         <p:tgtEl>
                                           <p:spTgt spid="3">
                                             <p:txEl>
@@ -18744,247 +18818,18 @@
                                         </p:attrNameLst>
                                       </p:cBhvr>
                                       <p:tavLst>
-                                        <p:tav tm="0" fmla="#ppt_y-sin(pi*$)/3">
+                                        <p:tav tm="0">
                                           <p:val>
-                                            <p:fltVal val="0.5"/>
+                                            <p:strVal val="1+#ppt_h/2"/>
                                           </p:val>
                                         </p:tav>
                                         <p:tav tm="100000">
                                           <p:val>
-                                            <p:fltVal val="1"/>
+                                            <p:strVal val="#ppt_y"/>
                                           </p:val>
                                         </p:tav>
                                       </p:tavLst>
                                     </p:anim>
-                                    <p:anim calcmode="lin" valueType="num">
-                                      <p:cBhvr>
-                                        <p:cTn id="26" dur="664" tmFilter="0, 0; 0.125,0.2665; 0.25,0.4; 0.375,0.465; 0.5,0.5;  0.625,0.535; 0.75,0.6; 0.875,0.7335; 1,1">
-                                          <p:stCondLst>
-                                            <p:cond delay="664"/>
-                                          </p:stCondLst>
-                                        </p:cTn>
-                                        <p:tgtEl>
-                                          <p:spTgt spid="3">
-                                            <p:txEl>
-                                              <p:pRg st="4" end="4"/>
-                                            </p:txEl>
-                                          </p:spTgt>
-                                        </p:tgtEl>
-                                        <p:attrNameLst>
-                                          <p:attrName>ppt_y</p:attrName>
-                                        </p:attrNameLst>
-                                      </p:cBhvr>
-                                      <p:tavLst>
-                                        <p:tav tm="0" fmla="#ppt_y-sin(pi*$)/9">
-                                          <p:val>
-                                            <p:fltVal val="0"/>
-                                          </p:val>
-                                        </p:tav>
-                                        <p:tav tm="100000">
-                                          <p:val>
-                                            <p:fltVal val="1"/>
-                                          </p:val>
-                                        </p:tav>
-                                      </p:tavLst>
-                                    </p:anim>
-                                    <p:anim calcmode="lin" valueType="num">
-                                      <p:cBhvr>
-                                        <p:cTn id="27" dur="332" tmFilter="0, 0; 0.125,0.2665; 0.25,0.4; 0.375,0.465; 0.5,0.5;  0.625,0.535; 0.75,0.6; 0.875,0.7335; 1,1">
-                                          <p:stCondLst>
-                                            <p:cond delay="1324"/>
-                                          </p:stCondLst>
-                                        </p:cTn>
-                                        <p:tgtEl>
-                                          <p:spTgt spid="3">
-                                            <p:txEl>
-                                              <p:pRg st="4" end="4"/>
-                                            </p:txEl>
-                                          </p:spTgt>
-                                        </p:tgtEl>
-                                        <p:attrNameLst>
-                                          <p:attrName>ppt_y</p:attrName>
-                                        </p:attrNameLst>
-                                      </p:cBhvr>
-                                      <p:tavLst>
-                                        <p:tav tm="0" fmla="#ppt_y-sin(pi*$)/27">
-                                          <p:val>
-                                            <p:fltVal val="0"/>
-                                          </p:val>
-                                        </p:tav>
-                                        <p:tav tm="100000">
-                                          <p:val>
-                                            <p:fltVal val="1"/>
-                                          </p:val>
-                                        </p:tav>
-                                      </p:tavLst>
-                                    </p:anim>
-                                    <p:anim calcmode="lin" valueType="num">
-                                      <p:cBhvr>
-                                        <p:cTn id="28" dur="164" tmFilter="0, 0; 0.125,0.2665; 0.25,0.4; 0.375,0.465; 0.5,0.5;  0.625,0.535; 0.75,0.6; 0.875,0.7335; 1,1">
-                                          <p:stCondLst>
-                                            <p:cond delay="1656"/>
-                                          </p:stCondLst>
-                                        </p:cTn>
-                                        <p:tgtEl>
-                                          <p:spTgt spid="3">
-                                            <p:txEl>
-                                              <p:pRg st="4" end="4"/>
-                                            </p:txEl>
-                                          </p:spTgt>
-                                        </p:tgtEl>
-                                        <p:attrNameLst>
-                                          <p:attrName>ppt_y</p:attrName>
-                                        </p:attrNameLst>
-                                      </p:cBhvr>
-                                      <p:tavLst>
-                                        <p:tav tm="0" fmla="#ppt_y-sin(pi*$)/81">
-                                          <p:val>
-                                            <p:fltVal val="0"/>
-                                          </p:val>
-                                        </p:tav>
-                                        <p:tav tm="100000">
-                                          <p:val>
-                                            <p:fltVal val="1"/>
-                                          </p:val>
-                                        </p:tav>
-                                      </p:tavLst>
-                                    </p:anim>
-                                    <p:animScale>
-                                      <p:cBhvr>
-                                        <p:cTn id="29" dur="26">
-                                          <p:stCondLst>
-                                            <p:cond delay="650"/>
-                                          </p:stCondLst>
-                                        </p:cTn>
-                                        <p:tgtEl>
-                                          <p:spTgt spid="3">
-                                            <p:txEl>
-                                              <p:pRg st="4" end="4"/>
-                                            </p:txEl>
-                                          </p:spTgt>
-                                        </p:tgtEl>
-                                      </p:cBhvr>
-                                      <p:to x="100000" y="60000"/>
-                                    </p:animScale>
-                                    <p:animScale>
-                                      <p:cBhvr>
-                                        <p:cTn id="30" dur="166" decel="50000">
-                                          <p:stCondLst>
-                                            <p:cond delay="676"/>
-                                          </p:stCondLst>
-                                        </p:cTn>
-                                        <p:tgtEl>
-                                          <p:spTgt spid="3">
-                                            <p:txEl>
-                                              <p:pRg st="4" end="4"/>
-                                            </p:txEl>
-                                          </p:spTgt>
-                                        </p:tgtEl>
-                                      </p:cBhvr>
-                                      <p:to x="100000" y="100000"/>
-                                    </p:animScale>
-                                    <p:animScale>
-                                      <p:cBhvr>
-                                        <p:cTn id="31" dur="26">
-                                          <p:stCondLst>
-                                            <p:cond delay="1312"/>
-                                          </p:stCondLst>
-                                        </p:cTn>
-                                        <p:tgtEl>
-                                          <p:spTgt spid="3">
-                                            <p:txEl>
-                                              <p:pRg st="4" end="4"/>
-                                            </p:txEl>
-                                          </p:spTgt>
-                                        </p:tgtEl>
-                                      </p:cBhvr>
-                                      <p:to x="100000" y="80000"/>
-                                    </p:animScale>
-                                    <p:animScale>
-                                      <p:cBhvr>
-                                        <p:cTn id="32" dur="166" decel="50000">
-                                          <p:stCondLst>
-                                            <p:cond delay="1338"/>
-                                          </p:stCondLst>
-                                        </p:cTn>
-                                        <p:tgtEl>
-                                          <p:spTgt spid="3">
-                                            <p:txEl>
-                                              <p:pRg st="4" end="4"/>
-                                            </p:txEl>
-                                          </p:spTgt>
-                                        </p:tgtEl>
-                                      </p:cBhvr>
-                                      <p:to x="100000" y="100000"/>
-                                    </p:animScale>
-                                    <p:animScale>
-                                      <p:cBhvr>
-                                        <p:cTn id="33" dur="26">
-                                          <p:stCondLst>
-                                            <p:cond delay="1642"/>
-                                          </p:stCondLst>
-                                        </p:cTn>
-                                        <p:tgtEl>
-                                          <p:spTgt spid="3">
-                                            <p:txEl>
-                                              <p:pRg st="4" end="4"/>
-                                            </p:txEl>
-                                          </p:spTgt>
-                                        </p:tgtEl>
-                                      </p:cBhvr>
-                                      <p:to x="100000" y="90000"/>
-                                    </p:animScale>
-                                    <p:animScale>
-                                      <p:cBhvr>
-                                        <p:cTn id="34" dur="166" decel="50000">
-                                          <p:stCondLst>
-                                            <p:cond delay="1668"/>
-                                          </p:stCondLst>
-                                        </p:cTn>
-                                        <p:tgtEl>
-                                          <p:spTgt spid="3">
-                                            <p:txEl>
-                                              <p:pRg st="4" end="4"/>
-                                            </p:txEl>
-                                          </p:spTgt>
-                                        </p:tgtEl>
-                                      </p:cBhvr>
-                                      <p:to x="100000" y="100000"/>
-                                    </p:animScale>
-                                    <p:animScale>
-                                      <p:cBhvr>
-                                        <p:cTn id="35" dur="26">
-                                          <p:stCondLst>
-                                            <p:cond delay="1808"/>
-                                          </p:stCondLst>
-                                        </p:cTn>
-                                        <p:tgtEl>
-                                          <p:spTgt spid="3">
-                                            <p:txEl>
-                                              <p:pRg st="4" end="4"/>
-                                            </p:txEl>
-                                          </p:spTgt>
-                                        </p:tgtEl>
-                                      </p:cBhvr>
-                                      <p:to x="100000" y="95000"/>
-                                    </p:animScale>
-                                    <p:animScale>
-                                      <p:cBhvr>
-                                        <p:cTn id="36" dur="166" decel="50000">
-                                          <p:stCondLst>
-                                            <p:cond delay="1834"/>
-                                          </p:stCondLst>
-                                        </p:cTn>
-                                        <p:tgtEl>
-                                          <p:spTgt spid="3">
-                                            <p:txEl>
-                                              <p:pRg st="4" end="4"/>
-                                            </p:txEl>
-                                          </p:spTgt>
-                                        </p:tgtEl>
-                                      </p:cBhvr>
-                                      <p:to x="100000" y="100000"/>
-                                    </p:animScale>
                                   </p:childTnLst>
                                 </p:cTn>
                               </p:par>
@@ -18995,26 +18840,26 @@
                     </p:cTn>
                   </p:par>
                   <p:par>
-                    <p:cTn id="37" fill="hold">
+                    <p:cTn id="27" fill="hold">
                       <p:stCondLst>
                         <p:cond delay="indefinite"/>
                       </p:stCondLst>
                       <p:childTnLst>
                         <p:par>
-                          <p:cTn id="38" fill="hold">
+                          <p:cTn id="28" fill="hold">
                             <p:stCondLst>
                               <p:cond delay="0"/>
                             </p:stCondLst>
                             <p:childTnLst>
                               <p:par>
-                                <p:cTn id="39" presetID="53" presetClass="entr" presetSubtype="16" fill="hold" nodeType="clickEffect">
+                                <p:cTn id="29" presetID="2" presetClass="entr" presetSubtype="4" fill="hold" nodeType="clickEffect">
                                   <p:stCondLst>
                                     <p:cond delay="0"/>
                                   </p:stCondLst>
                                   <p:childTnLst>
                                     <p:set>
                                       <p:cBhvr>
-                                        <p:cTn id="40" dur="1" fill="hold">
+                                        <p:cTn id="30" dur="1" fill="hold">
                                           <p:stCondLst>
                                             <p:cond delay="0"/>
                                           </p:stCondLst>
@@ -19035,8 +18880,8 @@
                                       </p:to>
                                     </p:set>
                                     <p:anim calcmode="lin" valueType="num">
-                                      <p:cBhvr>
-                                        <p:cTn id="41" dur="500" fill="hold"/>
+                                      <p:cBhvr additive="base">
+                                        <p:cTn id="31" dur="500" fill="hold"/>
                                         <p:tgtEl>
                                           <p:spTgt spid="3">
                                             <p:txEl>
@@ -19045,25 +18890,25 @@
                                           </p:spTgt>
                                         </p:tgtEl>
                                         <p:attrNameLst>
-                                          <p:attrName>ppt_w</p:attrName>
+                                          <p:attrName>ppt_x</p:attrName>
                                         </p:attrNameLst>
                                       </p:cBhvr>
                                       <p:tavLst>
                                         <p:tav tm="0">
                                           <p:val>
-                                            <p:fltVal val="0"/>
+                                            <p:strVal val="#ppt_x"/>
                                           </p:val>
                                         </p:tav>
                                         <p:tav tm="100000">
                                           <p:val>
-                                            <p:strVal val="#ppt_w"/>
+                                            <p:strVal val="#ppt_x"/>
                                           </p:val>
                                         </p:tav>
                                       </p:tavLst>
                                     </p:anim>
                                     <p:anim calcmode="lin" valueType="num">
-                                      <p:cBhvr>
-                                        <p:cTn id="42" dur="500" fill="hold"/>
+                                      <p:cBhvr additive="base">
+                                        <p:cTn id="32" dur="500" fill="hold"/>
                                         <p:tgtEl>
                                           <p:spTgt spid="3">
                                             <p:txEl>
@@ -19072,34 +18917,22 @@
                                           </p:spTgt>
                                         </p:tgtEl>
                                         <p:attrNameLst>
-                                          <p:attrName>ppt_h</p:attrName>
+                                          <p:attrName>ppt_y</p:attrName>
                                         </p:attrNameLst>
                                       </p:cBhvr>
                                       <p:tavLst>
                                         <p:tav tm="0">
                                           <p:val>
-                                            <p:fltVal val="0"/>
+                                            <p:strVal val="1+#ppt_h/2"/>
                                           </p:val>
                                         </p:tav>
                                         <p:tav tm="100000">
                                           <p:val>
-                                            <p:strVal val="#ppt_h"/>
+                                            <p:strVal val="#ppt_y"/>
                                           </p:val>
                                         </p:tav>
                                       </p:tavLst>
                                     </p:anim>
-                                    <p:animEffect transition="in" filter="fade">
-                                      <p:cBhvr>
-                                        <p:cTn id="43" dur="500"/>
-                                        <p:tgtEl>
-                                          <p:spTgt spid="3">
-                                            <p:txEl>
-                                              <p:pRg st="5" end="5"/>
-                                            </p:txEl>
-                                          </p:spTgt>
-                                        </p:tgtEl>
-                                      </p:cBhvr>
-                                    </p:animEffect>
                                   </p:childTnLst>
                                 </p:cTn>
                               </p:par>
@@ -19186,7 +19019,20 @@
                 <a:latin typeface="Calibri" panose="020F0502020204030204" pitchFamily="34" charset="0"/>
                 <a:cs typeface="Calibri" panose="020F0502020204030204" pitchFamily="34" charset="0"/>
               </a:rPr>
-              <a:t>giao diện người dùng</a:t>
+              <a:t>giao diện </a:t>
+            </a:r>
+            <a:br>
+              <a:rPr lang="en-US" smtClean="0">
+                <a:latin typeface="Calibri" panose="020F0502020204030204" pitchFamily="34" charset="0"/>
+                <a:cs typeface="Calibri" panose="020F0502020204030204" pitchFamily="34" charset="0"/>
+              </a:rPr>
+            </a:br>
+            <a:r>
+              <a:rPr lang="en-US" smtClean="0">
+                <a:latin typeface="Calibri" panose="020F0502020204030204" pitchFamily="34" charset="0"/>
+                <a:cs typeface="Calibri" panose="020F0502020204030204" pitchFamily="34" charset="0"/>
+              </a:rPr>
+              <a:t>người dùng</a:t>
             </a:r>
             <a:endParaRPr lang="vi-VN">
               <a:latin typeface="Calibri" panose="020F0502020204030204" pitchFamily="34" charset="0"/>
@@ -19226,7 +19072,7 @@
                 <a:latin typeface="Calibri" panose="020F0502020204030204" pitchFamily="34" charset="0"/>
                 <a:cs typeface="Calibri" panose="020F0502020204030204" pitchFamily="34" charset="0"/>
               </a:rPr>
-              <a:t>Giao diện từng khách sạn</a:t>
+              <a:t>Giao diện đăng tin thuê nhà</a:t>
             </a:r>
             <a:endParaRPr lang="vi-VN" sz="2400">
               <a:latin typeface="Calibri" panose="020F0502020204030204" pitchFamily="34" charset="0"/>
@@ -19260,7 +19106,7 @@
       </p:sp>
       <p:pic>
         <p:nvPicPr>
-          <p:cNvPr id="6" name="Picture 5"/>
+          <p:cNvPr id="8" name="Picture 7"/>
           <p:cNvPicPr/>
           <p:nvPr/>
         </p:nvPicPr>
@@ -19272,8 +19118,8 @@
         </p:blipFill>
         <p:spPr>
           <a:xfrm>
-            <a:off x="4305567" y="2356834"/>
-            <a:ext cx="7101006" cy="2034862"/>
+            <a:off x="5936154" y="295728"/>
+            <a:ext cx="3980212" cy="6333147"/>
           </a:xfrm>
           <a:prstGeom prst="rect">
             <a:avLst/>
@@ -19283,7 +19129,7 @@
     </p:spTree>
     <p:extLst>
       <p:ext uri="{BB962C8B-B14F-4D97-AF65-F5344CB8AC3E}">
-        <p14:creationId xmlns:p14="http://schemas.microsoft.com/office/powerpoint/2010/main" val="1682750500"/>
+        <p14:creationId xmlns:p14="http://schemas.microsoft.com/office/powerpoint/2010/main" val="2735114255"/>
       </p:ext>
     </p:extLst>
   </p:cSld>
@@ -19392,7 +19238,7 @@
                 <a:latin typeface="Calibri" panose="020F0502020204030204" pitchFamily="34" charset="0"/>
                 <a:cs typeface="Calibri" panose="020F0502020204030204" pitchFamily="34" charset="0"/>
               </a:rPr>
-              <a:t>Giao diện xem ảnh</a:t>
+              <a:t>Giao diện từng khách sạn</a:t>
             </a:r>
             <a:endParaRPr lang="vi-VN" sz="2400">
               <a:latin typeface="Calibri" panose="020F0502020204030204" pitchFamily="34" charset="0"/>
@@ -19426,7 +19272,7 @@
       </p:sp>
       <p:pic>
         <p:nvPicPr>
-          <p:cNvPr id="7" name="Picture 6"/>
+          <p:cNvPr id="6" name="Picture 5"/>
           <p:cNvPicPr/>
           <p:nvPr/>
         </p:nvPicPr>
@@ -19439,7 +19285,7 @@
         <p:spPr>
           <a:xfrm>
             <a:off x="4305567" y="2356834"/>
-            <a:ext cx="6838270" cy="3309870"/>
+            <a:ext cx="7101006" cy="2034862"/>
           </a:xfrm>
           <a:prstGeom prst="rect">
             <a:avLst/>
@@ -19449,7 +19295,7 @@
     </p:spTree>
     <p:extLst>
       <p:ext uri="{BB962C8B-B14F-4D97-AF65-F5344CB8AC3E}">
-        <p14:creationId xmlns:p14="http://schemas.microsoft.com/office/powerpoint/2010/main" val="1001271499"/>
+        <p14:creationId xmlns:p14="http://schemas.microsoft.com/office/powerpoint/2010/main" val="1682750500"/>
       </p:ext>
     </p:extLst>
   </p:cSld>
@@ -19558,7 +19404,7 @@
                 <a:latin typeface="Calibri" panose="020F0502020204030204" pitchFamily="34" charset="0"/>
                 <a:cs typeface="Calibri" panose="020F0502020204030204" pitchFamily="34" charset="0"/>
               </a:rPr>
-              <a:t>Giao diện xem bản đồ</a:t>
+              <a:t>Giao diện xem ảnh</a:t>
             </a:r>
             <a:endParaRPr lang="vi-VN" sz="2400">
               <a:latin typeface="Calibri" panose="020F0502020204030204" pitchFamily="34" charset="0"/>
@@ -19592,7 +19438,7 @@
       </p:sp>
       <p:pic>
         <p:nvPicPr>
-          <p:cNvPr id="6" name="Picture 5"/>
+          <p:cNvPr id="7" name="Picture 6"/>
           <p:cNvPicPr/>
           <p:nvPr/>
         </p:nvPicPr>
@@ -19604,8 +19450,8 @@
         </p:blipFill>
         <p:spPr>
           <a:xfrm>
-            <a:off x="4305567" y="2356833"/>
-            <a:ext cx="7275564" cy="3554569"/>
+            <a:off x="4305567" y="2356834"/>
+            <a:ext cx="6838270" cy="3309870"/>
           </a:xfrm>
           <a:prstGeom prst="rect">
             <a:avLst/>
@@ -19615,7 +19461,7 @@
     </p:spTree>
     <p:extLst>
       <p:ext uri="{BB962C8B-B14F-4D97-AF65-F5344CB8AC3E}">
-        <p14:creationId xmlns:p14="http://schemas.microsoft.com/office/powerpoint/2010/main" val="2833049630"/>
+        <p14:creationId xmlns:p14="http://schemas.microsoft.com/office/powerpoint/2010/main" val="1001271499"/>
       </p:ext>
     </p:extLst>
   </p:cSld>
@@ -19724,7 +19570,7 @@
                 <a:latin typeface="Calibri" panose="020F0502020204030204" pitchFamily="34" charset="0"/>
                 <a:cs typeface="Calibri" panose="020F0502020204030204" pitchFamily="34" charset="0"/>
               </a:rPr>
-              <a:t>Giao diện thêm nhận xét</a:t>
+              <a:t>Giao diện xem bản đồ</a:t>
             </a:r>
             <a:endParaRPr lang="vi-VN" sz="2400">
               <a:latin typeface="Calibri" panose="020F0502020204030204" pitchFamily="34" charset="0"/>
@@ -19758,7 +19604,7 @@
       </p:sp>
       <p:pic>
         <p:nvPicPr>
-          <p:cNvPr id="7" name="Picture 6"/>
+          <p:cNvPr id="6" name="Picture 5"/>
           <p:cNvPicPr/>
           <p:nvPr/>
         </p:nvPicPr>
@@ -19770,8 +19616,8 @@
         </p:blipFill>
         <p:spPr>
           <a:xfrm>
-            <a:off x="4305567" y="1887394"/>
-            <a:ext cx="5830106" cy="4808328"/>
+            <a:off x="4305567" y="2356833"/>
+            <a:ext cx="7275564" cy="3554569"/>
           </a:xfrm>
           <a:prstGeom prst="rect">
             <a:avLst/>
@@ -19781,7 +19627,7 @@
     </p:spTree>
     <p:extLst>
       <p:ext uri="{BB962C8B-B14F-4D97-AF65-F5344CB8AC3E}">
-        <p14:creationId xmlns:p14="http://schemas.microsoft.com/office/powerpoint/2010/main" val="331443716"/>
+        <p14:creationId xmlns:p14="http://schemas.microsoft.com/office/powerpoint/2010/main" val="2833049630"/>
       </p:ext>
     </p:extLst>
   </p:cSld>
@@ -19890,7 +19736,7 @@
                 <a:latin typeface="Calibri" panose="020F0502020204030204" pitchFamily="34" charset="0"/>
                 <a:cs typeface="Calibri" panose="020F0502020204030204" pitchFamily="34" charset="0"/>
               </a:rPr>
-              <a:t>Giao diện hiển thị các nhận xét, đánh giá</a:t>
+              <a:t>Giao diện thêm nhận xét</a:t>
             </a:r>
             <a:endParaRPr lang="vi-VN" sz="2400">
               <a:latin typeface="Calibri" panose="020F0502020204030204" pitchFamily="34" charset="0"/>
@@ -19924,7 +19770,7 @@
       </p:sp>
       <p:pic>
         <p:nvPicPr>
-          <p:cNvPr id="6" name="Picture 5"/>
+          <p:cNvPr id="7" name="Picture 6"/>
           <p:cNvPicPr/>
           <p:nvPr/>
         </p:nvPicPr>
@@ -19936,8 +19782,8 @@
         </p:blipFill>
         <p:spPr>
           <a:xfrm>
-            <a:off x="4336621" y="2356834"/>
-            <a:ext cx="6788965" cy="3662966"/>
+            <a:off x="4305567" y="1887394"/>
+            <a:ext cx="5830106" cy="4808328"/>
           </a:xfrm>
           <a:prstGeom prst="rect">
             <a:avLst/>
@@ -19947,7 +19793,7 @@
     </p:spTree>
     <p:extLst>
       <p:ext uri="{BB962C8B-B14F-4D97-AF65-F5344CB8AC3E}">
-        <p14:creationId xmlns:p14="http://schemas.microsoft.com/office/powerpoint/2010/main" val="2325698709"/>
+        <p14:creationId xmlns:p14="http://schemas.microsoft.com/office/powerpoint/2010/main" val="331443716"/>
       </p:ext>
     </p:extLst>
   </p:cSld>
@@ -19996,19 +19842,27 @@
           <a:bodyPr/>
           <a:lstStyle/>
           <a:p>
+            <a:pPr marL="57150"/>
+            <a:r>
+              <a:rPr lang="en-US" smtClean="0">
+                <a:latin typeface="Calibri" panose="020F0502020204030204" pitchFamily="34" charset="0"/>
+                <a:cs typeface="Calibri" panose="020F0502020204030204" pitchFamily="34" charset="0"/>
+              </a:rPr>
+              <a:t>4.3. Thiết </a:t>
+            </a:r>
             <a:r>
               <a:rPr lang="en-US">
                 <a:latin typeface="Calibri" panose="020F0502020204030204" pitchFamily="34" charset="0"/>
                 <a:cs typeface="Calibri" panose="020F0502020204030204" pitchFamily="34" charset="0"/>
               </a:rPr>
-              <a:t>5</a:t>
+              <a:t>kế </a:t>
             </a:r>
             <a:r>
               <a:rPr lang="en-US" smtClean="0">
                 <a:latin typeface="Calibri" panose="020F0502020204030204" pitchFamily="34" charset="0"/>
                 <a:cs typeface="Calibri" panose="020F0502020204030204" pitchFamily="34" charset="0"/>
               </a:rPr>
-              <a:t>. Demo kết quả và phương hướng phát triển</a:t>
+              <a:t>giao diện người dùng</a:t>
             </a:r>
             <a:endParaRPr lang="vi-VN">
               <a:latin typeface="Calibri" panose="020F0502020204030204" pitchFamily="34" charset="0"/>
@@ -20029,8 +19883,8 @@
         </p:nvSpPr>
         <p:spPr>
           <a:xfrm>
-            <a:off x="1154955" y="2331076"/>
-            <a:ext cx="10035784" cy="3688724"/>
+            <a:off x="1154954" y="2356834"/>
+            <a:ext cx="3150613" cy="3662966"/>
           </a:xfrm>
         </p:spPr>
         <p:txBody>
@@ -20039,78 +19893,20 @@
           </a:bodyPr>
           <a:lstStyle/>
           <a:p>
-            <a:pPr marL="57150" indent="0">
-              <a:buNone/>
+            <a:pPr>
+              <a:buFont typeface="Wingdings" panose="05000000000000000000" pitchFamily="2" charset="2"/>
+              <a:buChar char="q"/>
             </a:pPr>
             <a:r>
-              <a:rPr lang="en-US" sz="2600" smtClean="0">
+              <a:rPr lang="en-US" sz="2400" smtClean="0">
                 <a:latin typeface="Calibri" panose="020F0502020204030204" pitchFamily="34" charset="0"/>
                 <a:cs typeface="Calibri" panose="020F0502020204030204" pitchFamily="34" charset="0"/>
               </a:rPr>
-              <a:t>5.1. Ứng dụng trên nền web</a:t>
-            </a:r>
-          </a:p>
-          <a:p>
-            <a:pPr marL="57150" indent="0">
-              <a:buNone/>
-            </a:pPr>
-            <a:r>
-              <a:rPr lang="en-US" sz="2600" smtClean="0">
-                <a:latin typeface="Calibri" panose="020F0502020204030204" pitchFamily="34" charset="0"/>
-                <a:cs typeface="Calibri" panose="020F0502020204030204" pitchFamily="34" charset="0"/>
-              </a:rPr>
-              <a:t>5.2. Ứng dụng trên nền tảng Android</a:t>
-            </a:r>
-          </a:p>
-          <a:p>
-            <a:pPr marL="57150" indent="0">
-              <a:buNone/>
-            </a:pPr>
-            <a:r>
-              <a:rPr lang="en-US" sz="2600" smtClean="0">
-                <a:latin typeface="Calibri" panose="020F0502020204030204" pitchFamily="34" charset="0"/>
-                <a:cs typeface="Calibri" panose="020F0502020204030204" pitchFamily="34" charset="0"/>
-              </a:rPr>
-              <a:t>5.3. Kết quả đạt được</a:t>
-            </a:r>
-          </a:p>
-          <a:p>
-            <a:pPr marL="57150" indent="0">
-              <a:buNone/>
-            </a:pPr>
-            <a:r>
-              <a:rPr lang="en-US" sz="2600" smtClean="0">
-                <a:latin typeface="Calibri" panose="020F0502020204030204" pitchFamily="34" charset="0"/>
-                <a:cs typeface="Calibri" panose="020F0502020204030204" pitchFamily="34" charset="0"/>
-              </a:rPr>
-              <a:t>5.4. Những mục tiêu chưa đạt được</a:t>
-            </a:r>
-          </a:p>
-          <a:p>
-            <a:pPr marL="57150" indent="0">
-              <a:buNone/>
-            </a:pPr>
-            <a:r>
-              <a:rPr lang="en-US" sz="2600" smtClean="0">
-                <a:latin typeface="Calibri" panose="020F0502020204030204" pitchFamily="34" charset="0"/>
-                <a:cs typeface="Calibri" panose="020F0502020204030204" pitchFamily="34" charset="0"/>
-              </a:rPr>
-              <a:t>5.5. Phương hướng phát triển</a:t>
-            </a:r>
-            <a:endParaRPr lang="vi-VN" sz="2600" smtClean="0">
+              <a:t>Giao diện hiển thị các nhận xét, đánh giá</a:t>
+            </a:r>
+            <a:endParaRPr lang="vi-VN" sz="2400">
               <a:latin typeface="Calibri" panose="020F0502020204030204" pitchFamily="34" charset="0"/>
               <a:cs typeface="Calibri" panose="020F0502020204030204" pitchFamily="34" charset="0"/>
-            </a:endParaRPr>
-          </a:p>
-          <a:p>
-            <a:endParaRPr lang="en-US" sz="2800" smtClean="0">
-              <a:cs typeface="Segoe UI" panose="020B0502040204020203" pitchFamily="34" charset="0"/>
-            </a:endParaRPr>
-          </a:p>
-          <a:p>
-            <a:endParaRPr lang="vi-VN" sz="2800">
-              <a:latin typeface="Segoe UI" panose="020B0502040204020203" pitchFamily="34" charset="0"/>
-              <a:cs typeface="Segoe UI" panose="020B0502040204020203" pitchFamily="34" charset="0"/>
             </a:endParaRPr>
           </a:p>
         </p:txBody>
@@ -20138,10 +19934,32 @@
           </a:p>
         </p:txBody>
       </p:sp>
+      <p:pic>
+        <p:nvPicPr>
+          <p:cNvPr id="6" name="Picture 5"/>
+          <p:cNvPicPr/>
+          <p:nvPr/>
+        </p:nvPicPr>
+        <p:blipFill>
+          <a:blip r:embed="rId2"/>
+          <a:stretch>
+            <a:fillRect/>
+          </a:stretch>
+        </p:blipFill>
+        <p:spPr>
+          <a:xfrm>
+            <a:off x="4336621" y="2356834"/>
+            <a:ext cx="6788965" cy="3662966"/>
+          </a:xfrm>
+          <a:prstGeom prst="rect">
+            <a:avLst/>
+          </a:prstGeom>
+        </p:spPr>
+      </p:pic>
     </p:spTree>
     <p:extLst>
       <p:ext uri="{BB962C8B-B14F-4D97-AF65-F5344CB8AC3E}">
-        <p14:creationId xmlns:p14="http://schemas.microsoft.com/office/powerpoint/2010/main" val="2946591099"/>
+        <p14:creationId xmlns:p14="http://schemas.microsoft.com/office/powerpoint/2010/main" val="2325698709"/>
       </p:ext>
     </p:extLst>
   </p:cSld>
@@ -20191,22 +20009,120 @@
           <a:lstStyle/>
           <a:p>
             <a:r>
+              <a:rPr lang="en-US">
+                <a:latin typeface="Calibri" panose="020F0502020204030204" pitchFamily="34" charset="0"/>
+                <a:cs typeface="Calibri" panose="020F0502020204030204" pitchFamily="34" charset="0"/>
+              </a:rPr>
+              <a:t>5</a:t>
+            </a:r>
+            <a:r>
               <a:rPr lang="en-US" smtClean="0">
                 <a:latin typeface="Calibri" panose="020F0502020204030204" pitchFamily="34" charset="0"/>
                 <a:cs typeface="Calibri" panose="020F0502020204030204" pitchFamily="34" charset="0"/>
               </a:rPr>
-              <a:t>5</a:t>
-            </a:r>
-            <a:r>
-              <a:rPr lang="en-US">
+              <a:t>. Demo kết quả và phương hướng phát triển</a:t>
+            </a:r>
+            <a:endParaRPr lang="vi-VN">
+              <a:latin typeface="Calibri" panose="020F0502020204030204" pitchFamily="34" charset="0"/>
+              <a:cs typeface="Calibri" panose="020F0502020204030204" pitchFamily="34" charset="0"/>
+            </a:endParaRPr>
+          </a:p>
+        </p:txBody>
+      </p:sp>
+      <p:sp>
+        <p:nvSpPr>
+          <p:cNvPr id="3" name="Content Placeholder 2"/>
+          <p:cNvSpPr>
+            <a:spLocks noGrp="1"/>
+          </p:cNvSpPr>
+          <p:nvPr>
+            <p:ph idx="1"/>
+          </p:nvPr>
+        </p:nvSpPr>
+        <p:spPr>
+          <a:xfrm>
+            <a:off x="1154955" y="2331076"/>
+            <a:ext cx="10035784" cy="3688724"/>
+          </a:xfrm>
+        </p:spPr>
+        <p:txBody>
+          <a:bodyPr>
+            <a:normAutofit/>
+          </a:bodyPr>
+          <a:lstStyle/>
+          <a:p>
+            <a:pPr marL="57150" indent="0">
+              <a:buNone/>
+            </a:pPr>
+            <a:r>
+              <a:rPr lang="en-US" sz="2600" smtClean="0">
                 <a:latin typeface="Calibri" panose="020F0502020204030204" pitchFamily="34" charset="0"/>
                 <a:cs typeface="Calibri" panose="020F0502020204030204" pitchFamily="34" charset="0"/>
               </a:rPr>
-              <a:t>.1. Ứng dụng trên nền web</a:t>
-            </a:r>
-            <a:endParaRPr lang="vi-VN">
+              <a:t>5.1. Ứng dụng trên nền web</a:t>
+            </a:r>
+          </a:p>
+          <a:p>
+            <a:pPr marL="57150" indent="0">
+              <a:buNone/>
+            </a:pPr>
+            <a:r>
+              <a:rPr lang="en-US" sz="2600" smtClean="0">
+                <a:latin typeface="Calibri" panose="020F0502020204030204" pitchFamily="34" charset="0"/>
+                <a:cs typeface="Calibri" panose="020F0502020204030204" pitchFamily="34" charset="0"/>
+              </a:rPr>
+              <a:t>5.2. Ứng dụng trên nền tảng Android</a:t>
+            </a:r>
+          </a:p>
+          <a:p>
+            <a:pPr marL="57150" indent="0">
+              <a:buNone/>
+            </a:pPr>
+            <a:r>
+              <a:rPr lang="en-US" sz="2600" smtClean="0">
+                <a:latin typeface="Calibri" panose="020F0502020204030204" pitchFamily="34" charset="0"/>
+                <a:cs typeface="Calibri" panose="020F0502020204030204" pitchFamily="34" charset="0"/>
+              </a:rPr>
+              <a:t>5.3. Kết quả đạt được</a:t>
+            </a:r>
+          </a:p>
+          <a:p>
+            <a:pPr marL="57150" indent="0">
+              <a:buNone/>
+            </a:pPr>
+            <a:r>
+              <a:rPr lang="en-US" sz="2600" smtClean="0">
+                <a:latin typeface="Calibri" panose="020F0502020204030204" pitchFamily="34" charset="0"/>
+                <a:cs typeface="Calibri" panose="020F0502020204030204" pitchFamily="34" charset="0"/>
+              </a:rPr>
+              <a:t>5.4. Những mục tiêu chưa đạt được</a:t>
+            </a:r>
+          </a:p>
+          <a:p>
+            <a:pPr marL="57150" indent="0">
+              <a:buNone/>
+            </a:pPr>
+            <a:r>
+              <a:rPr lang="en-US" sz="2600" smtClean="0">
+                <a:latin typeface="Calibri" panose="020F0502020204030204" pitchFamily="34" charset="0"/>
+                <a:cs typeface="Calibri" panose="020F0502020204030204" pitchFamily="34" charset="0"/>
+              </a:rPr>
+              <a:t>5.5. Phương hướng phát triển</a:t>
+            </a:r>
+            <a:endParaRPr lang="vi-VN" sz="2600" smtClean="0">
               <a:latin typeface="Calibri" panose="020F0502020204030204" pitchFamily="34" charset="0"/>
               <a:cs typeface="Calibri" panose="020F0502020204030204" pitchFamily="34" charset="0"/>
+            </a:endParaRPr>
+          </a:p>
+          <a:p>
+            <a:endParaRPr lang="en-US" sz="2800" smtClean="0">
+              <a:cs typeface="Segoe UI" panose="020B0502040204020203" pitchFamily="34" charset="0"/>
+            </a:endParaRPr>
+          </a:p>
+          <a:p>
+            <a:endParaRPr lang="vi-VN" sz="2800">
+              <a:latin typeface="Segoe UI" panose="020B0502040204020203" pitchFamily="34" charset="0"/>
+              <a:cs typeface="Segoe UI" panose="020B0502040204020203" pitchFamily="34" charset="0"/>
             </a:endParaRPr>
           </a:p>
         </p:txBody>
@@ -20229,6 +20145,102 @@
             <a:fld id="{C324A925-7661-4EF3-817D-D476B64924D2}" type="slidenum">
               <a:rPr lang="vi-VN" smtClean="0"/>
               <a:t>36</a:t>
+            </a:fld>
+            <a:endParaRPr lang="vi-VN"/>
+          </a:p>
+        </p:txBody>
+      </p:sp>
+    </p:spTree>
+    <p:extLst>
+      <p:ext uri="{BB962C8B-B14F-4D97-AF65-F5344CB8AC3E}">
+        <p14:creationId xmlns:p14="http://schemas.microsoft.com/office/powerpoint/2010/main" val="2946591099"/>
+      </p:ext>
+    </p:extLst>
+  </p:cSld>
+  <p:clrMapOvr>
+    <a:masterClrMapping/>
+  </p:clrMapOvr>
+  <p:timing>
+    <p:tnLst>
+      <p:par>
+        <p:cTn id="1" dur="indefinite" restart="never" nodeType="tmRoot"/>
+      </p:par>
+    </p:tnLst>
+  </p:timing>
+</p:sld>
+</file>
+
+<file path=ppt/slides/slide37.xml><?xml version="1.0" encoding="utf-8"?>
+<p:sld xmlns:a="http://schemas.openxmlformats.org/drawingml/2006/main" xmlns:r="http://schemas.openxmlformats.org/officeDocument/2006/relationships" xmlns:p="http://schemas.openxmlformats.org/presentationml/2006/main">
+  <p:cSld>
+    <p:spTree>
+      <p:nvGrpSpPr>
+        <p:cNvPr id="1" name=""/>
+        <p:cNvGrpSpPr/>
+        <p:nvPr/>
+      </p:nvGrpSpPr>
+      <p:grpSpPr>
+        <a:xfrm>
+          <a:off x="0" y="0"/>
+          <a:ext cx="0" cy="0"/>
+          <a:chOff x="0" y="0"/>
+          <a:chExt cx="0" cy="0"/>
+        </a:xfrm>
+      </p:grpSpPr>
+      <p:sp>
+        <p:nvSpPr>
+          <p:cNvPr id="2" name="Title 1"/>
+          <p:cNvSpPr>
+            <a:spLocks noGrp="1"/>
+          </p:cNvSpPr>
+          <p:nvPr>
+            <p:ph type="title"/>
+          </p:nvPr>
+        </p:nvSpPr>
+        <p:spPr/>
+        <p:txBody>
+          <a:bodyPr/>
+          <a:lstStyle/>
+          <a:p>
+            <a:r>
+              <a:rPr lang="en-US" smtClean="0">
+                <a:latin typeface="Calibri" panose="020F0502020204030204" pitchFamily="34" charset="0"/>
+                <a:cs typeface="Calibri" panose="020F0502020204030204" pitchFamily="34" charset="0"/>
+              </a:rPr>
+              <a:t>5</a:t>
+            </a:r>
+            <a:r>
+              <a:rPr lang="en-US">
+                <a:latin typeface="Calibri" panose="020F0502020204030204" pitchFamily="34" charset="0"/>
+                <a:cs typeface="Calibri" panose="020F0502020204030204" pitchFamily="34" charset="0"/>
+              </a:rPr>
+              <a:t>.1. Ứng dụng trên nền web</a:t>
+            </a:r>
+            <a:endParaRPr lang="vi-VN">
+              <a:latin typeface="Calibri" panose="020F0502020204030204" pitchFamily="34" charset="0"/>
+              <a:cs typeface="Calibri" panose="020F0502020204030204" pitchFamily="34" charset="0"/>
+            </a:endParaRPr>
+          </a:p>
+        </p:txBody>
+      </p:sp>
+      <p:sp>
+        <p:nvSpPr>
+          <p:cNvPr id="4" name="Slide Number Placeholder 3"/>
+          <p:cNvSpPr>
+            <a:spLocks noGrp="1"/>
+          </p:cNvSpPr>
+          <p:nvPr>
+            <p:ph type="sldNum" sz="quarter" idx="12"/>
+          </p:nvPr>
+        </p:nvSpPr>
+        <p:spPr/>
+        <p:txBody>
+          <a:bodyPr/>
+          <a:lstStyle/>
+          <a:p>
+            <a:fld id="{C324A925-7661-4EF3-817D-D476B64924D2}" type="slidenum">
+              <a:rPr lang="vi-VN" smtClean="0"/>
+              <a:t>37</a:t>
             </a:fld>
             <a:endParaRPr lang="vi-VN"/>
           </a:p>
@@ -20284,7 +20296,7 @@
 </p:sld>
 </file>
 
-<file path=ppt/slides/slide37.xml><?xml version="1.0" encoding="utf-8"?>
+<file path=ppt/slides/slide38.xml><?xml version="1.0" encoding="utf-8"?>
 <p:sld xmlns:a="http://schemas.openxmlformats.org/drawingml/2006/main" xmlns:r="http://schemas.openxmlformats.org/officeDocument/2006/relationships" xmlns:p="http://schemas.openxmlformats.org/presentationml/2006/main">
   <p:cSld>
     <p:spTree>
@@ -20354,7 +20366,7 @@
           <a:p>
             <a:fld id="{C324A925-7661-4EF3-817D-D476B64924D2}" type="slidenum">
               <a:rPr lang="vi-VN" smtClean="0"/>
-              <a:t>37</a:t>
+              <a:t>38</a:t>
             </a:fld>
             <a:endParaRPr lang="vi-VN"/>
           </a:p>
@@ -20410,190 +20422,6 @@
 </p:sld>
 </file>
 
-<file path=ppt/slides/slide38.xml><?xml version="1.0" encoding="utf-8"?>
-<p:sld xmlns:a="http://schemas.openxmlformats.org/drawingml/2006/main" xmlns:r="http://schemas.openxmlformats.org/officeDocument/2006/relationships" xmlns:p="http://schemas.openxmlformats.org/presentationml/2006/main">
-  <p:cSld>
-    <p:spTree>
-      <p:nvGrpSpPr>
-        <p:cNvPr id="1" name=""/>
-        <p:cNvGrpSpPr/>
-        <p:nvPr/>
-      </p:nvGrpSpPr>
-      <p:grpSpPr>
-        <a:xfrm>
-          <a:off x="0" y="0"/>
-          <a:ext cx="0" cy="0"/>
-          <a:chOff x="0" y="0"/>
-          <a:chExt cx="0" cy="0"/>
-        </a:xfrm>
-      </p:grpSpPr>
-      <p:sp>
-        <p:nvSpPr>
-          <p:cNvPr id="2" name="Title 1"/>
-          <p:cNvSpPr>
-            <a:spLocks noGrp="1"/>
-          </p:cNvSpPr>
-          <p:nvPr>
-            <p:ph type="title"/>
-          </p:nvPr>
-        </p:nvSpPr>
-        <p:spPr/>
-        <p:txBody>
-          <a:bodyPr/>
-          <a:lstStyle/>
-          <a:p>
-            <a:r>
-              <a:rPr lang="en-US" smtClean="0">
-                <a:latin typeface="Calibri" panose="020F0502020204030204" pitchFamily="34" charset="0"/>
-                <a:cs typeface="Calibri" panose="020F0502020204030204" pitchFamily="34" charset="0"/>
-              </a:rPr>
-              <a:t>5.3. </a:t>
-            </a:r>
-            <a:r>
-              <a:rPr lang="vi-VN">
-                <a:latin typeface="Calibri" panose="020F0502020204030204" pitchFamily="34" charset="0"/>
-                <a:cs typeface="Calibri" panose="020F0502020204030204" pitchFamily="34" charset="0"/>
-              </a:rPr>
-              <a:t>Kết quả đạt được</a:t>
-            </a:r>
-          </a:p>
-        </p:txBody>
-      </p:sp>
-      <p:sp>
-        <p:nvSpPr>
-          <p:cNvPr id="3" name="Content Placeholder 2"/>
-          <p:cNvSpPr>
-            <a:spLocks noGrp="1"/>
-          </p:cNvSpPr>
-          <p:nvPr>
-            <p:ph idx="1"/>
-          </p:nvPr>
-        </p:nvSpPr>
-        <p:spPr>
-          <a:xfrm>
-            <a:off x="1154955" y="2292439"/>
-            <a:ext cx="8761412" cy="3727361"/>
-          </a:xfrm>
-        </p:spPr>
-        <p:txBody>
-          <a:bodyPr>
-            <a:normAutofit/>
-          </a:bodyPr>
-          <a:lstStyle/>
-          <a:p>
-            <a:pPr>
-              <a:buFont typeface="Wingdings" panose="05000000000000000000" pitchFamily="2" charset="2"/>
-              <a:buChar char="q"/>
-            </a:pPr>
-            <a:r>
-              <a:rPr lang="en-US" sz="2800" smtClean="0">
-                <a:latin typeface="Calibri" panose="020F0502020204030204" pitchFamily="34" charset="0"/>
-                <a:cs typeface="Calibri" panose="020F0502020204030204" pitchFamily="34" charset="0"/>
-              </a:rPr>
-              <a:t>Hệ </a:t>
-            </a:r>
-            <a:r>
-              <a:rPr lang="en-US" sz="2800">
-                <a:latin typeface="Calibri" panose="020F0502020204030204" pitchFamily="34" charset="0"/>
-                <a:cs typeface="Calibri" panose="020F0502020204030204" pitchFamily="34" charset="0"/>
-              </a:rPr>
-              <a:t>thống được thiết kế và xây dựng </a:t>
-            </a:r>
-            <a:r>
-              <a:rPr lang="en-US" sz="2800" smtClean="0">
-                <a:latin typeface="Calibri" panose="020F0502020204030204" pitchFamily="34" charset="0"/>
-                <a:cs typeface="Calibri" panose="020F0502020204030204" pitchFamily="34" charset="0"/>
-              </a:rPr>
-              <a:t>khá giống như quá </a:t>
-            </a:r>
-            <a:r>
-              <a:rPr lang="en-US" sz="2800">
-                <a:latin typeface="Calibri" panose="020F0502020204030204" pitchFamily="34" charset="0"/>
-                <a:cs typeface="Calibri" panose="020F0502020204030204" pitchFamily="34" charset="0"/>
-              </a:rPr>
-              <a:t>trình phân tích lý thuyết. </a:t>
-            </a:r>
-            <a:endParaRPr lang="en-US" sz="2800" smtClean="0">
-              <a:latin typeface="Calibri" panose="020F0502020204030204" pitchFamily="34" charset="0"/>
-              <a:cs typeface="Calibri" panose="020F0502020204030204" pitchFamily="34" charset="0"/>
-            </a:endParaRPr>
-          </a:p>
-          <a:p>
-            <a:pPr>
-              <a:buFont typeface="Wingdings" panose="05000000000000000000" pitchFamily="2" charset="2"/>
-              <a:buChar char="q"/>
-            </a:pPr>
-            <a:r>
-              <a:rPr lang="en-US" sz="2800" smtClean="0">
-                <a:latin typeface="Calibri" panose="020F0502020204030204" pitchFamily="34" charset="0"/>
-                <a:cs typeface="Calibri" panose="020F0502020204030204" pitchFamily="34" charset="0"/>
-              </a:rPr>
-              <a:t>Các </a:t>
-            </a:r>
-            <a:r>
-              <a:rPr lang="en-US" sz="2800">
-                <a:latin typeface="Calibri" panose="020F0502020204030204" pitchFamily="34" charset="0"/>
-                <a:cs typeface="Calibri" panose="020F0502020204030204" pitchFamily="34" charset="0"/>
-              </a:rPr>
-              <a:t>giao diện người dùng tương đối giống với các giao diện đã được vẽ và thiết kế trước </a:t>
-            </a:r>
-            <a:r>
-              <a:rPr lang="en-US" sz="2800" smtClean="0">
-                <a:latin typeface="Calibri" panose="020F0502020204030204" pitchFamily="34" charset="0"/>
-                <a:cs typeface="Calibri" panose="020F0502020204030204" pitchFamily="34" charset="0"/>
-              </a:rPr>
-              <a:t>đó</a:t>
-            </a:r>
-            <a:endParaRPr lang="en-US" sz="3600">
-              <a:latin typeface="Calibri" panose="020F0502020204030204" pitchFamily="34" charset="0"/>
-              <a:cs typeface="Calibri" panose="020F0502020204030204" pitchFamily="34" charset="0"/>
-            </a:endParaRPr>
-          </a:p>
-        </p:txBody>
-      </p:sp>
-      <p:sp>
-        <p:nvSpPr>
-          <p:cNvPr id="4" name="Slide Number Placeholder 3"/>
-          <p:cNvSpPr>
-            <a:spLocks noGrp="1"/>
-          </p:cNvSpPr>
-          <p:nvPr>
-            <p:ph type="sldNum" sz="quarter" idx="12"/>
-          </p:nvPr>
-        </p:nvSpPr>
-        <p:spPr/>
-        <p:txBody>
-          <a:bodyPr/>
-          <a:lstStyle/>
-          <a:p>
-            <a:fld id="{C324A925-7661-4EF3-817D-D476B64924D2}" type="slidenum">
-              <a:rPr lang="vi-VN" smtClean="0"/>
-              <a:t>38</a:t>
-            </a:fld>
-            <a:endParaRPr lang="vi-VN"/>
-          </a:p>
-        </p:txBody>
-      </p:sp>
-    </p:spTree>
-    <p:extLst>
-      <p:ext uri="{BB962C8B-B14F-4D97-AF65-F5344CB8AC3E}">
-        <p14:creationId xmlns:p14="http://schemas.microsoft.com/office/powerpoint/2010/main" val="340833993"/>
-      </p:ext>
-    </p:extLst>
-  </p:cSld>
-  <p:clrMapOvr>
-    <a:masterClrMapping/>
-  </p:clrMapOvr>
-  <p:timing>
-    <p:tnLst>
-      <p:par>
-        <p:cTn id="1" dur="indefinite" restart="never" nodeType="tmRoot"/>
-      </p:par>
-    </p:tnLst>
-  </p:timing>
-</p:sld>
-</file>
-
 <file path=ppt/slides/slide39.xml><?xml version="1.0" encoding="utf-8"?>
 <p:sld xmlns:a="http://schemas.openxmlformats.org/drawingml/2006/main" xmlns:r="http://schemas.openxmlformats.org/officeDocument/2006/relationships" xmlns:p="http://schemas.openxmlformats.org/presentationml/2006/main">
   <p:cSld>
@@ -20661,7 +20489,7 @@
         </p:spPr>
         <p:txBody>
           <a:bodyPr>
-            <a:normAutofit lnSpcReduction="10000"/>
+            <a:normAutofit/>
           </a:bodyPr>
           <a:lstStyle/>
           <a:p>
@@ -20670,153 +20498,68 @@
               <a:buChar char="q"/>
             </a:pPr>
             <a:r>
-              <a:rPr lang="vi-VN" sz="2800" smtClean="0">
+              <a:rPr lang="en-US" sz="2800" smtClean="0">
                 <a:latin typeface="Calibri" panose="020F0502020204030204" pitchFamily="34" charset="0"/>
                 <a:cs typeface="Calibri" panose="020F0502020204030204" pitchFamily="34" charset="0"/>
               </a:rPr>
               <a:t>Hệ </a:t>
             </a:r>
             <a:r>
-              <a:rPr lang="vi-VN" sz="2800">
+              <a:rPr lang="en-US" sz="2800">
                 <a:latin typeface="Calibri" panose="020F0502020204030204" pitchFamily="34" charset="0"/>
                 <a:cs typeface="Calibri" panose="020F0502020204030204" pitchFamily="34" charset="0"/>
               </a:rPr>
-              <a:t>thống đã hoàn thiện được các chức năng cơ bản sau</a:t>
+              <a:t>thống được thiết kế và xây dựng </a:t>
             </a:r>
             <a:r>
               <a:rPr lang="en-US" sz="2800" smtClean="0">
                 <a:latin typeface="Calibri" panose="020F0502020204030204" pitchFamily="34" charset="0"/>
                 <a:cs typeface="Calibri" panose="020F0502020204030204" pitchFamily="34" charset="0"/>
               </a:rPr>
-              <a:t>:</a:t>
-            </a:r>
-            <a:endParaRPr lang="vi-VN" sz="2800">
+              <a:t>khá giống như quá </a:t>
+            </a:r>
+            <a:r>
+              <a:rPr lang="en-US" sz="2800">
+                <a:latin typeface="Calibri" panose="020F0502020204030204" pitchFamily="34" charset="0"/>
+                <a:cs typeface="Calibri" panose="020F0502020204030204" pitchFamily="34" charset="0"/>
+              </a:rPr>
+              <a:t>trình phân tích lý thuyết. </a:t>
+            </a:r>
+            <a:endParaRPr lang="en-US" sz="2800" smtClean="0">
               <a:latin typeface="Calibri" panose="020F0502020204030204" pitchFamily="34" charset="0"/>
               <a:cs typeface="Calibri" panose="020F0502020204030204" pitchFamily="34" charset="0"/>
             </a:endParaRPr>
           </a:p>
           <a:p>
-            <a:pPr lvl="1">
+            <a:pPr>
               <a:buFont typeface="Wingdings" panose="05000000000000000000" pitchFamily="2" charset="2"/>
-              <a:buChar char="Ø"/>
+              <a:buChar char="q"/>
             </a:pPr>
             <a:r>
-              <a:rPr lang="en-US" sz="2400">
+              <a:rPr lang="en-US" sz="2800" smtClean="0">
                 <a:latin typeface="Calibri" panose="020F0502020204030204" pitchFamily="34" charset="0"/>
                 <a:cs typeface="Calibri" panose="020F0502020204030204" pitchFamily="34" charset="0"/>
               </a:rPr>
-              <a:t>Tìm kiếm khách sạn, nhà trọ</a:t>
-            </a:r>
-            <a:endParaRPr lang="vi-VN" sz="2400">
+              <a:t>Các </a:t>
+            </a:r>
+            <a:r>
+              <a:rPr lang="en-US" sz="2800">
+                <a:latin typeface="Calibri" panose="020F0502020204030204" pitchFamily="34" charset="0"/>
+                <a:cs typeface="Calibri" panose="020F0502020204030204" pitchFamily="34" charset="0"/>
+              </a:rPr>
+              <a:t>giao diện người dùng tương đối giống với các giao diện đã được vẽ và thiết kế trước </a:t>
+            </a:r>
+            <a:r>
+              <a:rPr lang="en-US" sz="2800" smtClean="0">
+                <a:latin typeface="Calibri" panose="020F0502020204030204" pitchFamily="34" charset="0"/>
+                <a:cs typeface="Calibri" panose="020F0502020204030204" pitchFamily="34" charset="0"/>
+              </a:rPr>
+              <a:t>đó</a:t>
+            </a:r>
+            <a:endParaRPr lang="en-US" sz="3600">
               <a:latin typeface="Calibri" panose="020F0502020204030204" pitchFamily="34" charset="0"/>
               <a:cs typeface="Calibri" panose="020F0502020204030204" pitchFamily="34" charset="0"/>
             </a:endParaRPr>
-          </a:p>
-          <a:p>
-            <a:pPr lvl="1">
-              <a:buFont typeface="Wingdings" panose="05000000000000000000" pitchFamily="2" charset="2"/>
-              <a:buChar char="Ø"/>
-            </a:pPr>
-            <a:r>
-              <a:rPr lang="en-US" sz="2400">
-                <a:latin typeface="Calibri" panose="020F0502020204030204" pitchFamily="34" charset="0"/>
-                <a:cs typeface="Calibri" panose="020F0502020204030204" pitchFamily="34" charset="0"/>
-              </a:rPr>
-              <a:t>Sắp xếp kết quả tìm kiếm theo giá, điểm xếp hạng</a:t>
-            </a:r>
-            <a:endParaRPr lang="vi-VN" sz="2400">
-              <a:latin typeface="Calibri" panose="020F0502020204030204" pitchFamily="34" charset="0"/>
-              <a:cs typeface="Calibri" panose="020F0502020204030204" pitchFamily="34" charset="0"/>
-            </a:endParaRPr>
-          </a:p>
-          <a:p>
-            <a:pPr lvl="1">
-              <a:buFont typeface="Wingdings" panose="05000000000000000000" pitchFamily="2" charset="2"/>
-              <a:buChar char="Ø"/>
-            </a:pPr>
-            <a:r>
-              <a:rPr lang="en-US" sz="2400">
-                <a:latin typeface="Calibri" panose="020F0502020204030204" pitchFamily="34" charset="0"/>
-                <a:cs typeface="Calibri" panose="020F0502020204030204" pitchFamily="34" charset="0"/>
-              </a:rPr>
-              <a:t>Đăng tin thuê nhà</a:t>
-            </a:r>
-            <a:endParaRPr lang="vi-VN" sz="2400">
-              <a:latin typeface="Calibri" panose="020F0502020204030204" pitchFamily="34" charset="0"/>
-              <a:cs typeface="Calibri" panose="020F0502020204030204" pitchFamily="34" charset="0"/>
-            </a:endParaRPr>
-          </a:p>
-          <a:p>
-            <a:pPr lvl="1">
-              <a:buFont typeface="Wingdings" panose="05000000000000000000" pitchFamily="2" charset="2"/>
-              <a:buChar char="Ø"/>
-            </a:pPr>
-            <a:r>
-              <a:rPr lang="en-US" sz="2400">
-                <a:latin typeface="Calibri" panose="020F0502020204030204" pitchFamily="34" charset="0"/>
-                <a:cs typeface="Calibri" panose="020F0502020204030204" pitchFamily="34" charset="0"/>
-              </a:rPr>
-              <a:t>Bình luận, đánh giá chất lượng của </a:t>
-            </a:r>
-            <a:r>
-              <a:rPr lang="en-US" sz="2400" smtClean="0">
-                <a:latin typeface="Calibri" panose="020F0502020204030204" pitchFamily="34" charset="0"/>
-                <a:cs typeface="Calibri" panose="020F0502020204030204" pitchFamily="34" charset="0"/>
-              </a:rPr>
-              <a:t>khách sạn, nhà </a:t>
-            </a:r>
-            <a:r>
-              <a:rPr lang="en-US" sz="2400">
-                <a:latin typeface="Calibri" panose="020F0502020204030204" pitchFamily="34" charset="0"/>
-                <a:cs typeface="Calibri" panose="020F0502020204030204" pitchFamily="34" charset="0"/>
-              </a:rPr>
-              <a:t>trọ</a:t>
-            </a:r>
-            <a:endParaRPr lang="vi-VN" sz="2400">
-              <a:latin typeface="Calibri" panose="020F0502020204030204" pitchFamily="34" charset="0"/>
-              <a:cs typeface="Calibri" panose="020F0502020204030204" pitchFamily="34" charset="0"/>
-            </a:endParaRPr>
-          </a:p>
-          <a:p>
-            <a:pPr lvl="1">
-              <a:buFont typeface="Wingdings" panose="05000000000000000000" pitchFamily="2" charset="2"/>
-              <a:buChar char="Ø"/>
-            </a:pPr>
-            <a:r>
-              <a:rPr lang="en-US" sz="2400">
-                <a:latin typeface="Calibri" panose="020F0502020204030204" pitchFamily="34" charset="0"/>
-                <a:cs typeface="Calibri" panose="020F0502020204030204" pitchFamily="34" charset="0"/>
-              </a:rPr>
-              <a:t>Đăng nhập, đăng ký, đăng xuất</a:t>
-            </a:r>
-            <a:endParaRPr lang="vi-VN" sz="2400">
-              <a:latin typeface="Calibri" panose="020F0502020204030204" pitchFamily="34" charset="0"/>
-              <a:cs typeface="Calibri" panose="020F0502020204030204" pitchFamily="34" charset="0"/>
-            </a:endParaRPr>
-          </a:p>
-          <a:p>
-            <a:pPr lvl="1">
-              <a:buFont typeface="Wingdings" panose="05000000000000000000" pitchFamily="2" charset="2"/>
-              <a:buChar char="Ø"/>
-            </a:pPr>
-            <a:r>
-              <a:rPr lang="en-US" sz="2400">
-                <a:latin typeface="Calibri" panose="020F0502020204030204" pitchFamily="34" charset="0"/>
-                <a:cs typeface="Calibri" panose="020F0502020204030204" pitchFamily="34" charset="0"/>
-              </a:rPr>
-              <a:t>Hỗ trợ hai ngôn ngữ tiếng Anh và tiếng Việt (áp dụng với người dùng truy cập hệ thống bằng website)</a:t>
-            </a:r>
-            <a:endParaRPr lang="vi-VN" sz="2400">
-              <a:latin typeface="Calibri" panose="020F0502020204030204" pitchFamily="34" charset="0"/>
-              <a:cs typeface="Calibri" panose="020F0502020204030204" pitchFamily="34" charset="0"/>
-            </a:endParaRPr>
-          </a:p>
-          <a:p>
-            <a:pPr lvl="1">
-              <a:buFont typeface="Wingdings" panose="05000000000000000000" pitchFamily="2" charset="2"/>
-              <a:buChar char="Ø"/>
-            </a:pPr>
-            <a:endParaRPr lang="vi-VN"/>
           </a:p>
         </p:txBody>
       </p:sp>
@@ -20838,6 +20581,629 @@
             <a:fld id="{C324A925-7661-4EF3-817D-D476B64924D2}" type="slidenum">
               <a:rPr lang="vi-VN" smtClean="0"/>
               <a:t>39</a:t>
+            </a:fld>
+            <a:endParaRPr lang="vi-VN"/>
+          </a:p>
+        </p:txBody>
+      </p:sp>
+    </p:spTree>
+    <p:extLst>
+      <p:ext uri="{BB962C8B-B14F-4D97-AF65-F5344CB8AC3E}">
+        <p14:creationId xmlns:p14="http://schemas.microsoft.com/office/powerpoint/2010/main" val="340833993"/>
+      </p:ext>
+    </p:extLst>
+  </p:cSld>
+  <p:clrMapOvr>
+    <a:masterClrMapping/>
+  </p:clrMapOvr>
+  <p:timing>
+    <p:tnLst>
+      <p:par>
+        <p:cTn id="1" dur="indefinite" restart="never" nodeType="tmRoot"/>
+      </p:par>
+    </p:tnLst>
+  </p:timing>
+</p:sld>
+</file>
+
+<file path=ppt/slides/slide4.xml><?xml version="1.0" encoding="utf-8"?>
+<p:sld xmlns:a="http://schemas.openxmlformats.org/drawingml/2006/main" xmlns:r="http://schemas.openxmlformats.org/officeDocument/2006/relationships" xmlns:p="http://schemas.openxmlformats.org/presentationml/2006/main">
+  <p:cSld>
+    <p:spTree>
+      <p:nvGrpSpPr>
+        <p:cNvPr id="1" name=""/>
+        <p:cNvGrpSpPr/>
+        <p:nvPr/>
+      </p:nvGrpSpPr>
+      <p:grpSpPr>
+        <a:xfrm>
+          <a:off x="0" y="0"/>
+          <a:ext cx="0" cy="0"/>
+          <a:chOff x="0" y="0"/>
+          <a:chExt cx="0" cy="0"/>
+        </a:xfrm>
+      </p:grpSpPr>
+      <p:sp>
+        <p:nvSpPr>
+          <p:cNvPr id="2" name="Title 1"/>
+          <p:cNvSpPr>
+            <a:spLocks noGrp="1"/>
+          </p:cNvSpPr>
+          <p:nvPr>
+            <p:ph type="title"/>
+          </p:nvPr>
+        </p:nvSpPr>
+        <p:spPr/>
+        <p:txBody>
+          <a:bodyPr/>
+          <a:lstStyle/>
+          <a:p>
+            <a:r>
+              <a:rPr lang="en-US" smtClean="0">
+                <a:latin typeface="Calibri" panose="020F0502020204030204" pitchFamily="34" charset="0"/>
+                <a:cs typeface="Calibri" panose="020F0502020204030204" pitchFamily="34" charset="0"/>
+              </a:rPr>
+              <a:t>1. Giới thiệu</a:t>
+            </a:r>
+            <a:endParaRPr lang="vi-VN">
+              <a:latin typeface="Calibri" panose="020F0502020204030204" pitchFamily="34" charset="0"/>
+              <a:cs typeface="Calibri" panose="020F0502020204030204" pitchFamily="34" charset="0"/>
+            </a:endParaRPr>
+          </a:p>
+        </p:txBody>
+      </p:sp>
+      <p:sp>
+        <p:nvSpPr>
+          <p:cNvPr id="3" name="Content Placeholder 2"/>
+          <p:cNvSpPr>
+            <a:spLocks noGrp="1"/>
+          </p:cNvSpPr>
+          <p:nvPr>
+            <p:ph idx="1"/>
+          </p:nvPr>
+        </p:nvSpPr>
+        <p:spPr>
+          <a:xfrm>
+            <a:off x="1154955" y="2331075"/>
+            <a:ext cx="10035784" cy="4172755"/>
+          </a:xfrm>
+        </p:spPr>
+        <p:txBody>
+          <a:bodyPr>
+            <a:normAutofit/>
+          </a:bodyPr>
+          <a:lstStyle/>
+          <a:p>
+            <a:pPr marL="0" indent="0">
+              <a:buNone/>
+            </a:pPr>
+            <a:r>
+              <a:rPr lang="en-US" sz="2800" smtClean="0">
+                <a:latin typeface="Calibri" panose="020F0502020204030204" pitchFamily="34" charset="0"/>
+                <a:cs typeface="Calibri" panose="020F0502020204030204" pitchFamily="34" charset="0"/>
+              </a:rPr>
+              <a:t>Phân công công việc</a:t>
+            </a:r>
+            <a:endParaRPr lang="vi-VN" sz="2400" smtClean="0">
+              <a:latin typeface="Calibri" panose="020F0502020204030204" pitchFamily="34" charset="0"/>
+              <a:cs typeface="Calibri" panose="020F0502020204030204" pitchFamily="34" charset="0"/>
+            </a:endParaRPr>
+          </a:p>
+          <a:p>
+            <a:endParaRPr lang="en-US" smtClean="0">
+              <a:cs typeface="Segoe UI" panose="020B0502040204020203" pitchFamily="34" charset="0"/>
+            </a:endParaRPr>
+          </a:p>
+          <a:p>
+            <a:endParaRPr lang="vi-VN">
+              <a:latin typeface="Segoe UI" panose="020B0502040204020203" pitchFamily="34" charset="0"/>
+              <a:cs typeface="Segoe UI" panose="020B0502040204020203" pitchFamily="34" charset="0"/>
+            </a:endParaRPr>
+          </a:p>
+        </p:txBody>
+      </p:sp>
+      <p:sp>
+        <p:nvSpPr>
+          <p:cNvPr id="4" name="Slide Number Placeholder 3"/>
+          <p:cNvSpPr>
+            <a:spLocks noGrp="1"/>
+          </p:cNvSpPr>
+          <p:nvPr>
+            <p:ph type="sldNum" sz="quarter" idx="12"/>
+          </p:nvPr>
+        </p:nvSpPr>
+        <p:spPr/>
+        <p:txBody>
+          <a:bodyPr/>
+          <a:lstStyle/>
+          <a:p>
+            <a:fld id="{C324A925-7661-4EF3-817D-D476B64924D2}" type="slidenum">
+              <a:rPr lang="vi-VN" smtClean="0"/>
+              <a:t>4</a:t>
+            </a:fld>
+            <a:endParaRPr lang="vi-VN"/>
+          </a:p>
+        </p:txBody>
+      </p:sp>
+      <p:pic>
+        <p:nvPicPr>
+          <p:cNvPr id="5" name="Picture 4"/>
+          <p:cNvPicPr>
+            <a:picLocks noChangeAspect="1"/>
+          </p:cNvPicPr>
+          <p:nvPr/>
+        </p:nvPicPr>
+        <p:blipFill>
+          <a:blip r:embed="rId2"/>
+          <a:stretch>
+            <a:fillRect/>
+          </a:stretch>
+        </p:blipFill>
+        <p:spPr>
+          <a:xfrm>
+            <a:off x="6061387" y="973668"/>
+            <a:ext cx="4177317" cy="5773820"/>
+          </a:xfrm>
+          <a:prstGeom prst="rect">
+            <a:avLst/>
+          </a:prstGeom>
+        </p:spPr>
+      </p:pic>
+    </p:spTree>
+    <p:extLst>
+      <p:ext uri="{BB962C8B-B14F-4D97-AF65-F5344CB8AC3E}">
+        <p14:creationId xmlns:p14="http://schemas.microsoft.com/office/powerpoint/2010/main" val="3798166599"/>
+      </p:ext>
+    </p:extLst>
+  </p:cSld>
+  <p:clrMapOvr>
+    <a:masterClrMapping/>
+  </p:clrMapOvr>
+  <p:timing>
+    <p:tnLst>
+      <p:par>
+        <p:cTn id="1" dur="indefinite" restart="never" nodeType="tmRoot">
+          <p:childTnLst>
+            <p:seq concurrent="1" nextAc="seek">
+              <p:cTn id="2" dur="indefinite" nodeType="mainSeq">
+                <p:childTnLst>
+                  <p:par>
+                    <p:cTn id="3" fill="hold">
+                      <p:stCondLst>
+                        <p:cond delay="indefinite"/>
+                      </p:stCondLst>
+                      <p:childTnLst>
+                        <p:par>
+                          <p:cTn id="4" fill="hold">
+                            <p:stCondLst>
+                              <p:cond delay="0"/>
+                            </p:stCondLst>
+                            <p:childTnLst>
+                              <p:par>
+                                <p:cTn id="5" presetID="53" presetClass="entr" presetSubtype="16" fill="hold" nodeType="clickEffect">
+                                  <p:stCondLst>
+                                    <p:cond delay="0"/>
+                                  </p:stCondLst>
+                                  <p:childTnLst>
+                                    <p:set>
+                                      <p:cBhvr>
+                                        <p:cTn id="6" dur="1" fill="hold">
+                                          <p:stCondLst>
+                                            <p:cond delay="0"/>
+                                          </p:stCondLst>
+                                        </p:cTn>
+                                        <p:tgtEl>
+                                          <p:spTgt spid="3">
+                                            <p:txEl>
+                                              <p:pRg st="0" end="0"/>
+                                            </p:txEl>
+                                          </p:spTgt>
+                                        </p:tgtEl>
+                                        <p:attrNameLst>
+                                          <p:attrName>style.visibility</p:attrName>
+                                        </p:attrNameLst>
+                                      </p:cBhvr>
+                                      <p:to>
+                                        <p:strVal val="visible"/>
+                                      </p:to>
+                                    </p:set>
+                                    <p:anim calcmode="lin" valueType="num">
+                                      <p:cBhvr>
+                                        <p:cTn id="7" dur="500" fill="hold"/>
+                                        <p:tgtEl>
+                                          <p:spTgt spid="3">
+                                            <p:txEl>
+                                              <p:pRg st="0" end="0"/>
+                                            </p:txEl>
+                                          </p:spTgt>
+                                        </p:tgtEl>
+                                        <p:attrNameLst>
+                                          <p:attrName>ppt_w</p:attrName>
+                                        </p:attrNameLst>
+                                      </p:cBhvr>
+                                      <p:tavLst>
+                                        <p:tav tm="0">
+                                          <p:val>
+                                            <p:fltVal val="0"/>
+                                          </p:val>
+                                        </p:tav>
+                                        <p:tav tm="100000">
+                                          <p:val>
+                                            <p:strVal val="#ppt_w"/>
+                                          </p:val>
+                                        </p:tav>
+                                      </p:tavLst>
+                                    </p:anim>
+                                    <p:anim calcmode="lin" valueType="num">
+                                      <p:cBhvr>
+                                        <p:cTn id="8" dur="500" fill="hold"/>
+                                        <p:tgtEl>
+                                          <p:spTgt spid="3">
+                                            <p:txEl>
+                                              <p:pRg st="0" end="0"/>
+                                            </p:txEl>
+                                          </p:spTgt>
+                                        </p:tgtEl>
+                                        <p:attrNameLst>
+                                          <p:attrName>ppt_h</p:attrName>
+                                        </p:attrNameLst>
+                                      </p:cBhvr>
+                                      <p:tavLst>
+                                        <p:tav tm="0">
+                                          <p:val>
+                                            <p:fltVal val="0"/>
+                                          </p:val>
+                                        </p:tav>
+                                        <p:tav tm="100000">
+                                          <p:val>
+                                            <p:strVal val="#ppt_h"/>
+                                          </p:val>
+                                        </p:tav>
+                                      </p:tavLst>
+                                    </p:anim>
+                                    <p:animEffect transition="in" filter="fade">
+                                      <p:cBhvr>
+                                        <p:cTn id="9" dur="500"/>
+                                        <p:tgtEl>
+                                          <p:spTgt spid="3">
+                                            <p:txEl>
+                                              <p:pRg st="0" end="0"/>
+                                            </p:txEl>
+                                          </p:spTgt>
+                                        </p:tgtEl>
+                                      </p:cBhvr>
+                                    </p:animEffect>
+                                  </p:childTnLst>
+                                </p:cTn>
+                              </p:par>
+                            </p:childTnLst>
+                          </p:cTn>
+                        </p:par>
+                      </p:childTnLst>
+                    </p:cTn>
+                  </p:par>
+                  <p:par>
+                    <p:cTn id="10" fill="hold">
+                      <p:stCondLst>
+                        <p:cond delay="indefinite"/>
+                      </p:stCondLst>
+                      <p:childTnLst>
+                        <p:par>
+                          <p:cTn id="11" fill="hold">
+                            <p:stCondLst>
+                              <p:cond delay="0"/>
+                            </p:stCondLst>
+                            <p:childTnLst>
+                              <p:par>
+                                <p:cTn id="12" presetID="22" presetClass="entr" presetSubtype="4" fill="hold" nodeType="clickEffect">
+                                  <p:stCondLst>
+                                    <p:cond delay="0"/>
+                                  </p:stCondLst>
+                                  <p:childTnLst>
+                                    <p:set>
+                                      <p:cBhvr>
+                                        <p:cTn id="13" dur="1" fill="hold">
+                                          <p:stCondLst>
+                                            <p:cond delay="0"/>
+                                          </p:stCondLst>
+                                        </p:cTn>
+                                        <p:tgtEl>
+                                          <p:spTgt spid="5"/>
+                                        </p:tgtEl>
+                                        <p:attrNameLst>
+                                          <p:attrName>style.visibility</p:attrName>
+                                        </p:attrNameLst>
+                                      </p:cBhvr>
+                                      <p:to>
+                                        <p:strVal val="visible"/>
+                                      </p:to>
+                                    </p:set>
+                                    <p:animEffect transition="in" filter="wipe(down)">
+                                      <p:cBhvr>
+                                        <p:cTn id="14" dur="500"/>
+                                        <p:tgtEl>
+                                          <p:spTgt spid="5"/>
+                                        </p:tgtEl>
+                                      </p:cBhvr>
+                                    </p:animEffect>
+                                  </p:childTnLst>
+                                </p:cTn>
+                              </p:par>
+                            </p:childTnLst>
+                          </p:cTn>
+                        </p:par>
+                      </p:childTnLst>
+                    </p:cTn>
+                  </p:par>
+                </p:childTnLst>
+              </p:cTn>
+              <p:prevCondLst>
+                <p:cond evt="onPrev" delay="0">
+                  <p:tgtEl>
+                    <p:sldTgt/>
+                  </p:tgtEl>
+                </p:cond>
+              </p:prevCondLst>
+              <p:nextCondLst>
+                <p:cond evt="onNext" delay="0">
+                  <p:tgtEl>
+                    <p:sldTgt/>
+                  </p:tgtEl>
+                </p:cond>
+              </p:nextCondLst>
+            </p:seq>
+          </p:childTnLst>
+        </p:cTn>
+      </p:par>
+    </p:tnLst>
+  </p:timing>
+</p:sld>
+</file>
+
+<file path=ppt/slides/slide40.xml><?xml version="1.0" encoding="utf-8"?>
+<p:sld xmlns:a="http://schemas.openxmlformats.org/drawingml/2006/main" xmlns:r="http://schemas.openxmlformats.org/officeDocument/2006/relationships" xmlns:p="http://schemas.openxmlformats.org/presentationml/2006/main">
+  <p:cSld>
+    <p:spTree>
+      <p:nvGrpSpPr>
+        <p:cNvPr id="1" name=""/>
+        <p:cNvGrpSpPr/>
+        <p:nvPr/>
+      </p:nvGrpSpPr>
+      <p:grpSpPr>
+        <a:xfrm>
+          <a:off x="0" y="0"/>
+          <a:ext cx="0" cy="0"/>
+          <a:chOff x="0" y="0"/>
+          <a:chExt cx="0" cy="0"/>
+        </a:xfrm>
+      </p:grpSpPr>
+      <p:sp>
+        <p:nvSpPr>
+          <p:cNvPr id="2" name="Title 1"/>
+          <p:cNvSpPr>
+            <a:spLocks noGrp="1"/>
+          </p:cNvSpPr>
+          <p:nvPr>
+            <p:ph type="title"/>
+          </p:nvPr>
+        </p:nvSpPr>
+        <p:spPr/>
+        <p:txBody>
+          <a:bodyPr/>
+          <a:lstStyle/>
+          <a:p>
+            <a:r>
+              <a:rPr lang="en-US" smtClean="0">
+                <a:latin typeface="Calibri" panose="020F0502020204030204" pitchFamily="34" charset="0"/>
+                <a:cs typeface="Calibri" panose="020F0502020204030204" pitchFamily="34" charset="0"/>
+              </a:rPr>
+              <a:t>5.3. </a:t>
+            </a:r>
+            <a:r>
+              <a:rPr lang="vi-VN">
+                <a:latin typeface="Calibri" panose="020F0502020204030204" pitchFamily="34" charset="0"/>
+                <a:cs typeface="Calibri" panose="020F0502020204030204" pitchFamily="34" charset="0"/>
+              </a:rPr>
+              <a:t>Kết quả đạt được</a:t>
+            </a:r>
+          </a:p>
+        </p:txBody>
+      </p:sp>
+      <p:sp>
+        <p:nvSpPr>
+          <p:cNvPr id="3" name="Content Placeholder 2"/>
+          <p:cNvSpPr>
+            <a:spLocks noGrp="1"/>
+          </p:cNvSpPr>
+          <p:nvPr>
+            <p:ph idx="1"/>
+          </p:nvPr>
+        </p:nvSpPr>
+        <p:spPr>
+          <a:xfrm>
+            <a:off x="1154955" y="2292439"/>
+            <a:ext cx="8761412" cy="3727361"/>
+          </a:xfrm>
+        </p:spPr>
+        <p:txBody>
+          <a:bodyPr>
+            <a:normAutofit lnSpcReduction="10000"/>
+          </a:bodyPr>
+          <a:lstStyle/>
+          <a:p>
+            <a:pPr>
+              <a:buFont typeface="Wingdings" panose="05000000000000000000" pitchFamily="2" charset="2"/>
+              <a:buChar char="q"/>
+            </a:pPr>
+            <a:r>
+              <a:rPr lang="vi-VN" sz="2800" smtClean="0">
+                <a:latin typeface="Calibri" panose="020F0502020204030204" pitchFamily="34" charset="0"/>
+                <a:cs typeface="Calibri" panose="020F0502020204030204" pitchFamily="34" charset="0"/>
+              </a:rPr>
+              <a:t>Hệ </a:t>
+            </a:r>
+            <a:r>
+              <a:rPr lang="vi-VN" sz="2800">
+                <a:latin typeface="Calibri" panose="020F0502020204030204" pitchFamily="34" charset="0"/>
+                <a:cs typeface="Calibri" panose="020F0502020204030204" pitchFamily="34" charset="0"/>
+              </a:rPr>
+              <a:t>thống đã hoàn thiện được các chức năng cơ bản sau</a:t>
+            </a:r>
+            <a:r>
+              <a:rPr lang="en-US" sz="2800" smtClean="0">
+                <a:latin typeface="Calibri" panose="020F0502020204030204" pitchFamily="34" charset="0"/>
+                <a:cs typeface="Calibri" panose="020F0502020204030204" pitchFamily="34" charset="0"/>
+              </a:rPr>
+              <a:t>:</a:t>
+            </a:r>
+            <a:endParaRPr lang="vi-VN" sz="2800">
+              <a:latin typeface="Calibri" panose="020F0502020204030204" pitchFamily="34" charset="0"/>
+              <a:cs typeface="Calibri" panose="020F0502020204030204" pitchFamily="34" charset="0"/>
+            </a:endParaRPr>
+          </a:p>
+          <a:p>
+            <a:pPr lvl="1">
+              <a:buFont typeface="Wingdings" panose="05000000000000000000" pitchFamily="2" charset="2"/>
+              <a:buChar char="Ø"/>
+            </a:pPr>
+            <a:r>
+              <a:rPr lang="en-US" sz="2400">
+                <a:latin typeface="Calibri" panose="020F0502020204030204" pitchFamily="34" charset="0"/>
+                <a:cs typeface="Calibri" panose="020F0502020204030204" pitchFamily="34" charset="0"/>
+              </a:rPr>
+              <a:t>Tìm kiếm khách sạn, nhà trọ</a:t>
+            </a:r>
+            <a:endParaRPr lang="vi-VN" sz="2400">
+              <a:latin typeface="Calibri" panose="020F0502020204030204" pitchFamily="34" charset="0"/>
+              <a:cs typeface="Calibri" panose="020F0502020204030204" pitchFamily="34" charset="0"/>
+            </a:endParaRPr>
+          </a:p>
+          <a:p>
+            <a:pPr lvl="1">
+              <a:buFont typeface="Wingdings" panose="05000000000000000000" pitchFamily="2" charset="2"/>
+              <a:buChar char="Ø"/>
+            </a:pPr>
+            <a:r>
+              <a:rPr lang="en-US" sz="2400">
+                <a:latin typeface="Calibri" panose="020F0502020204030204" pitchFamily="34" charset="0"/>
+                <a:cs typeface="Calibri" panose="020F0502020204030204" pitchFamily="34" charset="0"/>
+              </a:rPr>
+              <a:t>Sắp xếp kết quả tìm kiếm theo giá, điểm xếp hạng</a:t>
+            </a:r>
+            <a:endParaRPr lang="vi-VN" sz="2400">
+              <a:latin typeface="Calibri" panose="020F0502020204030204" pitchFamily="34" charset="0"/>
+              <a:cs typeface="Calibri" panose="020F0502020204030204" pitchFamily="34" charset="0"/>
+            </a:endParaRPr>
+          </a:p>
+          <a:p>
+            <a:pPr lvl="1">
+              <a:buFont typeface="Wingdings" panose="05000000000000000000" pitchFamily="2" charset="2"/>
+              <a:buChar char="Ø"/>
+            </a:pPr>
+            <a:r>
+              <a:rPr lang="en-US" sz="2400">
+                <a:latin typeface="Calibri" panose="020F0502020204030204" pitchFamily="34" charset="0"/>
+                <a:cs typeface="Calibri" panose="020F0502020204030204" pitchFamily="34" charset="0"/>
+              </a:rPr>
+              <a:t>Đăng tin thuê nhà</a:t>
+            </a:r>
+            <a:endParaRPr lang="vi-VN" sz="2400">
+              <a:latin typeface="Calibri" panose="020F0502020204030204" pitchFamily="34" charset="0"/>
+              <a:cs typeface="Calibri" panose="020F0502020204030204" pitchFamily="34" charset="0"/>
+            </a:endParaRPr>
+          </a:p>
+          <a:p>
+            <a:pPr lvl="1">
+              <a:buFont typeface="Wingdings" panose="05000000000000000000" pitchFamily="2" charset="2"/>
+              <a:buChar char="Ø"/>
+            </a:pPr>
+            <a:r>
+              <a:rPr lang="en-US" sz="2400">
+                <a:latin typeface="Calibri" panose="020F0502020204030204" pitchFamily="34" charset="0"/>
+                <a:cs typeface="Calibri" panose="020F0502020204030204" pitchFamily="34" charset="0"/>
+              </a:rPr>
+              <a:t>Bình luận, đánh giá chất lượng của </a:t>
+            </a:r>
+            <a:r>
+              <a:rPr lang="en-US" sz="2400" smtClean="0">
+                <a:latin typeface="Calibri" panose="020F0502020204030204" pitchFamily="34" charset="0"/>
+                <a:cs typeface="Calibri" panose="020F0502020204030204" pitchFamily="34" charset="0"/>
+              </a:rPr>
+              <a:t>khách sạn, nhà </a:t>
+            </a:r>
+            <a:r>
+              <a:rPr lang="en-US" sz="2400">
+                <a:latin typeface="Calibri" panose="020F0502020204030204" pitchFamily="34" charset="0"/>
+                <a:cs typeface="Calibri" panose="020F0502020204030204" pitchFamily="34" charset="0"/>
+              </a:rPr>
+              <a:t>trọ</a:t>
+            </a:r>
+            <a:endParaRPr lang="vi-VN" sz="2400">
+              <a:latin typeface="Calibri" panose="020F0502020204030204" pitchFamily="34" charset="0"/>
+              <a:cs typeface="Calibri" panose="020F0502020204030204" pitchFamily="34" charset="0"/>
+            </a:endParaRPr>
+          </a:p>
+          <a:p>
+            <a:pPr lvl="1">
+              <a:buFont typeface="Wingdings" panose="05000000000000000000" pitchFamily="2" charset="2"/>
+              <a:buChar char="Ø"/>
+            </a:pPr>
+            <a:r>
+              <a:rPr lang="en-US" sz="2400">
+                <a:latin typeface="Calibri" panose="020F0502020204030204" pitchFamily="34" charset="0"/>
+                <a:cs typeface="Calibri" panose="020F0502020204030204" pitchFamily="34" charset="0"/>
+              </a:rPr>
+              <a:t>Đăng nhập, đăng ký, đăng xuất</a:t>
+            </a:r>
+            <a:endParaRPr lang="vi-VN" sz="2400">
+              <a:latin typeface="Calibri" panose="020F0502020204030204" pitchFamily="34" charset="0"/>
+              <a:cs typeface="Calibri" panose="020F0502020204030204" pitchFamily="34" charset="0"/>
+            </a:endParaRPr>
+          </a:p>
+          <a:p>
+            <a:pPr lvl="1">
+              <a:buFont typeface="Wingdings" panose="05000000000000000000" pitchFamily="2" charset="2"/>
+              <a:buChar char="Ø"/>
+            </a:pPr>
+            <a:r>
+              <a:rPr lang="en-US" sz="2400">
+                <a:latin typeface="Calibri" panose="020F0502020204030204" pitchFamily="34" charset="0"/>
+                <a:cs typeface="Calibri" panose="020F0502020204030204" pitchFamily="34" charset="0"/>
+              </a:rPr>
+              <a:t>Hỗ trợ hai ngôn ngữ tiếng Anh và tiếng Việt (áp dụng với người dùng truy cập hệ thống bằng website)</a:t>
+            </a:r>
+            <a:endParaRPr lang="vi-VN" sz="2400">
+              <a:latin typeface="Calibri" panose="020F0502020204030204" pitchFamily="34" charset="0"/>
+              <a:cs typeface="Calibri" panose="020F0502020204030204" pitchFamily="34" charset="0"/>
+            </a:endParaRPr>
+          </a:p>
+          <a:p>
+            <a:pPr lvl="1">
+              <a:buFont typeface="Wingdings" panose="05000000000000000000" pitchFamily="2" charset="2"/>
+              <a:buChar char="Ø"/>
+            </a:pPr>
+            <a:endParaRPr lang="vi-VN"/>
+          </a:p>
+        </p:txBody>
+      </p:sp>
+      <p:sp>
+        <p:nvSpPr>
+          <p:cNvPr id="4" name="Slide Number Placeholder 3"/>
+          <p:cNvSpPr>
+            <a:spLocks noGrp="1"/>
+          </p:cNvSpPr>
+          <p:nvPr>
+            <p:ph type="sldNum" sz="quarter" idx="12"/>
+          </p:nvPr>
+        </p:nvSpPr>
+        <p:spPr/>
+        <p:txBody>
+          <a:bodyPr/>
+          <a:lstStyle/>
+          <a:p>
+            <a:fld id="{C324A925-7661-4EF3-817D-D476B64924D2}" type="slidenum">
+              <a:rPr lang="vi-VN" smtClean="0"/>
+              <a:t>40</a:t>
             </a:fld>
             <a:endParaRPr lang="vi-VN"/>
           </a:p>
@@ -21504,7 +21870,7 @@
 </p:sld>
 </file>
 
-<file path=ppt/slides/slide4.xml><?xml version="1.0" encoding="utf-8"?>
+<file path=ppt/slides/slide41.xml><?xml version="1.0" encoding="utf-8"?>
 <p:sld xmlns:a="http://schemas.openxmlformats.org/drawingml/2006/main" xmlns:r="http://schemas.openxmlformats.org/officeDocument/2006/relationships" xmlns:p="http://schemas.openxmlformats.org/presentationml/2006/main">
   <p:cSld>
     <p:spTree>
@@ -21537,154 +21903,6 @@
           <a:lstStyle/>
           <a:p>
             <a:r>
-              <a:rPr lang="en-US" smtClean="0">
-                <a:latin typeface="Calibri" panose="020F0502020204030204" pitchFamily="34" charset="0"/>
-                <a:cs typeface="Calibri" panose="020F0502020204030204" pitchFamily="34" charset="0"/>
-              </a:rPr>
-              <a:t>2. Cơ sở lý thuyết</a:t>
-            </a:r>
-            <a:endParaRPr lang="vi-VN">
-              <a:latin typeface="Calibri" panose="020F0502020204030204" pitchFamily="34" charset="0"/>
-              <a:cs typeface="Calibri" panose="020F0502020204030204" pitchFamily="34" charset="0"/>
-            </a:endParaRPr>
-          </a:p>
-        </p:txBody>
-      </p:sp>
-      <p:sp>
-        <p:nvSpPr>
-          <p:cNvPr id="3" name="Content Placeholder 2"/>
-          <p:cNvSpPr>
-            <a:spLocks noGrp="1"/>
-          </p:cNvSpPr>
-          <p:nvPr>
-            <p:ph idx="1"/>
-          </p:nvPr>
-        </p:nvSpPr>
-        <p:spPr>
-          <a:xfrm>
-            <a:off x="1154953" y="2189408"/>
-            <a:ext cx="10035784" cy="3688724"/>
-          </a:xfrm>
-        </p:spPr>
-        <p:txBody>
-          <a:bodyPr>
-            <a:normAutofit/>
-          </a:bodyPr>
-          <a:lstStyle/>
-          <a:p>
-            <a:pPr marL="0" indent="0">
-              <a:buNone/>
-            </a:pPr>
-            <a:r>
-              <a:rPr lang="en-US" sz="2800" smtClean="0">
-                <a:latin typeface="Segoe UI" panose="020B0502040204020203" pitchFamily="34" charset="0"/>
-                <a:cs typeface="Segoe UI" panose="020B0502040204020203" pitchFamily="34" charset="0"/>
-              </a:rPr>
-              <a:t>Sau </a:t>
-            </a:r>
-            <a:r>
-              <a:rPr lang="vi-VN" sz="2800">
-                <a:latin typeface="Segoe UI" panose="020B0502040204020203" pitchFamily="34" charset="0"/>
-                <a:cs typeface="Segoe UI" panose="020B0502040204020203" pitchFamily="34" charset="0"/>
-              </a:rPr>
-              <a:t>đây là một số công nghệ, công cụ được sử dụng trong hệ </a:t>
-            </a:r>
-            <a:r>
-              <a:rPr lang="vi-VN" sz="2800" smtClean="0">
-                <a:latin typeface="Segoe UI" panose="020B0502040204020203" pitchFamily="34" charset="0"/>
-                <a:cs typeface="Segoe UI" panose="020B0502040204020203" pitchFamily="34" charset="0"/>
-              </a:rPr>
-              <a:t>thống</a:t>
-            </a:r>
-            <a:endParaRPr lang="en-US" sz="2800" smtClean="0">
-              <a:latin typeface="Segoe UI" panose="020B0502040204020203" pitchFamily="34" charset="0"/>
-              <a:cs typeface="Segoe UI" panose="020B0502040204020203" pitchFamily="34" charset="0"/>
-            </a:endParaRPr>
-          </a:p>
-          <a:p>
-            <a:endParaRPr lang="vi-VN">
-              <a:latin typeface="Segoe UI" panose="020B0502040204020203" pitchFamily="34" charset="0"/>
-              <a:cs typeface="Segoe UI" panose="020B0502040204020203" pitchFamily="34" charset="0"/>
-            </a:endParaRPr>
-          </a:p>
-        </p:txBody>
-      </p:sp>
-      <p:sp>
-        <p:nvSpPr>
-          <p:cNvPr id="4" name="Slide Number Placeholder 3"/>
-          <p:cNvSpPr>
-            <a:spLocks noGrp="1"/>
-          </p:cNvSpPr>
-          <p:nvPr>
-            <p:ph type="sldNum" sz="quarter" idx="12"/>
-          </p:nvPr>
-        </p:nvSpPr>
-        <p:spPr/>
-        <p:txBody>
-          <a:bodyPr/>
-          <a:lstStyle/>
-          <a:p>
-            <a:fld id="{C324A925-7661-4EF3-817D-D476B64924D2}" type="slidenum">
-              <a:rPr lang="vi-VN" smtClean="0"/>
-              <a:t>4</a:t>
-            </a:fld>
-            <a:endParaRPr lang="vi-VN"/>
-          </a:p>
-        </p:txBody>
-      </p:sp>
-    </p:spTree>
-    <p:extLst>
-      <p:ext uri="{BB962C8B-B14F-4D97-AF65-F5344CB8AC3E}">
-        <p14:creationId xmlns:p14="http://schemas.microsoft.com/office/powerpoint/2010/main" val="3127245943"/>
-      </p:ext>
-    </p:extLst>
-  </p:cSld>
-  <p:clrMapOvr>
-    <a:masterClrMapping/>
-  </p:clrMapOvr>
-  <p:timing>
-    <p:tnLst>
-      <p:par>
-        <p:cTn id="1" dur="indefinite" restart="never" nodeType="tmRoot"/>
-      </p:par>
-    </p:tnLst>
-  </p:timing>
-</p:sld>
-</file>
-
-<file path=ppt/slides/slide40.xml><?xml version="1.0" encoding="utf-8"?>
-<p:sld xmlns:a="http://schemas.openxmlformats.org/drawingml/2006/main" xmlns:r="http://schemas.openxmlformats.org/officeDocument/2006/relationships" xmlns:p="http://schemas.openxmlformats.org/presentationml/2006/main">
-  <p:cSld>
-    <p:spTree>
-      <p:nvGrpSpPr>
-        <p:cNvPr id="1" name=""/>
-        <p:cNvGrpSpPr/>
-        <p:nvPr/>
-      </p:nvGrpSpPr>
-      <p:grpSpPr>
-        <a:xfrm>
-          <a:off x="0" y="0"/>
-          <a:ext cx="0" cy="0"/>
-          <a:chOff x="0" y="0"/>
-          <a:chExt cx="0" cy="0"/>
-        </a:xfrm>
-      </p:grpSpPr>
-      <p:sp>
-        <p:nvSpPr>
-          <p:cNvPr id="2" name="Title 1"/>
-          <p:cNvSpPr>
-            <a:spLocks noGrp="1"/>
-          </p:cNvSpPr>
-          <p:nvPr>
-            <p:ph type="title"/>
-          </p:nvPr>
-        </p:nvSpPr>
-        <p:spPr/>
-        <p:txBody>
-          <a:bodyPr/>
-          <a:lstStyle/>
-          <a:p>
-            <a:r>
               <a:rPr lang="vi-VN">
                 <a:latin typeface="Calibri" panose="020F0502020204030204" pitchFamily="34" charset="0"/>
                 <a:cs typeface="Calibri" panose="020F0502020204030204" pitchFamily="34" charset="0"/>
@@ -21850,7 +22068,7 @@
           <a:p>
             <a:fld id="{C324A925-7661-4EF3-817D-D476B64924D2}" type="slidenum">
               <a:rPr lang="vi-VN" smtClean="0"/>
-              <a:t>40</a:t>
+              <a:t>41</a:t>
             </a:fld>
             <a:endParaRPr lang="vi-VN"/>
           </a:p>
@@ -22620,7 +22838,7 @@
 </p:sld>
 </file>
 
-<file path=ppt/slides/slide41.xml><?xml version="1.0" encoding="utf-8"?>
+<file path=ppt/slides/slide42.xml><?xml version="1.0" encoding="utf-8"?>
 <p:sld xmlns:a="http://schemas.openxmlformats.org/drawingml/2006/main" xmlns:r="http://schemas.openxmlformats.org/officeDocument/2006/relationships" xmlns:p="http://schemas.openxmlformats.org/presentationml/2006/main">
   <p:cSld>
     <p:spTree>
@@ -22886,7 +23104,7 @@
           <a:p>
             <a:fld id="{C324A925-7661-4EF3-817D-D476B64924D2}" type="slidenum">
               <a:rPr lang="vi-VN" smtClean="0"/>
-              <a:t>41</a:t>
+              <a:t>42</a:t>
             </a:fld>
             <a:endParaRPr lang="vi-VN"/>
           </a:p>
@@ -23553,7 +23771,215 @@
 </p:sld>
 </file>
 
-<file path=ppt/slides/slide42.xml><?xml version="1.0" encoding="utf-8"?>
+<file path=ppt/slides/slide43.xml><?xml version="1.0" encoding="utf-8"?>
+<p:sld xmlns:a="http://schemas.openxmlformats.org/drawingml/2006/main" xmlns:r="http://schemas.openxmlformats.org/officeDocument/2006/relationships" xmlns:p="http://schemas.openxmlformats.org/presentationml/2006/main">
+  <p:cSld>
+    <p:spTree>
+      <p:nvGrpSpPr>
+        <p:cNvPr id="1" name=""/>
+        <p:cNvGrpSpPr/>
+        <p:nvPr/>
+      </p:nvGrpSpPr>
+      <p:grpSpPr>
+        <a:xfrm>
+          <a:off x="0" y="0"/>
+          <a:ext cx="0" cy="0"/>
+          <a:chOff x="0" y="0"/>
+          <a:chExt cx="0" cy="0"/>
+        </a:xfrm>
+      </p:grpSpPr>
+      <p:sp>
+        <p:nvSpPr>
+          <p:cNvPr id="2" name="Title 1"/>
+          <p:cNvSpPr>
+            <a:spLocks noGrp="1"/>
+          </p:cNvSpPr>
+          <p:nvPr>
+            <p:ph type="title"/>
+          </p:nvPr>
+        </p:nvSpPr>
+        <p:spPr/>
+        <p:txBody>
+          <a:bodyPr/>
+          <a:lstStyle/>
+          <a:p>
+            <a:r>
+              <a:rPr lang="en-US" smtClean="0">
+                <a:latin typeface="Calibri" panose="020F0502020204030204" pitchFamily="34" charset="0"/>
+                <a:cs typeface="Calibri" panose="020F0502020204030204" pitchFamily="34" charset="0"/>
+              </a:rPr>
+              <a:t>5.5. </a:t>
+            </a:r>
+            <a:r>
+              <a:rPr lang="vi-VN">
+                <a:latin typeface="Calibri" panose="020F0502020204030204" pitchFamily="34" charset="0"/>
+                <a:cs typeface="Calibri" panose="020F0502020204030204" pitchFamily="34" charset="0"/>
+              </a:rPr>
+              <a:t>Phương hướng phát </a:t>
+            </a:r>
+            <a:r>
+              <a:rPr lang="vi-VN" smtClean="0">
+                <a:latin typeface="Calibri" panose="020F0502020204030204" pitchFamily="34" charset="0"/>
+                <a:cs typeface="Calibri" panose="020F0502020204030204" pitchFamily="34" charset="0"/>
+              </a:rPr>
+              <a:t>triển</a:t>
+            </a:r>
+            <a:endParaRPr lang="vi-VN">
+              <a:latin typeface="Calibri" panose="020F0502020204030204" pitchFamily="34" charset="0"/>
+              <a:cs typeface="Calibri" panose="020F0502020204030204" pitchFamily="34" charset="0"/>
+            </a:endParaRPr>
+          </a:p>
+        </p:txBody>
+      </p:sp>
+      <p:sp>
+        <p:nvSpPr>
+          <p:cNvPr id="3" name="Content Placeholder 2"/>
+          <p:cNvSpPr>
+            <a:spLocks noGrp="1"/>
+          </p:cNvSpPr>
+          <p:nvPr>
+            <p:ph idx="1"/>
+          </p:nvPr>
+        </p:nvSpPr>
+        <p:spPr>
+          <a:xfrm>
+            <a:off x="1154955" y="2343955"/>
+            <a:ext cx="8761412" cy="4134117"/>
+          </a:xfrm>
+        </p:spPr>
+        <p:txBody>
+          <a:bodyPr>
+            <a:normAutofit fontScale="92500" lnSpcReduction="10000"/>
+          </a:bodyPr>
+          <a:lstStyle/>
+          <a:p>
+            <a:pPr>
+              <a:buFont typeface="Wingdings" panose="05000000000000000000" pitchFamily="2" charset="2"/>
+              <a:buChar char="q"/>
+            </a:pPr>
+            <a:r>
+              <a:rPr lang="en-US" sz="2800" smtClean="0">
+                <a:latin typeface="Calibri" panose="020F0502020204030204" pitchFamily="34" charset="0"/>
+                <a:cs typeface="Calibri" panose="020F0502020204030204" pitchFamily="34" charset="0"/>
+              </a:rPr>
+              <a:t>Một số chức năng nhỏ có thể cải tiến thêm:</a:t>
+            </a:r>
+          </a:p>
+          <a:p>
+            <a:pPr lvl="1">
+              <a:buFont typeface="Wingdings" panose="05000000000000000000" pitchFamily="2" charset="2"/>
+              <a:buChar char="Ø"/>
+            </a:pPr>
+            <a:r>
+              <a:rPr lang="en-US" sz="2600" smtClean="0">
+                <a:latin typeface="Calibri" panose="020F0502020204030204" pitchFamily="34" charset="0"/>
+                <a:cs typeface="Calibri" panose="020F0502020204030204" pitchFamily="34" charset="0"/>
+              </a:rPr>
+              <a:t>Khi bài đăng không được duyệt, người dùng cần nhận được thông báo lý do tại sao</a:t>
+            </a:r>
+          </a:p>
+          <a:p>
+            <a:pPr lvl="1">
+              <a:buFont typeface="Wingdings" panose="05000000000000000000" pitchFamily="2" charset="2"/>
+              <a:buChar char="Ø"/>
+            </a:pPr>
+            <a:r>
+              <a:rPr lang="en-US" sz="2600" smtClean="0">
+                <a:latin typeface="Calibri" panose="020F0502020204030204" pitchFamily="34" charset="0"/>
+                <a:cs typeface="Calibri" panose="020F0502020204030204" pitchFamily="34" charset="0"/>
+              </a:rPr>
+              <a:t>Khi bài đăng được duyệt, người dùng cũng nhận được thông báo thành công</a:t>
+            </a:r>
+          </a:p>
+          <a:p>
+            <a:pPr lvl="1">
+              <a:buFont typeface="Wingdings" panose="05000000000000000000" pitchFamily="2" charset="2"/>
+              <a:buChar char="Ø"/>
+            </a:pPr>
+            <a:r>
+              <a:rPr lang="en-US" sz="2600" smtClean="0">
+                <a:latin typeface="Calibri" panose="020F0502020204030204" pitchFamily="34" charset="0"/>
+                <a:cs typeface="Calibri" panose="020F0502020204030204" pitchFamily="34" charset="0"/>
+              </a:rPr>
+              <a:t>Phần hiển thị khách sạn trên bản đồ: chỉ hiển thị số lượng khách sạn tương ứng với mức zoom (zoom càng to thì càng hiển thị nhiều và ngược lại)</a:t>
+            </a:r>
+          </a:p>
+          <a:p>
+            <a:pPr lvl="1">
+              <a:buFont typeface="Wingdings" panose="05000000000000000000" pitchFamily="2" charset="2"/>
+              <a:buChar char="Ø"/>
+            </a:pPr>
+            <a:r>
+              <a:rPr lang="en-US" sz="2600" smtClean="0">
+                <a:latin typeface="Calibri" panose="020F0502020204030204" pitchFamily="34" charset="0"/>
+                <a:cs typeface="Calibri" panose="020F0502020204030204" pitchFamily="34" charset="0"/>
+              </a:rPr>
+              <a:t>Hiển thị các nhà trọ trên bản đồ, giống khách sạn</a:t>
+            </a:r>
+          </a:p>
+          <a:p>
+            <a:pPr lvl="1">
+              <a:buFont typeface="Wingdings" panose="05000000000000000000" pitchFamily="2" charset="2"/>
+              <a:buChar char="Ø"/>
+            </a:pPr>
+            <a:r>
+              <a:rPr lang="en-US" sz="2600" smtClean="0">
+                <a:latin typeface="Calibri" panose="020F0502020204030204" pitchFamily="34" charset="0"/>
+                <a:cs typeface="Calibri" panose="020F0502020204030204" pitchFamily="34" charset="0"/>
+              </a:rPr>
+              <a:t>…</a:t>
+            </a:r>
+            <a:endParaRPr lang="vi-VN" sz="2600" smtClean="0">
+              <a:latin typeface="Calibri" panose="020F0502020204030204" pitchFamily="34" charset="0"/>
+              <a:cs typeface="Calibri" panose="020F0502020204030204" pitchFamily="34" charset="0"/>
+            </a:endParaRPr>
+          </a:p>
+        </p:txBody>
+      </p:sp>
+      <p:sp>
+        <p:nvSpPr>
+          <p:cNvPr id="4" name="Slide Number Placeholder 3"/>
+          <p:cNvSpPr>
+            <a:spLocks noGrp="1"/>
+          </p:cNvSpPr>
+          <p:nvPr>
+            <p:ph type="sldNum" sz="quarter" idx="12"/>
+          </p:nvPr>
+        </p:nvSpPr>
+        <p:spPr/>
+        <p:txBody>
+          <a:bodyPr/>
+          <a:lstStyle/>
+          <a:p>
+            <a:fld id="{C324A925-7661-4EF3-817D-D476B64924D2}" type="slidenum">
+              <a:rPr lang="vi-VN" smtClean="0"/>
+              <a:t>43</a:t>
+            </a:fld>
+            <a:endParaRPr lang="vi-VN"/>
+          </a:p>
+        </p:txBody>
+      </p:sp>
+    </p:spTree>
+    <p:extLst>
+      <p:ext uri="{BB962C8B-B14F-4D97-AF65-F5344CB8AC3E}">
+        <p14:creationId xmlns:p14="http://schemas.microsoft.com/office/powerpoint/2010/main" val="615260676"/>
+      </p:ext>
+    </p:extLst>
+  </p:cSld>
+  <p:clrMapOvr>
+    <a:masterClrMapping/>
+  </p:clrMapOvr>
+  <p:timing>
+    <p:tnLst>
+      <p:par>
+        <p:cTn id="1" dur="indefinite" restart="never" nodeType="tmRoot"/>
+      </p:par>
+    </p:tnLst>
+  </p:timing>
+</p:sld>
+</file>
+
+<file path=ppt/slides/slide44.xml><?xml version="1.0" encoding="utf-8"?>
 <p:sld xmlns:a="http://schemas.openxmlformats.org/drawingml/2006/main" xmlns:r="http://schemas.openxmlformats.org/officeDocument/2006/relationships" xmlns:p="http://schemas.openxmlformats.org/presentationml/2006/main">
   <p:cSld>
     <p:spTree>
@@ -23622,7 +24048,7 @@
           <a:p>
             <a:fld id="{C324A925-7661-4EF3-817D-D476B64924D2}" type="slidenum">
               <a:rPr lang="vi-VN" smtClean="0"/>
-              <a:t>42</a:t>
+              <a:t>44</a:t>
             </a:fld>
             <a:endParaRPr lang="vi-VN"/>
           </a:p>
@@ -23821,6 +24247,65 @@
       </p:sp>
       <p:sp>
         <p:nvSpPr>
+          <p:cNvPr id="3" name="Content Placeholder 2"/>
+          <p:cNvSpPr>
+            <a:spLocks noGrp="1"/>
+          </p:cNvSpPr>
+          <p:nvPr>
+            <p:ph idx="1"/>
+          </p:nvPr>
+        </p:nvSpPr>
+        <p:spPr>
+          <a:xfrm>
+            <a:off x="1154953" y="2189408"/>
+            <a:ext cx="10035784" cy="3688724"/>
+          </a:xfrm>
+        </p:spPr>
+        <p:txBody>
+          <a:bodyPr>
+            <a:normAutofit/>
+          </a:bodyPr>
+          <a:lstStyle/>
+          <a:p>
+            <a:pPr marL="0" indent="0">
+              <a:buNone/>
+            </a:pPr>
+            <a:r>
+              <a:rPr lang="en-US" sz="2800" smtClean="0">
+                <a:latin typeface="Segoe UI" panose="020B0502040204020203" pitchFamily="34" charset="0"/>
+                <a:cs typeface="Segoe UI" panose="020B0502040204020203" pitchFamily="34" charset="0"/>
+              </a:rPr>
+              <a:t>Sau </a:t>
+            </a:r>
+            <a:r>
+              <a:rPr lang="vi-VN" sz="2800">
+                <a:latin typeface="Segoe UI" panose="020B0502040204020203" pitchFamily="34" charset="0"/>
+                <a:cs typeface="Segoe UI" panose="020B0502040204020203" pitchFamily="34" charset="0"/>
+              </a:rPr>
+              <a:t>đây là một số công nghệ, công cụ được sử dụng trong hệ </a:t>
+            </a:r>
+            <a:r>
+              <a:rPr lang="vi-VN" sz="2800" smtClean="0">
+                <a:latin typeface="Segoe UI" panose="020B0502040204020203" pitchFamily="34" charset="0"/>
+                <a:cs typeface="Segoe UI" panose="020B0502040204020203" pitchFamily="34" charset="0"/>
+              </a:rPr>
+              <a:t>thống</a:t>
+            </a:r>
+            <a:endParaRPr lang="en-US" sz="2800" smtClean="0">
+              <a:latin typeface="Segoe UI" panose="020B0502040204020203" pitchFamily="34" charset="0"/>
+              <a:cs typeface="Segoe UI" panose="020B0502040204020203" pitchFamily="34" charset="0"/>
+            </a:endParaRPr>
+          </a:p>
+          <a:p>
+            <a:endParaRPr lang="vi-VN">
+              <a:latin typeface="Segoe UI" panose="020B0502040204020203" pitchFamily="34" charset="0"/>
+              <a:cs typeface="Segoe UI" panose="020B0502040204020203" pitchFamily="34" charset="0"/>
+            </a:endParaRPr>
+          </a:p>
+        </p:txBody>
+      </p:sp>
+      <p:sp>
+        <p:nvSpPr>
           <p:cNvPr id="4" name="Slide Number Placeholder 3"/>
           <p:cNvSpPr>
             <a:spLocks noGrp="1"/>
@@ -23837,6 +24322,95 @@
             <a:fld id="{C324A925-7661-4EF3-817D-D476B64924D2}" type="slidenum">
               <a:rPr lang="vi-VN" smtClean="0"/>
               <a:t>5</a:t>
+            </a:fld>
+            <a:endParaRPr lang="vi-VN"/>
+          </a:p>
+        </p:txBody>
+      </p:sp>
+    </p:spTree>
+    <p:extLst>
+      <p:ext uri="{BB962C8B-B14F-4D97-AF65-F5344CB8AC3E}">
+        <p14:creationId xmlns:p14="http://schemas.microsoft.com/office/powerpoint/2010/main" val="3127245943"/>
+      </p:ext>
+    </p:extLst>
+  </p:cSld>
+  <p:clrMapOvr>
+    <a:masterClrMapping/>
+  </p:clrMapOvr>
+  <p:timing>
+    <p:tnLst>
+      <p:par>
+        <p:cTn id="1" dur="indefinite" restart="never" nodeType="tmRoot"/>
+      </p:par>
+    </p:tnLst>
+  </p:timing>
+</p:sld>
+</file>
+
+<file path=ppt/slides/slide6.xml><?xml version="1.0" encoding="utf-8"?>
+<p:sld xmlns:a="http://schemas.openxmlformats.org/drawingml/2006/main" xmlns:r="http://schemas.openxmlformats.org/officeDocument/2006/relationships" xmlns:p="http://schemas.openxmlformats.org/presentationml/2006/main">
+  <p:cSld>
+    <p:spTree>
+      <p:nvGrpSpPr>
+        <p:cNvPr id="1" name=""/>
+        <p:cNvGrpSpPr/>
+        <p:nvPr/>
+      </p:nvGrpSpPr>
+      <p:grpSpPr>
+        <a:xfrm>
+          <a:off x="0" y="0"/>
+          <a:ext cx="0" cy="0"/>
+          <a:chOff x="0" y="0"/>
+          <a:chExt cx="0" cy="0"/>
+        </a:xfrm>
+      </p:grpSpPr>
+      <p:sp>
+        <p:nvSpPr>
+          <p:cNvPr id="2" name="Title 1"/>
+          <p:cNvSpPr>
+            <a:spLocks noGrp="1"/>
+          </p:cNvSpPr>
+          <p:nvPr>
+            <p:ph type="title"/>
+          </p:nvPr>
+        </p:nvSpPr>
+        <p:spPr/>
+        <p:txBody>
+          <a:bodyPr/>
+          <a:lstStyle/>
+          <a:p>
+            <a:r>
+              <a:rPr lang="en-US" smtClean="0">
+                <a:latin typeface="Calibri" panose="020F0502020204030204" pitchFamily="34" charset="0"/>
+                <a:cs typeface="Calibri" panose="020F0502020204030204" pitchFamily="34" charset="0"/>
+              </a:rPr>
+              <a:t>2. Cơ sở lý thuyết</a:t>
+            </a:r>
+            <a:endParaRPr lang="vi-VN">
+              <a:latin typeface="Calibri" panose="020F0502020204030204" pitchFamily="34" charset="0"/>
+              <a:cs typeface="Calibri" panose="020F0502020204030204" pitchFamily="34" charset="0"/>
+            </a:endParaRPr>
+          </a:p>
+        </p:txBody>
+      </p:sp>
+      <p:sp>
+        <p:nvSpPr>
+          <p:cNvPr id="4" name="Slide Number Placeholder 3"/>
+          <p:cNvSpPr>
+            <a:spLocks noGrp="1"/>
+          </p:cNvSpPr>
+          <p:nvPr>
+            <p:ph type="sldNum" sz="quarter" idx="12"/>
+          </p:nvPr>
+        </p:nvSpPr>
+        <p:spPr/>
+        <p:txBody>
+          <a:bodyPr/>
+          <a:lstStyle/>
+          <a:p>
+            <a:fld id="{C324A925-7661-4EF3-817D-D476B64924D2}" type="slidenum">
+              <a:rPr lang="vi-VN" smtClean="0"/>
+              <a:t>6</a:t>
             </a:fld>
             <a:endParaRPr lang="vi-VN"/>
           </a:p>
@@ -24704,229 +25278,6 @@
 </p:sld>
 </file>
 
-<file path=ppt/slides/slide6.xml><?xml version="1.0" encoding="utf-8"?>
-<p:sld xmlns:a="http://schemas.openxmlformats.org/drawingml/2006/main" xmlns:r="http://schemas.openxmlformats.org/officeDocument/2006/relationships" xmlns:p="http://schemas.openxmlformats.org/presentationml/2006/main">
-  <p:cSld>
-    <p:spTree>
-      <p:nvGrpSpPr>
-        <p:cNvPr id="1" name=""/>
-        <p:cNvGrpSpPr/>
-        <p:nvPr/>
-      </p:nvGrpSpPr>
-      <p:grpSpPr>
-        <a:xfrm>
-          <a:off x="0" y="0"/>
-          <a:ext cx="0" cy="0"/>
-          <a:chOff x="0" y="0"/>
-          <a:chExt cx="0" cy="0"/>
-        </a:xfrm>
-      </p:grpSpPr>
-      <p:sp>
-        <p:nvSpPr>
-          <p:cNvPr id="2" name="Title 1"/>
-          <p:cNvSpPr>
-            <a:spLocks noGrp="1"/>
-          </p:cNvSpPr>
-          <p:nvPr>
-            <p:ph type="title"/>
-          </p:nvPr>
-        </p:nvSpPr>
-        <p:spPr/>
-        <p:txBody>
-          <a:bodyPr/>
-          <a:lstStyle/>
-          <a:p>
-            <a:r>
-              <a:rPr lang="en-US" smtClean="0">
-                <a:latin typeface="Calibri" panose="020F0502020204030204" pitchFamily="34" charset="0"/>
-                <a:cs typeface="Calibri" panose="020F0502020204030204" pitchFamily="34" charset="0"/>
-              </a:rPr>
-              <a:t>3. Phân tích hệ thống</a:t>
-            </a:r>
-            <a:endParaRPr lang="vi-VN">
-              <a:latin typeface="Calibri" panose="020F0502020204030204" pitchFamily="34" charset="0"/>
-              <a:cs typeface="Calibri" panose="020F0502020204030204" pitchFamily="34" charset="0"/>
-            </a:endParaRPr>
-          </a:p>
-        </p:txBody>
-      </p:sp>
-      <p:sp>
-        <p:nvSpPr>
-          <p:cNvPr id="3" name="Content Placeholder 2"/>
-          <p:cNvSpPr>
-            <a:spLocks noGrp="1"/>
-          </p:cNvSpPr>
-          <p:nvPr>
-            <p:ph idx="1"/>
-          </p:nvPr>
-        </p:nvSpPr>
-        <p:spPr>
-          <a:xfrm>
-            <a:off x="1154955" y="2331076"/>
-            <a:ext cx="10035784" cy="3688724"/>
-          </a:xfrm>
-        </p:spPr>
-        <p:txBody>
-          <a:bodyPr>
-            <a:normAutofit fontScale="92500" lnSpcReduction="10000"/>
-          </a:bodyPr>
-          <a:lstStyle/>
-          <a:p>
-            <a:pPr marL="57150" indent="0">
-              <a:buNone/>
-            </a:pPr>
-            <a:r>
-              <a:rPr lang="en-US" sz="2600" smtClean="0">
-                <a:latin typeface="Calibri" panose="020F0502020204030204" pitchFamily="34" charset="0"/>
-                <a:cs typeface="Calibri" panose="020F0502020204030204" pitchFamily="34" charset="0"/>
-              </a:rPr>
-              <a:t>3.1. Yêu cầu chức năng</a:t>
-            </a:r>
-          </a:p>
-          <a:p>
-            <a:pPr marL="57150" indent="0">
-              <a:buNone/>
-            </a:pPr>
-            <a:r>
-              <a:rPr lang="en-US" sz="2600" smtClean="0">
-                <a:latin typeface="Calibri" panose="020F0502020204030204" pitchFamily="34" charset="0"/>
-                <a:cs typeface="Calibri" panose="020F0502020204030204" pitchFamily="34" charset="0"/>
-              </a:rPr>
-              <a:t>3.2. Yêu cầu phi chức năng</a:t>
-            </a:r>
-          </a:p>
-          <a:p>
-            <a:pPr marL="57150" indent="0">
-              <a:buNone/>
-            </a:pPr>
-            <a:r>
-              <a:rPr lang="en-US" sz="2600" smtClean="0">
-                <a:latin typeface="Calibri" panose="020F0502020204030204" pitchFamily="34" charset="0"/>
-                <a:cs typeface="Calibri" panose="020F0502020204030204" pitchFamily="34" charset="0"/>
-              </a:rPr>
-              <a:t>3.3. Sơ đồ khối của hệ thống</a:t>
-            </a:r>
-          </a:p>
-          <a:p>
-            <a:pPr marL="57150" indent="0">
-              <a:buNone/>
-            </a:pPr>
-            <a:r>
-              <a:rPr lang="en-US" sz="2600" smtClean="0">
-                <a:latin typeface="Calibri" panose="020F0502020204030204" pitchFamily="34" charset="0"/>
-                <a:cs typeface="Calibri" panose="020F0502020204030204" pitchFamily="34" charset="0"/>
-              </a:rPr>
-              <a:t>3.4. Sơ đồ use case</a:t>
-            </a:r>
-          </a:p>
-          <a:p>
-            <a:pPr marL="57150" indent="0">
-              <a:buNone/>
-            </a:pPr>
-            <a:r>
-              <a:rPr lang="en-US" sz="2600" smtClean="0">
-                <a:latin typeface="Calibri" panose="020F0502020204030204" pitchFamily="34" charset="0"/>
-                <a:cs typeface="Calibri" panose="020F0502020204030204" pitchFamily="34" charset="0"/>
-              </a:rPr>
-              <a:t>3.5. Sơ đồ phân rã use case</a:t>
-            </a:r>
-          </a:p>
-          <a:p>
-            <a:pPr marL="57150" indent="0">
-              <a:buNone/>
-            </a:pPr>
-            <a:r>
-              <a:rPr lang="en-US" sz="2600" smtClean="0">
-                <a:latin typeface="Calibri" panose="020F0502020204030204" pitchFamily="34" charset="0"/>
-                <a:cs typeface="Calibri" panose="020F0502020204030204" pitchFamily="34" charset="0"/>
-              </a:rPr>
-              <a:t>3.6. Biểu đồ lớp</a:t>
-            </a:r>
-          </a:p>
-          <a:p>
-            <a:pPr marL="57150" indent="0">
-              <a:buNone/>
-            </a:pPr>
-            <a:r>
-              <a:rPr lang="en-US" sz="2600" smtClean="0">
-                <a:latin typeface="Calibri" panose="020F0502020204030204" pitchFamily="34" charset="0"/>
-                <a:cs typeface="Calibri" panose="020F0502020204030204" pitchFamily="34" charset="0"/>
-              </a:rPr>
-              <a:t>3.7. Biểu đồ hoạt động</a:t>
-            </a:r>
-          </a:p>
-          <a:p>
-            <a:pPr marL="57150" indent="0">
-              <a:buNone/>
-            </a:pPr>
-            <a:r>
-              <a:rPr lang="en-US" sz="2600" smtClean="0">
-                <a:latin typeface="Calibri" panose="020F0502020204030204" pitchFamily="34" charset="0"/>
-                <a:cs typeface="Calibri" panose="020F0502020204030204" pitchFamily="34" charset="0"/>
-              </a:rPr>
-              <a:t>3.8. Biểu đồ tuần tự</a:t>
-            </a:r>
-            <a:endParaRPr lang="vi-VN" sz="2600" smtClean="0">
-              <a:latin typeface="Calibri" panose="020F0502020204030204" pitchFamily="34" charset="0"/>
-              <a:cs typeface="Calibri" panose="020F0502020204030204" pitchFamily="34" charset="0"/>
-            </a:endParaRPr>
-          </a:p>
-          <a:p>
-            <a:endParaRPr lang="en-US" sz="2800" smtClean="0">
-              <a:cs typeface="Segoe UI" panose="020B0502040204020203" pitchFamily="34" charset="0"/>
-            </a:endParaRPr>
-          </a:p>
-          <a:p>
-            <a:endParaRPr lang="vi-VN" sz="2800">
-              <a:latin typeface="Segoe UI" panose="020B0502040204020203" pitchFamily="34" charset="0"/>
-              <a:cs typeface="Segoe UI" panose="020B0502040204020203" pitchFamily="34" charset="0"/>
-            </a:endParaRPr>
-          </a:p>
-        </p:txBody>
-      </p:sp>
-      <p:sp>
-        <p:nvSpPr>
-          <p:cNvPr id="4" name="Slide Number Placeholder 3"/>
-          <p:cNvSpPr>
-            <a:spLocks noGrp="1"/>
-          </p:cNvSpPr>
-          <p:nvPr>
-            <p:ph type="sldNum" sz="quarter" idx="12"/>
-          </p:nvPr>
-        </p:nvSpPr>
-        <p:spPr/>
-        <p:txBody>
-          <a:bodyPr/>
-          <a:lstStyle/>
-          <a:p>
-            <a:fld id="{C324A925-7661-4EF3-817D-D476B64924D2}" type="slidenum">
-              <a:rPr lang="vi-VN" smtClean="0"/>
-              <a:t>6</a:t>
-            </a:fld>
-            <a:endParaRPr lang="vi-VN"/>
-          </a:p>
-        </p:txBody>
-      </p:sp>
-    </p:spTree>
-    <p:extLst>
-      <p:ext uri="{BB962C8B-B14F-4D97-AF65-F5344CB8AC3E}">
-        <p14:creationId xmlns:p14="http://schemas.microsoft.com/office/powerpoint/2010/main" val="1651014141"/>
-      </p:ext>
-    </p:extLst>
-  </p:cSld>
-  <p:clrMapOvr>
-    <a:masterClrMapping/>
-  </p:clrMapOvr>
-  <p:timing>
-    <p:tnLst>
-      <p:par>
-        <p:cTn id="1" dur="indefinite" restart="never" nodeType="tmRoot"/>
-      </p:par>
-    </p:tnLst>
-  </p:timing>
-</p:sld>
-</file>
-
 <file path=ppt/slides/slide7.xml><?xml version="1.0" encoding="utf-8"?>
 <p:sld xmlns:a="http://schemas.openxmlformats.org/drawingml/2006/main" xmlns:r="http://schemas.openxmlformats.org/officeDocument/2006/relationships" xmlns:p="http://schemas.openxmlformats.org/presentationml/2006/main">
   <p:cSld>
@@ -24964,6 +25315,229 @@
                 <a:latin typeface="Calibri" panose="020F0502020204030204" pitchFamily="34" charset="0"/>
                 <a:cs typeface="Calibri" panose="020F0502020204030204" pitchFamily="34" charset="0"/>
               </a:rPr>
+              <a:t>3. Phân tích hệ thống</a:t>
+            </a:r>
+            <a:endParaRPr lang="vi-VN">
+              <a:latin typeface="Calibri" panose="020F0502020204030204" pitchFamily="34" charset="0"/>
+              <a:cs typeface="Calibri" panose="020F0502020204030204" pitchFamily="34" charset="0"/>
+            </a:endParaRPr>
+          </a:p>
+        </p:txBody>
+      </p:sp>
+      <p:sp>
+        <p:nvSpPr>
+          <p:cNvPr id="3" name="Content Placeholder 2"/>
+          <p:cNvSpPr>
+            <a:spLocks noGrp="1"/>
+          </p:cNvSpPr>
+          <p:nvPr>
+            <p:ph idx="1"/>
+          </p:nvPr>
+        </p:nvSpPr>
+        <p:spPr>
+          <a:xfrm>
+            <a:off x="1154955" y="2331076"/>
+            <a:ext cx="10035784" cy="3688724"/>
+          </a:xfrm>
+        </p:spPr>
+        <p:txBody>
+          <a:bodyPr>
+            <a:normAutofit fontScale="92500" lnSpcReduction="10000"/>
+          </a:bodyPr>
+          <a:lstStyle/>
+          <a:p>
+            <a:pPr marL="57150" indent="0">
+              <a:buNone/>
+            </a:pPr>
+            <a:r>
+              <a:rPr lang="en-US" sz="2600" smtClean="0">
+                <a:latin typeface="Calibri" panose="020F0502020204030204" pitchFamily="34" charset="0"/>
+                <a:cs typeface="Calibri" panose="020F0502020204030204" pitchFamily="34" charset="0"/>
+              </a:rPr>
+              <a:t>3.1. Yêu cầu chức năng</a:t>
+            </a:r>
+          </a:p>
+          <a:p>
+            <a:pPr marL="57150" indent="0">
+              <a:buNone/>
+            </a:pPr>
+            <a:r>
+              <a:rPr lang="en-US" sz="2600" smtClean="0">
+                <a:latin typeface="Calibri" panose="020F0502020204030204" pitchFamily="34" charset="0"/>
+                <a:cs typeface="Calibri" panose="020F0502020204030204" pitchFamily="34" charset="0"/>
+              </a:rPr>
+              <a:t>3.2. Yêu cầu phi chức năng</a:t>
+            </a:r>
+          </a:p>
+          <a:p>
+            <a:pPr marL="57150" indent="0">
+              <a:buNone/>
+            </a:pPr>
+            <a:r>
+              <a:rPr lang="en-US" sz="2600" smtClean="0">
+                <a:latin typeface="Calibri" panose="020F0502020204030204" pitchFamily="34" charset="0"/>
+                <a:cs typeface="Calibri" panose="020F0502020204030204" pitchFamily="34" charset="0"/>
+              </a:rPr>
+              <a:t>3.3. Sơ đồ khối của hệ thống</a:t>
+            </a:r>
+          </a:p>
+          <a:p>
+            <a:pPr marL="57150" indent="0">
+              <a:buNone/>
+            </a:pPr>
+            <a:r>
+              <a:rPr lang="en-US" sz="2600" smtClean="0">
+                <a:latin typeface="Calibri" panose="020F0502020204030204" pitchFamily="34" charset="0"/>
+                <a:cs typeface="Calibri" panose="020F0502020204030204" pitchFamily="34" charset="0"/>
+              </a:rPr>
+              <a:t>3.4. Sơ đồ use case</a:t>
+            </a:r>
+          </a:p>
+          <a:p>
+            <a:pPr marL="57150" indent="0">
+              <a:buNone/>
+            </a:pPr>
+            <a:r>
+              <a:rPr lang="en-US" sz="2600" smtClean="0">
+                <a:latin typeface="Calibri" panose="020F0502020204030204" pitchFamily="34" charset="0"/>
+                <a:cs typeface="Calibri" panose="020F0502020204030204" pitchFamily="34" charset="0"/>
+              </a:rPr>
+              <a:t>3.5. Sơ đồ phân rã use case</a:t>
+            </a:r>
+          </a:p>
+          <a:p>
+            <a:pPr marL="57150" indent="0">
+              <a:buNone/>
+            </a:pPr>
+            <a:r>
+              <a:rPr lang="en-US" sz="2600" smtClean="0">
+                <a:latin typeface="Calibri" panose="020F0502020204030204" pitchFamily="34" charset="0"/>
+                <a:cs typeface="Calibri" panose="020F0502020204030204" pitchFamily="34" charset="0"/>
+              </a:rPr>
+              <a:t>3.6. Biểu đồ lớp</a:t>
+            </a:r>
+          </a:p>
+          <a:p>
+            <a:pPr marL="57150" indent="0">
+              <a:buNone/>
+            </a:pPr>
+            <a:r>
+              <a:rPr lang="en-US" sz="2600" smtClean="0">
+                <a:latin typeface="Calibri" panose="020F0502020204030204" pitchFamily="34" charset="0"/>
+                <a:cs typeface="Calibri" panose="020F0502020204030204" pitchFamily="34" charset="0"/>
+              </a:rPr>
+              <a:t>3.7. Biểu đồ hoạt động</a:t>
+            </a:r>
+          </a:p>
+          <a:p>
+            <a:pPr marL="57150" indent="0">
+              <a:buNone/>
+            </a:pPr>
+            <a:r>
+              <a:rPr lang="en-US" sz="2600" smtClean="0">
+                <a:latin typeface="Calibri" panose="020F0502020204030204" pitchFamily="34" charset="0"/>
+                <a:cs typeface="Calibri" panose="020F0502020204030204" pitchFamily="34" charset="0"/>
+              </a:rPr>
+              <a:t>3.8. Biểu đồ tuần tự</a:t>
+            </a:r>
+            <a:endParaRPr lang="vi-VN" sz="2600" smtClean="0">
+              <a:latin typeface="Calibri" panose="020F0502020204030204" pitchFamily="34" charset="0"/>
+              <a:cs typeface="Calibri" panose="020F0502020204030204" pitchFamily="34" charset="0"/>
+            </a:endParaRPr>
+          </a:p>
+          <a:p>
+            <a:endParaRPr lang="en-US" sz="2800" smtClean="0">
+              <a:cs typeface="Segoe UI" panose="020B0502040204020203" pitchFamily="34" charset="0"/>
+            </a:endParaRPr>
+          </a:p>
+          <a:p>
+            <a:endParaRPr lang="vi-VN" sz="2800">
+              <a:latin typeface="Segoe UI" panose="020B0502040204020203" pitchFamily="34" charset="0"/>
+              <a:cs typeface="Segoe UI" panose="020B0502040204020203" pitchFamily="34" charset="0"/>
+            </a:endParaRPr>
+          </a:p>
+        </p:txBody>
+      </p:sp>
+      <p:sp>
+        <p:nvSpPr>
+          <p:cNvPr id="4" name="Slide Number Placeholder 3"/>
+          <p:cNvSpPr>
+            <a:spLocks noGrp="1"/>
+          </p:cNvSpPr>
+          <p:nvPr>
+            <p:ph type="sldNum" sz="quarter" idx="12"/>
+          </p:nvPr>
+        </p:nvSpPr>
+        <p:spPr/>
+        <p:txBody>
+          <a:bodyPr/>
+          <a:lstStyle/>
+          <a:p>
+            <a:fld id="{C324A925-7661-4EF3-817D-D476B64924D2}" type="slidenum">
+              <a:rPr lang="vi-VN" smtClean="0"/>
+              <a:t>7</a:t>
+            </a:fld>
+            <a:endParaRPr lang="vi-VN"/>
+          </a:p>
+        </p:txBody>
+      </p:sp>
+    </p:spTree>
+    <p:extLst>
+      <p:ext uri="{BB962C8B-B14F-4D97-AF65-F5344CB8AC3E}">
+        <p14:creationId xmlns:p14="http://schemas.microsoft.com/office/powerpoint/2010/main" val="1651014141"/>
+      </p:ext>
+    </p:extLst>
+  </p:cSld>
+  <p:clrMapOvr>
+    <a:masterClrMapping/>
+  </p:clrMapOvr>
+  <p:timing>
+    <p:tnLst>
+      <p:par>
+        <p:cTn id="1" dur="indefinite" restart="never" nodeType="tmRoot"/>
+      </p:par>
+    </p:tnLst>
+  </p:timing>
+</p:sld>
+</file>
+
+<file path=ppt/slides/slide8.xml><?xml version="1.0" encoding="utf-8"?>
+<p:sld xmlns:a="http://schemas.openxmlformats.org/drawingml/2006/main" xmlns:r="http://schemas.openxmlformats.org/officeDocument/2006/relationships" xmlns:p="http://schemas.openxmlformats.org/presentationml/2006/main">
+  <p:cSld>
+    <p:spTree>
+      <p:nvGrpSpPr>
+        <p:cNvPr id="1" name=""/>
+        <p:cNvGrpSpPr/>
+        <p:nvPr/>
+      </p:nvGrpSpPr>
+      <p:grpSpPr>
+        <a:xfrm>
+          <a:off x="0" y="0"/>
+          <a:ext cx="0" cy="0"/>
+          <a:chOff x="0" y="0"/>
+          <a:chExt cx="0" cy="0"/>
+        </a:xfrm>
+      </p:grpSpPr>
+      <p:sp>
+        <p:nvSpPr>
+          <p:cNvPr id="2" name="Title 1"/>
+          <p:cNvSpPr>
+            <a:spLocks noGrp="1"/>
+          </p:cNvSpPr>
+          <p:nvPr>
+            <p:ph type="title"/>
+          </p:nvPr>
+        </p:nvSpPr>
+        <p:spPr/>
+        <p:txBody>
+          <a:bodyPr/>
+          <a:lstStyle/>
+          <a:p>
+            <a:r>
+              <a:rPr lang="en-US" smtClean="0">
+                <a:latin typeface="Calibri" panose="020F0502020204030204" pitchFamily="34" charset="0"/>
+                <a:cs typeface="Calibri" panose="020F0502020204030204" pitchFamily="34" charset="0"/>
+              </a:rPr>
               <a:t>3.1. Yêu cầu chức năng</a:t>
             </a:r>
             <a:endParaRPr lang="vi-VN">
@@ -25169,7 +25743,7 @@
           <a:p>
             <a:fld id="{C324A925-7661-4EF3-817D-D476B64924D2}" type="slidenum">
               <a:rPr lang="vi-VN" smtClean="0"/>
-              <a:t>7</a:t>
+              <a:t>8</a:t>
             </a:fld>
             <a:endParaRPr lang="vi-VN"/>
           </a:p>
@@ -25733,7 +26307,7 @@
 </p:sld>
 </file>
 
-<file path=ppt/slides/slide8.xml><?xml version="1.0" encoding="utf-8"?>
+<file path=ppt/slides/slide9.xml><?xml version="1.0" encoding="utf-8"?>
 <p:sld xmlns:a="http://schemas.openxmlformats.org/drawingml/2006/main" xmlns:r="http://schemas.openxmlformats.org/officeDocument/2006/relationships" xmlns:p="http://schemas.openxmlformats.org/presentationml/2006/main">
   <p:cSld>
     <p:spTree>
@@ -25862,7 +26436,7 @@
           <a:p>
             <a:fld id="{C324A925-7661-4EF3-817D-D476B64924D2}" type="slidenum">
               <a:rPr lang="vi-VN" smtClean="0"/>
-              <a:t>8</a:t>
+              <a:t>9</a:t>
             </a:fld>
             <a:endParaRPr lang="vi-VN"/>
           </a:p>
@@ -26111,215 +26685,6 @@
             </p:seq>
           </p:childTnLst>
         </p:cTn>
-      </p:par>
-    </p:tnLst>
-  </p:timing>
-</p:sld>
-</file>
-
-<file path=ppt/slides/slide9.xml><?xml version="1.0" encoding="utf-8"?>
-<p:sld xmlns:a="http://schemas.openxmlformats.org/drawingml/2006/main" xmlns:r="http://schemas.openxmlformats.org/officeDocument/2006/relationships" xmlns:p="http://schemas.openxmlformats.org/presentationml/2006/main">
-  <p:cSld>
-    <p:spTree>
-      <p:nvGrpSpPr>
-        <p:cNvPr id="1" name=""/>
-        <p:cNvGrpSpPr/>
-        <p:nvPr/>
-      </p:nvGrpSpPr>
-      <p:grpSpPr>
-        <a:xfrm>
-          <a:off x="0" y="0"/>
-          <a:ext cx="0" cy="0"/>
-          <a:chOff x="0" y="0"/>
-          <a:chExt cx="0" cy="0"/>
-        </a:xfrm>
-      </p:grpSpPr>
-      <p:sp>
-        <p:nvSpPr>
-          <p:cNvPr id="2" name="Title 1"/>
-          <p:cNvSpPr>
-            <a:spLocks noGrp="1"/>
-          </p:cNvSpPr>
-          <p:nvPr>
-            <p:ph type="title"/>
-          </p:nvPr>
-        </p:nvSpPr>
-        <p:spPr/>
-        <p:txBody>
-          <a:bodyPr/>
-          <a:lstStyle/>
-          <a:p>
-            <a:r>
-              <a:rPr lang="en-US" smtClean="0">
-                <a:latin typeface="Calibri" panose="020F0502020204030204" pitchFamily="34" charset="0"/>
-                <a:cs typeface="Calibri" panose="020F0502020204030204" pitchFamily="34" charset="0"/>
-              </a:rPr>
-              <a:t>3.2. </a:t>
-            </a:r>
-            <a:r>
-              <a:rPr lang="en-US">
-                <a:latin typeface="Calibri" panose="020F0502020204030204" pitchFamily="34" charset="0"/>
-                <a:cs typeface="Calibri" panose="020F0502020204030204" pitchFamily="34" charset="0"/>
-              </a:rPr>
-              <a:t>Yêu cầu </a:t>
-            </a:r>
-            <a:r>
-              <a:rPr lang="en-US" smtClean="0">
-                <a:latin typeface="Calibri" panose="020F0502020204030204" pitchFamily="34" charset="0"/>
-                <a:cs typeface="Calibri" panose="020F0502020204030204" pitchFamily="34" charset="0"/>
-              </a:rPr>
-              <a:t>phi chức </a:t>
-            </a:r>
-            <a:r>
-              <a:rPr lang="en-US">
-                <a:latin typeface="Calibri" panose="020F0502020204030204" pitchFamily="34" charset="0"/>
-                <a:cs typeface="Calibri" panose="020F0502020204030204" pitchFamily="34" charset="0"/>
-              </a:rPr>
-              <a:t>năng</a:t>
-            </a:r>
-            <a:endParaRPr lang="vi-VN">
-              <a:latin typeface="Calibri" panose="020F0502020204030204" pitchFamily="34" charset="0"/>
-              <a:cs typeface="Calibri" panose="020F0502020204030204" pitchFamily="34" charset="0"/>
-            </a:endParaRPr>
-          </a:p>
-        </p:txBody>
-      </p:sp>
-      <p:sp>
-        <p:nvSpPr>
-          <p:cNvPr id="3" name="Content Placeholder 2"/>
-          <p:cNvSpPr>
-            <a:spLocks noGrp="1"/>
-          </p:cNvSpPr>
-          <p:nvPr>
-            <p:ph idx="1"/>
-          </p:nvPr>
-        </p:nvSpPr>
-        <p:spPr>
-          <a:xfrm>
-            <a:off x="1154955" y="2331076"/>
-            <a:ext cx="10035784" cy="3688724"/>
-          </a:xfrm>
-        </p:spPr>
-        <p:txBody>
-          <a:bodyPr>
-            <a:normAutofit/>
-          </a:bodyPr>
-          <a:lstStyle/>
-          <a:p>
-            <a:pPr lvl="0">
-              <a:buFont typeface="Wingdings" panose="05000000000000000000" pitchFamily="2" charset="2"/>
-              <a:buChar char="q"/>
-            </a:pPr>
-            <a:r>
-              <a:rPr lang="en-US" sz="2400" smtClean="0">
-                <a:latin typeface="Calibri" panose="020F0502020204030204" pitchFamily="34" charset="0"/>
-                <a:cs typeface="Calibri" panose="020F0502020204030204" pitchFamily="34" charset="0"/>
-              </a:rPr>
-              <a:t>Hệ thống có giao diện thân thiện, dễ sử dụng, đảm bảo phục vụ được số lượng lớn người dùng truy cập đồng thời.</a:t>
-            </a:r>
-            <a:endParaRPr lang="vi-VN" sz="2400" smtClean="0">
-              <a:latin typeface="Calibri" panose="020F0502020204030204" pitchFamily="34" charset="0"/>
-              <a:cs typeface="Calibri" panose="020F0502020204030204" pitchFamily="34" charset="0"/>
-            </a:endParaRPr>
-          </a:p>
-          <a:p>
-            <a:pPr lvl="0">
-              <a:buFont typeface="Wingdings" panose="05000000000000000000" pitchFamily="2" charset="2"/>
-              <a:buChar char="q"/>
-            </a:pPr>
-            <a:r>
-              <a:rPr lang="en-US" sz="2400" smtClean="0">
-                <a:latin typeface="Calibri" panose="020F0502020204030204" pitchFamily="34" charset="0"/>
-                <a:cs typeface="Calibri" panose="020F0502020204030204" pitchFamily="34" charset="0"/>
-              </a:rPr>
-              <a:t>Có thể chạy trên nhiều nền tảng khác nhau (ứng dụng Android hoặc trên web)</a:t>
-            </a:r>
-            <a:endParaRPr lang="vi-VN" sz="2400" smtClean="0">
-              <a:latin typeface="Calibri" panose="020F0502020204030204" pitchFamily="34" charset="0"/>
-              <a:cs typeface="Calibri" panose="020F0502020204030204" pitchFamily="34" charset="0"/>
-            </a:endParaRPr>
-          </a:p>
-          <a:p>
-            <a:pPr lvl="0">
-              <a:buFont typeface="Wingdings" panose="05000000000000000000" pitchFamily="2" charset="2"/>
-              <a:buChar char="q"/>
-            </a:pPr>
-            <a:r>
-              <a:rPr lang="en-US" sz="2400" smtClean="0">
-                <a:latin typeface="Calibri" panose="020F0502020204030204" pitchFamily="34" charset="0"/>
-                <a:cs typeface="Calibri" panose="020F0502020204030204" pitchFamily="34" charset="0"/>
-              </a:rPr>
-              <a:t>Không xung đột với các ứng dụng khác</a:t>
-            </a:r>
-            <a:endParaRPr lang="vi-VN" sz="2400" smtClean="0">
-              <a:latin typeface="Calibri" panose="020F0502020204030204" pitchFamily="34" charset="0"/>
-              <a:cs typeface="Calibri" panose="020F0502020204030204" pitchFamily="34" charset="0"/>
-            </a:endParaRPr>
-          </a:p>
-          <a:p>
-            <a:pPr lvl="0">
-              <a:buFont typeface="Wingdings" panose="05000000000000000000" pitchFamily="2" charset="2"/>
-              <a:buChar char="q"/>
-            </a:pPr>
-            <a:r>
-              <a:rPr lang="en-US" sz="2400" smtClean="0">
-                <a:latin typeface="Calibri" panose="020F0502020204030204" pitchFamily="34" charset="0"/>
-                <a:cs typeface="Calibri" panose="020F0502020204030204" pitchFamily="34" charset="0"/>
-              </a:rPr>
-              <a:t>Dễ dàng bảo trì, cập nhật</a:t>
-            </a:r>
-            <a:endParaRPr lang="vi-VN" sz="2400" smtClean="0">
-              <a:latin typeface="Calibri" panose="020F0502020204030204" pitchFamily="34" charset="0"/>
-              <a:cs typeface="Calibri" panose="020F0502020204030204" pitchFamily="34" charset="0"/>
-            </a:endParaRPr>
-          </a:p>
-          <a:p>
-            <a:pPr marL="0" indent="0">
-              <a:buNone/>
-            </a:pPr>
-            <a:endParaRPr lang="en-US" sz="2800" smtClean="0">
-              <a:cs typeface="Segoe UI" panose="020B0502040204020203" pitchFamily="34" charset="0"/>
-            </a:endParaRPr>
-          </a:p>
-        </p:txBody>
-      </p:sp>
-      <p:sp>
-        <p:nvSpPr>
-          <p:cNvPr id="4" name="Slide Number Placeholder 3"/>
-          <p:cNvSpPr>
-            <a:spLocks noGrp="1"/>
-          </p:cNvSpPr>
-          <p:nvPr>
-            <p:ph type="sldNum" sz="quarter" idx="12"/>
-          </p:nvPr>
-        </p:nvSpPr>
-        <p:spPr/>
-        <p:txBody>
-          <a:bodyPr/>
-          <a:lstStyle/>
-          <a:p>
-            <a:fld id="{C324A925-7661-4EF3-817D-D476B64924D2}" type="slidenum">
-              <a:rPr lang="vi-VN" smtClean="0"/>
-              <a:t>9</a:t>
-            </a:fld>
-            <a:endParaRPr lang="vi-VN"/>
-          </a:p>
-        </p:txBody>
-      </p:sp>
-    </p:spTree>
-    <p:extLst>
-      <p:ext uri="{BB962C8B-B14F-4D97-AF65-F5344CB8AC3E}">
-        <p14:creationId xmlns:p14="http://schemas.microsoft.com/office/powerpoint/2010/main" val="1852136768"/>
-      </p:ext>
-    </p:extLst>
-  </p:cSld>
-  <p:clrMapOvr>
-    <a:masterClrMapping/>
-  </p:clrMapOvr>
-  <p:timing>
-    <p:tnLst>
-      <p:par>
-        <p:cTn id="1" dur="indefinite" restart="never" nodeType="tmRoot"/>
       </p:par>
     </p:tnLst>
   </p:timing>
